--- a/zarodolgozat.pptx
+++ b/zarodolgozat.pptx
@@ -4,8 +4,20 @@
   <p:sldMasterIdLst>
     <p:sldMasterId id="2147483648" r:id="rId1"/>
   </p:sldMasterIdLst>
+  <p:notesMasterIdLst>
+    <p:notesMasterId r:id="rId12"/>
+  </p:notesMasterIdLst>
   <p:sldIdLst>
     <p:sldId id="256" r:id="rId2"/>
+    <p:sldId id="258" r:id="rId3"/>
+    <p:sldId id="257" r:id="rId4"/>
+    <p:sldId id="265" r:id="rId5"/>
+    <p:sldId id="259" r:id="rId6"/>
+    <p:sldId id="260" r:id="rId7"/>
+    <p:sldId id="262" r:id="rId8"/>
+    <p:sldId id="263" r:id="rId9"/>
+    <p:sldId id="261" r:id="rId10"/>
+    <p:sldId id="264" r:id="rId11"/>
   </p:sldIdLst>
   <p:sldSz cx="12192000" cy="6858000"/>
   <p:notesSz cx="6858000" cy="9144000"/>
@@ -104,7 +116,362 @@
       </a:defRPr>
     </a:lvl9pPr>
   </p:defaultTextStyle>
+  <p:extLst>
+    <p:ext uri="{EFAFB233-063F-42B5-8137-9DF3F51BA10A}">
+      <p15:sldGuideLst xmlns:p15="http://schemas.microsoft.com/office/powerpoint/2012/main"/>
+    </p:ext>
+  </p:extLst>
 </p:presentation>
+</file>
+
+<file path=ppt/notesMasters/notesMaster1.xml><?xml version="1.0" encoding="utf-8"?>
+<p:notesMaster xmlns:a="http://schemas.openxmlformats.org/drawingml/2006/main" xmlns:r="http://schemas.openxmlformats.org/officeDocument/2006/relationships" xmlns:p="http://schemas.openxmlformats.org/presentationml/2006/main">
+  <p:cSld>
+    <p:bg>
+      <p:bgRef idx="1001">
+        <a:schemeClr val="bg1"/>
+      </p:bgRef>
+    </p:bg>
+    <p:spTree>
+      <p:nvGrpSpPr>
+        <p:cNvPr id="1" name=""/>
+        <p:cNvGrpSpPr/>
+        <p:nvPr/>
+      </p:nvGrpSpPr>
+      <p:grpSpPr>
+        <a:xfrm>
+          <a:off x="0" y="0"/>
+          <a:ext cx="0" cy="0"/>
+          <a:chOff x="0" y="0"/>
+          <a:chExt cx="0" cy="0"/>
+        </a:xfrm>
+      </p:grpSpPr>
+      <p:sp>
+        <p:nvSpPr>
+          <p:cNvPr id="2" name="Élőfej helye 1"/>
+          <p:cNvSpPr>
+            <a:spLocks noGrp="1"/>
+          </p:cNvSpPr>
+          <p:nvPr>
+            <p:ph type="hdr" sz="quarter"/>
+          </p:nvPr>
+        </p:nvSpPr>
+        <p:spPr>
+          <a:xfrm>
+            <a:off x="0" y="0"/>
+            <a:ext cx="2971800" cy="458788"/>
+          </a:xfrm>
+          <a:prstGeom prst="rect">
+            <a:avLst/>
+          </a:prstGeom>
+        </p:spPr>
+        <p:txBody>
+          <a:bodyPr vert="horz" lIns="91440" tIns="45720" rIns="91440" bIns="45720" rtlCol="0"/>
+          <a:lstStyle>
+            <a:lvl1pPr algn="l">
+              <a:defRPr sz="1200"/>
+            </a:lvl1pPr>
+          </a:lstStyle>
+          <a:p>
+            <a:endParaRPr lang="en-US"/>
+          </a:p>
+        </p:txBody>
+      </p:sp>
+      <p:sp>
+        <p:nvSpPr>
+          <p:cNvPr id="3" name="Dátum helye 2"/>
+          <p:cNvSpPr>
+            <a:spLocks noGrp="1"/>
+          </p:cNvSpPr>
+          <p:nvPr>
+            <p:ph type="dt" idx="1"/>
+          </p:nvPr>
+        </p:nvSpPr>
+        <p:spPr>
+          <a:xfrm>
+            <a:off x="3884613" y="0"/>
+            <a:ext cx="2971800" cy="458788"/>
+          </a:xfrm>
+          <a:prstGeom prst="rect">
+            <a:avLst/>
+          </a:prstGeom>
+        </p:spPr>
+        <p:txBody>
+          <a:bodyPr vert="horz" lIns="91440" tIns="45720" rIns="91440" bIns="45720" rtlCol="0"/>
+          <a:lstStyle>
+            <a:lvl1pPr algn="r">
+              <a:defRPr sz="1200"/>
+            </a:lvl1pPr>
+          </a:lstStyle>
+          <a:p>
+            <a:fld id="{953D77B0-042F-4C58-849D-B1FE737FD258}" type="datetimeFigureOut">
+              <a:rPr lang="en-US" smtClean="0"/>
+              <a:t>5/25/2025</a:t>
+            </a:fld>
+            <a:endParaRPr lang="en-US"/>
+          </a:p>
+        </p:txBody>
+      </p:sp>
+      <p:sp>
+        <p:nvSpPr>
+          <p:cNvPr id="4" name="Diakép helye 3"/>
+          <p:cNvSpPr>
+            <a:spLocks noGrp="1" noRot="1" noChangeAspect="1"/>
+          </p:cNvSpPr>
+          <p:nvPr>
+            <p:ph type="sldImg" idx="2"/>
+          </p:nvPr>
+        </p:nvSpPr>
+        <p:spPr>
+          <a:xfrm>
+            <a:off x="685800" y="1143000"/>
+            <a:ext cx="5486400" cy="3086100"/>
+          </a:xfrm>
+          <a:prstGeom prst="rect">
+            <a:avLst/>
+          </a:prstGeom>
+          <a:noFill/>
+          <a:ln w="12700">
+            <a:solidFill>
+              <a:prstClr val="black"/>
+            </a:solidFill>
+          </a:ln>
+        </p:spPr>
+        <p:txBody>
+          <a:bodyPr vert="horz" lIns="91440" tIns="45720" rIns="91440" bIns="45720" rtlCol="0" anchor="ctr"/>
+          <a:lstStyle/>
+          <a:p>
+            <a:endParaRPr lang="en-US"/>
+          </a:p>
+        </p:txBody>
+      </p:sp>
+      <p:sp>
+        <p:nvSpPr>
+          <p:cNvPr id="5" name="Jegyzetek helye 4"/>
+          <p:cNvSpPr>
+            <a:spLocks noGrp="1"/>
+          </p:cNvSpPr>
+          <p:nvPr>
+            <p:ph type="body" sz="quarter" idx="3"/>
+          </p:nvPr>
+        </p:nvSpPr>
+        <p:spPr>
+          <a:xfrm>
+            <a:off x="685800" y="4400550"/>
+            <a:ext cx="5486400" cy="3600450"/>
+          </a:xfrm>
+          <a:prstGeom prst="rect">
+            <a:avLst/>
+          </a:prstGeom>
+        </p:spPr>
+        <p:txBody>
+          <a:bodyPr vert="horz" lIns="91440" tIns="45720" rIns="91440" bIns="45720" rtlCol="0"/>
+          <a:lstStyle/>
+          <a:p>
+            <a:pPr lvl="0"/>
+            <a:r>
+              <a:rPr lang="hu-HU"/>
+              <a:t>Mintaszöveg szerkesztése</a:t>
+            </a:r>
+          </a:p>
+          <a:p>
+            <a:pPr lvl="1"/>
+            <a:r>
+              <a:rPr lang="hu-HU"/>
+              <a:t>Második szint</a:t>
+            </a:r>
+          </a:p>
+          <a:p>
+            <a:pPr lvl="2"/>
+            <a:r>
+              <a:rPr lang="hu-HU"/>
+              <a:t>Harmadik szint</a:t>
+            </a:r>
+          </a:p>
+          <a:p>
+            <a:pPr lvl="3"/>
+            <a:r>
+              <a:rPr lang="hu-HU"/>
+              <a:t>Negyedik szint</a:t>
+            </a:r>
+          </a:p>
+          <a:p>
+            <a:pPr lvl="4"/>
+            <a:r>
+              <a:rPr lang="hu-HU"/>
+              <a:t>Ötödik szint</a:t>
+            </a:r>
+            <a:endParaRPr lang="en-US"/>
+          </a:p>
+        </p:txBody>
+      </p:sp>
+      <p:sp>
+        <p:nvSpPr>
+          <p:cNvPr id="6" name="Élőláb helye 5"/>
+          <p:cNvSpPr>
+            <a:spLocks noGrp="1"/>
+          </p:cNvSpPr>
+          <p:nvPr>
+            <p:ph type="ftr" sz="quarter" idx="4"/>
+          </p:nvPr>
+        </p:nvSpPr>
+        <p:spPr>
+          <a:xfrm>
+            <a:off x="0" y="8685213"/>
+            <a:ext cx="2971800" cy="458787"/>
+          </a:xfrm>
+          <a:prstGeom prst="rect">
+            <a:avLst/>
+          </a:prstGeom>
+        </p:spPr>
+        <p:txBody>
+          <a:bodyPr vert="horz" lIns="91440" tIns="45720" rIns="91440" bIns="45720" rtlCol="0" anchor="b"/>
+          <a:lstStyle>
+            <a:lvl1pPr algn="l">
+              <a:defRPr sz="1200"/>
+            </a:lvl1pPr>
+          </a:lstStyle>
+          <a:p>
+            <a:endParaRPr lang="en-US"/>
+          </a:p>
+        </p:txBody>
+      </p:sp>
+      <p:sp>
+        <p:nvSpPr>
+          <p:cNvPr id="7" name="Dia számának helye 6"/>
+          <p:cNvSpPr>
+            <a:spLocks noGrp="1"/>
+          </p:cNvSpPr>
+          <p:nvPr>
+            <p:ph type="sldNum" sz="quarter" idx="5"/>
+          </p:nvPr>
+        </p:nvSpPr>
+        <p:spPr>
+          <a:xfrm>
+            <a:off x="3884613" y="8685213"/>
+            <a:ext cx="2971800" cy="458787"/>
+          </a:xfrm>
+          <a:prstGeom prst="rect">
+            <a:avLst/>
+          </a:prstGeom>
+        </p:spPr>
+        <p:txBody>
+          <a:bodyPr vert="horz" lIns="91440" tIns="45720" rIns="91440" bIns="45720" rtlCol="0" anchor="b"/>
+          <a:lstStyle>
+            <a:lvl1pPr algn="r">
+              <a:defRPr sz="1200"/>
+            </a:lvl1pPr>
+          </a:lstStyle>
+          <a:p>
+            <a:fld id="{C6AA95D4-5F87-4655-860F-791BBDD301F8}" type="slidenum">
+              <a:rPr lang="en-US" smtClean="0"/>
+              <a:t>‹#›</a:t>
+            </a:fld>
+            <a:endParaRPr lang="en-US"/>
+          </a:p>
+        </p:txBody>
+      </p:sp>
+    </p:spTree>
+    <p:extLst>
+      <p:ext uri="{BB962C8B-B14F-4D97-AF65-F5344CB8AC3E}">
+        <p14:creationId xmlns:p14="http://schemas.microsoft.com/office/powerpoint/2010/main" val="3681378965"/>
+      </p:ext>
+    </p:extLst>
+  </p:cSld>
+  <p:clrMap bg1="lt1" tx1="dk1" bg2="lt2" tx2="dk2" accent1="accent1" accent2="accent2" accent3="accent3" accent4="accent4" accent5="accent5" accent6="accent6" hlink="hlink" folHlink="folHlink"/>
+  <p:notesStyle>
+    <a:lvl1pPr marL="0" algn="l" defTabSz="914400" rtl="0" eaLnBrk="1" latinLnBrk="0" hangingPunct="1">
+      <a:defRPr sz="1200" kern="1200">
+        <a:solidFill>
+          <a:schemeClr val="tx1"/>
+        </a:solidFill>
+        <a:latin typeface="+mn-lt"/>
+        <a:ea typeface="+mn-ea"/>
+        <a:cs typeface="+mn-cs"/>
+      </a:defRPr>
+    </a:lvl1pPr>
+    <a:lvl2pPr marL="457200" algn="l" defTabSz="914400" rtl="0" eaLnBrk="1" latinLnBrk="0" hangingPunct="1">
+      <a:defRPr sz="1200" kern="1200">
+        <a:solidFill>
+          <a:schemeClr val="tx1"/>
+        </a:solidFill>
+        <a:latin typeface="+mn-lt"/>
+        <a:ea typeface="+mn-ea"/>
+        <a:cs typeface="+mn-cs"/>
+      </a:defRPr>
+    </a:lvl2pPr>
+    <a:lvl3pPr marL="914400" algn="l" defTabSz="914400" rtl="0" eaLnBrk="1" latinLnBrk="0" hangingPunct="1">
+      <a:defRPr sz="1200" kern="1200">
+        <a:solidFill>
+          <a:schemeClr val="tx1"/>
+        </a:solidFill>
+        <a:latin typeface="+mn-lt"/>
+        <a:ea typeface="+mn-ea"/>
+        <a:cs typeface="+mn-cs"/>
+      </a:defRPr>
+    </a:lvl3pPr>
+    <a:lvl4pPr marL="1371600" algn="l" defTabSz="914400" rtl="0" eaLnBrk="1" latinLnBrk="0" hangingPunct="1">
+      <a:defRPr sz="1200" kern="1200">
+        <a:solidFill>
+          <a:schemeClr val="tx1"/>
+        </a:solidFill>
+        <a:latin typeface="+mn-lt"/>
+        <a:ea typeface="+mn-ea"/>
+        <a:cs typeface="+mn-cs"/>
+      </a:defRPr>
+    </a:lvl4pPr>
+    <a:lvl5pPr marL="1828800" algn="l" defTabSz="914400" rtl="0" eaLnBrk="1" latinLnBrk="0" hangingPunct="1">
+      <a:defRPr sz="1200" kern="1200">
+        <a:solidFill>
+          <a:schemeClr val="tx1"/>
+        </a:solidFill>
+        <a:latin typeface="+mn-lt"/>
+        <a:ea typeface="+mn-ea"/>
+        <a:cs typeface="+mn-cs"/>
+      </a:defRPr>
+    </a:lvl5pPr>
+    <a:lvl6pPr marL="2286000" algn="l" defTabSz="914400" rtl="0" eaLnBrk="1" latinLnBrk="0" hangingPunct="1">
+      <a:defRPr sz="1200" kern="1200">
+        <a:solidFill>
+          <a:schemeClr val="tx1"/>
+        </a:solidFill>
+        <a:latin typeface="+mn-lt"/>
+        <a:ea typeface="+mn-ea"/>
+        <a:cs typeface="+mn-cs"/>
+      </a:defRPr>
+    </a:lvl6pPr>
+    <a:lvl7pPr marL="2743200" algn="l" defTabSz="914400" rtl="0" eaLnBrk="1" latinLnBrk="0" hangingPunct="1">
+      <a:defRPr sz="1200" kern="1200">
+        <a:solidFill>
+          <a:schemeClr val="tx1"/>
+        </a:solidFill>
+        <a:latin typeface="+mn-lt"/>
+        <a:ea typeface="+mn-ea"/>
+        <a:cs typeface="+mn-cs"/>
+      </a:defRPr>
+    </a:lvl7pPr>
+    <a:lvl8pPr marL="3200400" algn="l" defTabSz="914400" rtl="0" eaLnBrk="1" latinLnBrk="0" hangingPunct="1">
+      <a:defRPr sz="1200" kern="1200">
+        <a:solidFill>
+          <a:schemeClr val="tx1"/>
+        </a:solidFill>
+        <a:latin typeface="+mn-lt"/>
+        <a:ea typeface="+mn-ea"/>
+        <a:cs typeface="+mn-cs"/>
+      </a:defRPr>
+    </a:lvl8pPr>
+    <a:lvl9pPr marL="3657600" algn="l" defTabSz="914400" rtl="0" eaLnBrk="1" latinLnBrk="0" hangingPunct="1">
+      <a:defRPr sz="1200" kern="1200">
+        <a:solidFill>
+          <a:schemeClr val="tx1"/>
+        </a:solidFill>
+        <a:latin typeface="+mn-lt"/>
+        <a:ea typeface="+mn-ea"/>
+        <a:cs typeface="+mn-cs"/>
+      </a:defRPr>
+    </a:lvl9pPr>
+  </p:notesStyle>
+</p:notesMaster>
 </file>
 
 <file path=ppt/slideLayouts/slideLayout1.xml><?xml version="1.0" encoding="utf-8"?>
@@ -254,9 +621,9 @@
           <a:bodyPr/>
           <a:lstStyle/>
           <a:p>
-            <a:fld id="{72B183D5-F93F-403B-A448-3202858EC570}" type="datetimeFigureOut">
+            <a:fld id="{36C77FC4-BBD4-40EA-946F-23E156579614}" type="datetime1">
               <a:rPr lang="hu-HU" smtClean="0"/>
-              <a:t>2025. 04. 27.</a:t>
+              <a:t>2025. 05. 25.</a:t>
             </a:fld>
             <a:endParaRPr lang="hu-HU"/>
           </a:p>
@@ -454,9 +821,9 @@
           <a:bodyPr/>
           <a:lstStyle/>
           <a:p>
-            <a:fld id="{72B183D5-F93F-403B-A448-3202858EC570}" type="datetimeFigureOut">
+            <a:fld id="{1AB524CF-6F32-4695-8C17-BA9A6A65A935}" type="datetime1">
               <a:rPr lang="hu-HU" smtClean="0"/>
-              <a:t>2025. 04. 27.</a:t>
+              <a:t>2025. 05. 25.</a:t>
             </a:fld>
             <a:endParaRPr lang="hu-HU"/>
           </a:p>
@@ -664,9 +1031,9 @@
           <a:bodyPr/>
           <a:lstStyle/>
           <a:p>
-            <a:fld id="{72B183D5-F93F-403B-A448-3202858EC570}" type="datetimeFigureOut">
+            <a:fld id="{97E1C35E-89D6-45CF-BA89-BEE2269ACEB7}" type="datetime1">
               <a:rPr lang="hu-HU" smtClean="0"/>
-              <a:t>2025. 04. 27.</a:t>
+              <a:t>2025. 05. 25.</a:t>
             </a:fld>
             <a:endParaRPr lang="hu-HU"/>
           </a:p>
@@ -864,9 +1231,9 @@
           <a:bodyPr/>
           <a:lstStyle/>
           <a:p>
-            <a:fld id="{72B183D5-F93F-403B-A448-3202858EC570}" type="datetimeFigureOut">
+            <a:fld id="{707AA951-DCDB-4C68-A039-E4449BFA441E}" type="datetime1">
               <a:rPr lang="hu-HU" smtClean="0"/>
-              <a:t>2025. 04. 27.</a:t>
+              <a:t>2025. 05. 25.</a:t>
             </a:fld>
             <a:endParaRPr lang="hu-HU"/>
           </a:p>
@@ -1140,9 +1507,9 @@
           <a:bodyPr/>
           <a:lstStyle/>
           <a:p>
-            <a:fld id="{72B183D5-F93F-403B-A448-3202858EC570}" type="datetimeFigureOut">
+            <a:fld id="{07FCFCE3-7677-406B-8028-26D60BB110E1}" type="datetime1">
               <a:rPr lang="hu-HU" smtClean="0"/>
-              <a:t>2025. 04. 27.</a:t>
+              <a:t>2025. 05. 25.</a:t>
             </a:fld>
             <a:endParaRPr lang="hu-HU"/>
           </a:p>
@@ -1408,9 +1775,9 @@
           <a:bodyPr/>
           <a:lstStyle/>
           <a:p>
-            <a:fld id="{72B183D5-F93F-403B-A448-3202858EC570}" type="datetimeFigureOut">
+            <a:fld id="{86F569AC-D7B4-469C-83EC-AA8F3AC47314}" type="datetime1">
               <a:rPr lang="hu-HU" smtClean="0"/>
-              <a:t>2025. 04. 27.</a:t>
+              <a:t>2025. 05. 25.</a:t>
             </a:fld>
             <a:endParaRPr lang="hu-HU"/>
           </a:p>
@@ -1823,9 +2190,9 @@
           <a:bodyPr/>
           <a:lstStyle/>
           <a:p>
-            <a:fld id="{72B183D5-F93F-403B-A448-3202858EC570}" type="datetimeFigureOut">
+            <a:fld id="{8DE02000-BB6C-46B2-AA0E-49884F18E572}" type="datetime1">
               <a:rPr lang="hu-HU" smtClean="0"/>
-              <a:t>2025. 04. 27.</a:t>
+              <a:t>2025. 05. 25.</a:t>
             </a:fld>
             <a:endParaRPr lang="hu-HU"/>
           </a:p>
@@ -1965,9 +2332,9 @@
           <a:bodyPr/>
           <a:lstStyle/>
           <a:p>
-            <a:fld id="{72B183D5-F93F-403B-A448-3202858EC570}" type="datetimeFigureOut">
+            <a:fld id="{AF778578-D062-4BC2-876E-96DCD41EF153}" type="datetime1">
               <a:rPr lang="hu-HU" smtClean="0"/>
-              <a:t>2025. 04. 27.</a:t>
+              <a:t>2025. 05. 25.</a:t>
             </a:fld>
             <a:endParaRPr lang="hu-HU"/>
           </a:p>
@@ -2078,9 +2445,9 @@
           <a:bodyPr/>
           <a:lstStyle/>
           <a:p>
-            <a:fld id="{72B183D5-F93F-403B-A448-3202858EC570}" type="datetimeFigureOut">
+            <a:fld id="{4B5ECC2D-3F84-4696-A5AD-72388B614782}" type="datetime1">
               <a:rPr lang="hu-HU" smtClean="0"/>
-              <a:t>2025. 04. 27.</a:t>
+              <a:t>2025. 05. 25.</a:t>
             </a:fld>
             <a:endParaRPr lang="hu-HU"/>
           </a:p>
@@ -2391,9 +2758,9 @@
           <a:bodyPr/>
           <a:lstStyle/>
           <a:p>
-            <a:fld id="{72B183D5-F93F-403B-A448-3202858EC570}" type="datetimeFigureOut">
+            <a:fld id="{D8D43123-E804-4196-BDA8-3B71C339BB4B}" type="datetime1">
               <a:rPr lang="hu-HU" smtClean="0"/>
-              <a:t>2025. 04. 27.</a:t>
+              <a:t>2025. 05. 25.</a:t>
             </a:fld>
             <a:endParaRPr lang="hu-HU"/>
           </a:p>
@@ -2680,9 +3047,9 @@
           <a:bodyPr/>
           <a:lstStyle/>
           <a:p>
-            <a:fld id="{72B183D5-F93F-403B-A448-3202858EC570}" type="datetimeFigureOut">
+            <a:fld id="{EF28679D-A253-443D-9CEF-7522A0A416A1}" type="datetime1">
               <a:rPr lang="hu-HU" smtClean="0"/>
-              <a:t>2025. 04. 27.</a:t>
+              <a:t>2025. 05. 25.</a:t>
             </a:fld>
             <a:endParaRPr lang="hu-HU"/>
           </a:p>
@@ -2759,9 +3126,12 @@
 <p:sldMaster xmlns:a="http://schemas.openxmlformats.org/drawingml/2006/main" xmlns:r="http://schemas.openxmlformats.org/officeDocument/2006/relationships" xmlns:p="http://schemas.openxmlformats.org/presentationml/2006/main">
   <p:cSld>
     <p:bg>
-      <p:bgRef idx="1001">
-        <a:schemeClr val="bg1"/>
-      </p:bgRef>
+      <p:bgPr>
+        <a:solidFill>
+          <a:schemeClr val="bg1"/>
+        </a:solidFill>
+        <a:effectLst/>
+      </p:bgPr>
     </p:bg>
     <p:spTree>
       <p:nvGrpSpPr>
@@ -2923,9 +3293,9 @@
             </a:lvl1pPr>
           </a:lstStyle>
           <a:p>
-            <a:fld id="{72B183D5-F93F-403B-A448-3202858EC570}" type="datetimeFigureOut">
+            <a:fld id="{78617A68-F135-48EF-A31E-A3D2C0B47C1B}" type="datetime1">
               <a:rPr lang="hu-HU" smtClean="0"/>
-              <a:t>2025. 04. 27.</a:t>
+              <a:t>2025. 05. 25.</a:t>
             </a:fld>
             <a:endParaRPr lang="hu-HU"/>
           </a:p>
@@ -3017,10 +3387,47 @@
               <a:rPr lang="hu-HU" smtClean="0"/>
               <a:t>‹#›</a:t>
             </a:fld>
-            <a:endParaRPr lang="hu-HU"/>
-          </a:p>
-        </p:txBody>
-      </p:sp>
+            <a:endParaRPr lang="hu-HU" dirty="0"/>
+          </a:p>
+        </p:txBody>
+      </p:sp>
+      <p:pic>
+        <p:nvPicPr>
+          <p:cNvPr id="9" name="Kép 8">
+            <a:extLst>
+              <a:ext uri="{FF2B5EF4-FFF2-40B4-BE49-F238E27FC236}">
+                <a16:creationId xmlns:a16="http://schemas.microsoft.com/office/drawing/2014/main" id="{1C825285-72FE-4FDD-AC19-C56D04E19AA9}"/>
+              </a:ext>
+            </a:extLst>
+          </p:cNvPr>
+          <p:cNvPicPr>
+            <a:picLocks noChangeAspect="1"/>
+          </p:cNvPicPr>
+          <p:nvPr userDrawn="1"/>
+        </p:nvPicPr>
+        <p:blipFill>
+          <a:blip r:embed="rId13">
+            <a:grayscl/>
+            <a:extLst>
+              <a:ext uri="{28A0092B-C50C-407E-A947-70E740481C1C}">
+                <a14:useLocalDpi xmlns:a14="http://schemas.microsoft.com/office/drawing/2010/main" val="0"/>
+              </a:ext>
+            </a:extLst>
+          </a:blip>
+          <a:stretch>
+            <a:fillRect/>
+          </a:stretch>
+        </p:blipFill>
+        <p:spPr>
+          <a:xfrm>
+            <a:off x="11353800" y="5803545"/>
+            <a:ext cx="653142" cy="917930"/>
+          </a:xfrm>
+          <a:prstGeom prst="rect">
+            <a:avLst/>
+          </a:prstGeom>
+        </p:spPr>
+      </p:pic>
     </p:spTree>
     <p:extLst>
       <p:ext uri="{BB962C8B-B14F-4D97-AF65-F5344CB8AC3E}">
@@ -3042,6 +3449,7 @@
     <p:sldLayoutId id="2147483658" r:id="rId10"/>
     <p:sldLayoutId id="2147483659" r:id="rId11"/>
   </p:sldLayoutIdLst>
+  <p:hf sldNum="0" hdr="0" ftr="0" dt="0"/>
   <p:txStyles>
     <p:titleStyle>
       <a:lvl1pPr algn="l" defTabSz="914400" rtl="0" eaLnBrk="1" latinLnBrk="0" hangingPunct="1">
@@ -3358,16 +3766,25 @@
             <p:ph type="ctrTitle"/>
           </p:nvPr>
         </p:nvSpPr>
-        <p:spPr/>
+        <p:spPr>
+          <a:xfrm>
+            <a:off x="2656702" y="2896066"/>
+            <a:ext cx="6878595" cy="1065867"/>
+          </a:xfrm>
+        </p:spPr>
         <p:txBody>
           <a:bodyPr/>
           <a:lstStyle/>
           <a:p>
             <a:r>
-              <a:rPr lang="hu-HU" dirty="0" err="1"/>
+              <a:rPr lang="hu-HU" dirty="0" err="1">
+                <a:latin typeface="+mn-lt"/>
+              </a:rPr>
               <a:t>Elevate</a:t>
             </a:r>
-            <a:endParaRPr lang="hu-HU" dirty="0"/>
+            <a:endParaRPr lang="hu-HU" dirty="0">
+              <a:latin typeface="+mn-lt"/>
+            </a:endParaRPr>
           </a:p>
         </p:txBody>
       </p:sp>
@@ -3387,30 +3804,2980 @@
             <p:ph type="subTitle" idx="1"/>
           </p:nvPr>
         </p:nvSpPr>
-        <p:spPr/>
+        <p:spPr>
+          <a:xfrm>
+            <a:off x="1523999" y="4098315"/>
+            <a:ext cx="9144000" cy="1655762"/>
+          </a:xfrm>
+        </p:spPr>
         <p:txBody>
           <a:bodyPr/>
           <a:lstStyle/>
           <a:p>
             <a:r>
-              <a:rPr lang="hu-HU" dirty="0"/>
-              <a:t>Somlói Dávid, Trifusz Huba, </a:t>
-            </a:r>
-            <a:r>
-              <a:rPr lang="hu-HU" dirty="0" err="1"/>
+              <a:rPr lang="hu-HU" dirty="0">
+                <a:solidFill>
+                  <a:schemeClr val="tx1">
+                    <a:lumMod val="65000"/>
+                    <a:lumOff val="35000"/>
+                  </a:schemeClr>
+                </a:solidFill>
+              </a:rPr>
+              <a:t>Somlói Dávid</a:t>
+            </a:r>
+            <a:br>
+              <a:rPr lang="hu-HU" dirty="0">
+                <a:solidFill>
+                  <a:schemeClr val="tx1">
+                    <a:lumMod val="65000"/>
+                    <a:lumOff val="35000"/>
+                  </a:schemeClr>
+                </a:solidFill>
+              </a:rPr>
+            </a:br>
+            <a:r>
+              <a:rPr lang="hu-HU" dirty="0">
+                <a:solidFill>
+                  <a:schemeClr val="tx1">
+                    <a:lumMod val="65000"/>
+                    <a:lumOff val="35000"/>
+                  </a:schemeClr>
+                </a:solidFill>
+              </a:rPr>
+              <a:t>Trifusz Huba</a:t>
+            </a:r>
+            <a:br>
+              <a:rPr lang="hu-HU" dirty="0">
+                <a:solidFill>
+                  <a:schemeClr val="tx1">
+                    <a:lumMod val="65000"/>
+                    <a:lumOff val="35000"/>
+                  </a:schemeClr>
+                </a:solidFill>
+              </a:rPr>
+            </a:br>
+            <a:r>
+              <a:rPr lang="hu-HU" dirty="0" err="1">
+                <a:solidFill>
+                  <a:schemeClr val="tx1">
+                    <a:lumMod val="65000"/>
+                    <a:lumOff val="35000"/>
+                  </a:schemeClr>
+                </a:solidFill>
+              </a:rPr>
               <a:t>Verba</a:t>
             </a:r>
             <a:r>
-              <a:rPr lang="hu-HU" dirty="0"/>
+              <a:rPr lang="hu-HU" dirty="0">
+                <a:solidFill>
+                  <a:schemeClr val="tx1">
+                    <a:lumMod val="65000"/>
+                    <a:lumOff val="35000"/>
+                  </a:schemeClr>
+                </a:solidFill>
+              </a:rPr>
               <a:t> Viktor</a:t>
             </a:r>
           </a:p>
         </p:txBody>
       </p:sp>
+      <p:pic>
+        <p:nvPicPr>
+          <p:cNvPr id="4" name="Kép 3">
+            <a:extLst>
+              <a:ext uri="{FF2B5EF4-FFF2-40B4-BE49-F238E27FC236}">
+                <a16:creationId xmlns:a16="http://schemas.microsoft.com/office/drawing/2014/main" id="{3D57ED08-677F-451A-9231-B6727765C7F0}"/>
+              </a:ext>
+            </a:extLst>
+          </p:cNvPr>
+          <p:cNvPicPr>
+            <a:picLocks noChangeAspect="1"/>
+          </p:cNvPicPr>
+          <p:nvPr/>
+        </p:nvPicPr>
+        <p:blipFill>
+          <a:blip r:embed="rId2"/>
+          <a:stretch>
+            <a:fillRect/>
+          </a:stretch>
+        </p:blipFill>
+        <p:spPr>
+          <a:xfrm>
+            <a:off x="2100649" y="0"/>
+            <a:ext cx="7990702" cy="2315714"/>
+          </a:xfrm>
+          <a:prstGeom prst="rect">
+            <a:avLst/>
+          </a:prstGeom>
+        </p:spPr>
+      </p:pic>
     </p:spTree>
     <p:extLst>
       <p:ext uri="{BB962C8B-B14F-4D97-AF65-F5344CB8AC3E}">
         <p14:creationId xmlns:p14="http://schemas.microsoft.com/office/powerpoint/2010/main" val="4106338585"/>
+      </p:ext>
+    </p:extLst>
+  </p:cSld>
+  <p:clrMapOvr>
+    <a:masterClrMapping/>
+  </p:clrMapOvr>
+</p:sld>
+</file>
+
+<file path=ppt/slides/slide10.xml><?xml version="1.0" encoding="utf-8"?>
+<p:sld xmlns:a="http://schemas.openxmlformats.org/drawingml/2006/main" xmlns:r="http://schemas.openxmlformats.org/officeDocument/2006/relationships" xmlns:p="http://schemas.openxmlformats.org/presentationml/2006/main">
+  <p:cSld>
+    <p:spTree>
+      <p:nvGrpSpPr>
+        <p:cNvPr id="1" name=""/>
+        <p:cNvGrpSpPr/>
+        <p:nvPr/>
+      </p:nvGrpSpPr>
+      <p:grpSpPr>
+        <a:xfrm>
+          <a:off x="0" y="0"/>
+          <a:ext cx="0" cy="0"/>
+          <a:chOff x="0" y="0"/>
+          <a:chExt cx="0" cy="0"/>
+        </a:xfrm>
+      </p:grpSpPr>
+      <p:sp>
+        <p:nvSpPr>
+          <p:cNvPr id="5" name="Cím 4">
+            <a:extLst>
+              <a:ext uri="{FF2B5EF4-FFF2-40B4-BE49-F238E27FC236}">
+                <a16:creationId xmlns:a16="http://schemas.microsoft.com/office/drawing/2014/main" id="{537202C5-026D-4B2A-A01C-619089D534DA}"/>
+              </a:ext>
+            </a:extLst>
+          </p:cNvPr>
+          <p:cNvSpPr>
+            <a:spLocks noGrp="1"/>
+          </p:cNvSpPr>
+          <p:nvPr>
+            <p:ph type="ctrTitle"/>
+          </p:nvPr>
+        </p:nvSpPr>
+        <p:spPr/>
+        <p:txBody>
+          <a:bodyPr/>
+          <a:lstStyle/>
+          <a:p>
+            <a:r>
+              <a:rPr lang="hu-HU" dirty="0"/>
+              <a:t>Köszönjük a figyelmet!</a:t>
+            </a:r>
+            <a:endParaRPr lang="en-US" dirty="0"/>
+          </a:p>
+        </p:txBody>
+      </p:sp>
+      <p:sp>
+        <p:nvSpPr>
+          <p:cNvPr id="8" name="Élőláb helye 7">
+            <a:extLst>
+              <a:ext uri="{FF2B5EF4-FFF2-40B4-BE49-F238E27FC236}">
+                <a16:creationId xmlns:a16="http://schemas.microsoft.com/office/drawing/2014/main" id="{2990A50E-9168-4DB1-8786-7C780CD47AF9}"/>
+              </a:ext>
+            </a:extLst>
+          </p:cNvPr>
+          <p:cNvSpPr>
+            <a:spLocks noGrp="1"/>
+          </p:cNvSpPr>
+          <p:nvPr>
+            <p:ph type="ftr" sz="quarter" idx="11"/>
+          </p:nvPr>
+        </p:nvSpPr>
+        <p:spPr/>
+        <p:txBody>
+          <a:bodyPr/>
+          <a:lstStyle/>
+          <a:p>
+            <a:r>
+              <a:rPr lang="hu-HU"/>
+              <a:t>github.com/hubatrifusz/elevate</a:t>
+            </a:r>
+          </a:p>
+        </p:txBody>
+      </p:sp>
+      <p:sp>
+        <p:nvSpPr>
+          <p:cNvPr id="9" name="Szövegdoboz 8">
+            <a:extLst>
+              <a:ext uri="{FF2B5EF4-FFF2-40B4-BE49-F238E27FC236}">
+                <a16:creationId xmlns:a16="http://schemas.microsoft.com/office/drawing/2014/main" id="{F951B8BB-EA34-499B-B5B2-6DC64CC34D7D}"/>
+              </a:ext>
+            </a:extLst>
+          </p:cNvPr>
+          <p:cNvSpPr txBox="1"/>
+          <p:nvPr/>
+        </p:nvSpPr>
+        <p:spPr>
+          <a:xfrm>
+            <a:off x="4308389" y="3509963"/>
+            <a:ext cx="3575221" cy="369332"/>
+          </a:xfrm>
+          <a:prstGeom prst="rect">
+            <a:avLst/>
+          </a:prstGeom>
+          <a:noFill/>
+        </p:spPr>
+        <p:txBody>
+          <a:bodyPr wrap="square" rtlCol="0">
+            <a:spAutoFit/>
+          </a:bodyPr>
+          <a:lstStyle/>
+          <a:p>
+            <a:r>
+              <a:rPr lang="en-US" dirty="0">
+                <a:solidFill>
+                  <a:schemeClr val="tx1">
+                    <a:lumMod val="65000"/>
+                    <a:lumOff val="35000"/>
+                  </a:schemeClr>
+                </a:solidFill>
+              </a:rPr>
+              <a:t>Ha van </a:t>
+            </a:r>
+            <a:r>
+              <a:rPr lang="en-US" dirty="0" err="1">
+                <a:solidFill>
+                  <a:schemeClr val="tx1">
+                    <a:lumMod val="65000"/>
+                    <a:lumOff val="35000"/>
+                  </a:schemeClr>
+                </a:solidFill>
+              </a:rPr>
+              <a:t>kérdés</a:t>
+            </a:r>
+            <a:r>
+              <a:rPr lang="en-US" dirty="0">
+                <a:solidFill>
+                  <a:schemeClr val="tx1">
+                    <a:lumMod val="65000"/>
+                    <a:lumOff val="35000"/>
+                  </a:schemeClr>
+                </a:solidFill>
+              </a:rPr>
+              <a:t>, </a:t>
+            </a:r>
+            <a:r>
+              <a:rPr lang="en-US" dirty="0" err="1">
+                <a:solidFill>
+                  <a:schemeClr val="tx1">
+                    <a:lumMod val="65000"/>
+                    <a:lumOff val="35000"/>
+                  </a:schemeClr>
+                </a:solidFill>
+              </a:rPr>
+              <a:t>szívesen</a:t>
+            </a:r>
+            <a:r>
+              <a:rPr lang="en-US" dirty="0">
+                <a:solidFill>
+                  <a:schemeClr val="tx1">
+                    <a:lumMod val="65000"/>
+                    <a:lumOff val="35000"/>
+                  </a:schemeClr>
+                </a:solidFill>
+              </a:rPr>
+              <a:t> </a:t>
+            </a:r>
+            <a:r>
+              <a:rPr lang="en-US" dirty="0" err="1">
+                <a:solidFill>
+                  <a:schemeClr val="tx1">
+                    <a:lumMod val="65000"/>
+                    <a:lumOff val="35000"/>
+                  </a:schemeClr>
+                </a:solidFill>
+              </a:rPr>
+              <a:t>válaszol</a:t>
+            </a:r>
+            <a:r>
+              <a:rPr lang="hu-HU" dirty="0" err="1">
+                <a:solidFill>
+                  <a:schemeClr val="tx1">
+                    <a:lumMod val="65000"/>
+                    <a:lumOff val="35000"/>
+                  </a:schemeClr>
+                </a:solidFill>
+              </a:rPr>
+              <a:t>unk</a:t>
+            </a:r>
+            <a:r>
+              <a:rPr lang="en-US" dirty="0">
+                <a:solidFill>
+                  <a:schemeClr val="tx1">
+                    <a:lumMod val="65000"/>
+                    <a:lumOff val="35000"/>
+                  </a:schemeClr>
+                </a:solidFill>
+              </a:rPr>
+              <a:t>.</a:t>
+            </a:r>
+          </a:p>
+        </p:txBody>
+      </p:sp>
+    </p:spTree>
+    <p:extLst>
+      <p:ext uri="{BB962C8B-B14F-4D97-AF65-F5344CB8AC3E}">
+        <p14:creationId xmlns:p14="http://schemas.microsoft.com/office/powerpoint/2010/main" val="1140197082"/>
+      </p:ext>
+    </p:extLst>
+  </p:cSld>
+  <p:clrMapOvr>
+    <a:masterClrMapping/>
+  </p:clrMapOvr>
+</p:sld>
+</file>
+
+<file path=ppt/slides/slide2.xml><?xml version="1.0" encoding="utf-8"?>
+<p:sld xmlns:a="http://schemas.openxmlformats.org/drawingml/2006/main" xmlns:r="http://schemas.openxmlformats.org/officeDocument/2006/relationships" xmlns:p="http://schemas.openxmlformats.org/presentationml/2006/main">
+  <p:cSld>
+    <p:spTree>
+      <p:nvGrpSpPr>
+        <p:cNvPr id="1" name=""/>
+        <p:cNvGrpSpPr/>
+        <p:nvPr/>
+      </p:nvGrpSpPr>
+      <p:grpSpPr>
+        <a:xfrm>
+          <a:off x="0" y="0"/>
+          <a:ext cx="0" cy="0"/>
+          <a:chOff x="0" y="0"/>
+          <a:chExt cx="0" cy="0"/>
+        </a:xfrm>
+      </p:grpSpPr>
+      <p:sp>
+        <p:nvSpPr>
+          <p:cNvPr id="2" name="Cím 1">
+            <a:extLst>
+              <a:ext uri="{FF2B5EF4-FFF2-40B4-BE49-F238E27FC236}">
+                <a16:creationId xmlns:a16="http://schemas.microsoft.com/office/drawing/2014/main" id="{B7FC8B46-BA88-42E9-A597-19905A51CAC4}"/>
+              </a:ext>
+            </a:extLst>
+          </p:cNvPr>
+          <p:cNvSpPr>
+            <a:spLocks noGrp="1"/>
+          </p:cNvSpPr>
+          <p:nvPr>
+            <p:ph type="title"/>
+          </p:nvPr>
+        </p:nvSpPr>
+        <p:spPr/>
+        <p:txBody>
+          <a:bodyPr/>
+          <a:lstStyle/>
+          <a:p>
+            <a:r>
+              <a:rPr lang="hu-HU" dirty="0"/>
+              <a:t>Projekt áttekintés</a:t>
+            </a:r>
+            <a:endParaRPr lang="en-US" dirty="0"/>
+          </a:p>
+        </p:txBody>
+      </p:sp>
+      <p:sp>
+        <p:nvSpPr>
+          <p:cNvPr id="4" name="Tartalom helye 3">
+            <a:extLst>
+              <a:ext uri="{FF2B5EF4-FFF2-40B4-BE49-F238E27FC236}">
+                <a16:creationId xmlns:a16="http://schemas.microsoft.com/office/drawing/2014/main" id="{11A10BF1-E0E9-4300-A56E-92F06EEFE62E}"/>
+              </a:ext>
+            </a:extLst>
+          </p:cNvPr>
+          <p:cNvSpPr>
+            <a:spLocks noGrp="1"/>
+          </p:cNvSpPr>
+          <p:nvPr>
+            <p:ph sz="half" idx="1"/>
+          </p:nvPr>
+        </p:nvSpPr>
+        <p:spPr/>
+        <p:txBody>
+          <a:bodyPr/>
+          <a:lstStyle/>
+          <a:p>
+            <a:pPr marL="0" indent="0">
+              <a:buNone/>
+            </a:pPr>
+            <a:r>
+              <a:rPr lang="hu-HU" b="1" dirty="0"/>
+              <a:t>Cél</a:t>
+            </a:r>
+          </a:p>
+          <a:p>
+            <a:pPr marL="0" indent="0">
+              <a:buNone/>
+            </a:pPr>
+            <a:r>
+              <a:rPr lang="hu-HU" dirty="0"/>
+              <a:t>Egy egyszerűen használható platform kialakítása azok számára, akik szeretnének egészségesebb és jobb szokásokat beépíteni a mindennapjaikba.</a:t>
+            </a:r>
+            <a:endParaRPr lang="en-US" dirty="0"/>
+          </a:p>
+        </p:txBody>
+      </p:sp>
+      <p:sp>
+        <p:nvSpPr>
+          <p:cNvPr id="5" name="Tartalom helye 4">
+            <a:extLst>
+              <a:ext uri="{FF2B5EF4-FFF2-40B4-BE49-F238E27FC236}">
+                <a16:creationId xmlns:a16="http://schemas.microsoft.com/office/drawing/2014/main" id="{07EC9FD8-01D7-4796-83E8-526E859B17F4}"/>
+              </a:ext>
+            </a:extLst>
+          </p:cNvPr>
+          <p:cNvSpPr>
+            <a:spLocks noGrp="1"/>
+          </p:cNvSpPr>
+          <p:nvPr>
+            <p:ph sz="half" idx="2"/>
+          </p:nvPr>
+        </p:nvSpPr>
+        <p:spPr/>
+        <p:txBody>
+          <a:bodyPr/>
+          <a:lstStyle/>
+          <a:p>
+            <a:pPr marL="0" indent="0">
+              <a:buNone/>
+            </a:pPr>
+            <a:r>
+              <a:rPr lang="hu-HU" b="1" dirty="0"/>
+              <a:t>Fő funkciók</a:t>
+            </a:r>
+          </a:p>
+          <a:p>
+            <a:r>
+              <a:rPr lang="en-US" dirty="0" err="1"/>
+              <a:t>Pozitív</a:t>
+            </a:r>
+            <a:r>
+              <a:rPr lang="en-US" dirty="0"/>
+              <a:t> </a:t>
+            </a:r>
+            <a:r>
+              <a:rPr lang="en-US" dirty="0" err="1"/>
+              <a:t>és</a:t>
+            </a:r>
+            <a:r>
+              <a:rPr lang="en-US" dirty="0"/>
+              <a:t> </a:t>
+            </a:r>
+            <a:r>
+              <a:rPr lang="en-US" dirty="0" err="1"/>
+              <a:t>negatív</a:t>
+            </a:r>
+            <a:r>
+              <a:rPr lang="en-US" dirty="0"/>
+              <a:t> </a:t>
+            </a:r>
+            <a:r>
+              <a:rPr lang="en-US" dirty="0" err="1"/>
+              <a:t>szokások</a:t>
+            </a:r>
+            <a:r>
+              <a:rPr lang="en-US" dirty="0"/>
+              <a:t> </a:t>
+            </a:r>
+            <a:r>
+              <a:rPr lang="en-US" dirty="0" err="1"/>
+              <a:t>hozzáadása</a:t>
+            </a:r>
+            <a:r>
+              <a:rPr lang="en-US" dirty="0"/>
+              <a:t> </a:t>
+            </a:r>
+            <a:r>
+              <a:rPr lang="en-US" dirty="0" err="1"/>
+              <a:t>és</a:t>
+            </a:r>
+            <a:r>
+              <a:rPr lang="en-US" dirty="0"/>
+              <a:t> </a:t>
+            </a:r>
+            <a:r>
+              <a:rPr lang="en-US" dirty="0" err="1"/>
+              <a:t>nyomon</a:t>
+            </a:r>
+            <a:r>
+              <a:rPr lang="en-US" dirty="0"/>
+              <a:t> </a:t>
+            </a:r>
+            <a:r>
+              <a:rPr lang="en-US" dirty="0" err="1"/>
+              <a:t>követése</a:t>
+            </a:r>
+            <a:endParaRPr lang="hu-HU" b="1" dirty="0"/>
+          </a:p>
+          <a:p>
+            <a:r>
+              <a:rPr lang="hu-HU" dirty="0"/>
+              <a:t>Barátok felvétele és kezelése</a:t>
+            </a:r>
+          </a:p>
+          <a:p>
+            <a:r>
+              <a:rPr lang="en-US" dirty="0" err="1"/>
+              <a:t>Barátok</a:t>
+            </a:r>
+            <a:r>
+              <a:rPr lang="en-US" dirty="0"/>
+              <a:t> </a:t>
+            </a:r>
+            <a:r>
+              <a:rPr lang="en-US" dirty="0" err="1"/>
+              <a:t>kihívása</a:t>
+            </a:r>
+            <a:r>
+              <a:rPr lang="en-US" dirty="0"/>
+              <a:t> </a:t>
+            </a:r>
+            <a:r>
+              <a:rPr lang="en-US" dirty="0" err="1"/>
+              <a:t>különböző</a:t>
+            </a:r>
+            <a:r>
+              <a:rPr lang="en-US" dirty="0"/>
+              <a:t> </a:t>
+            </a:r>
+            <a:r>
+              <a:rPr lang="en-US" dirty="0" err="1"/>
+              <a:t>szokások</a:t>
+            </a:r>
+            <a:r>
+              <a:rPr lang="en-US" dirty="0"/>
+              <a:t> teljesítésére</a:t>
+            </a:r>
+            <a:endParaRPr lang="hu-HU" dirty="0"/>
+          </a:p>
+          <a:p>
+            <a:r>
+              <a:rPr lang="hu-HU" dirty="0"/>
+              <a:t>Fórum oldal szokások megosztására</a:t>
+            </a:r>
+          </a:p>
+        </p:txBody>
+      </p:sp>
+    </p:spTree>
+    <p:extLst>
+      <p:ext uri="{BB962C8B-B14F-4D97-AF65-F5344CB8AC3E}">
+        <p14:creationId xmlns:p14="http://schemas.microsoft.com/office/powerpoint/2010/main" val="147288587"/>
+      </p:ext>
+    </p:extLst>
+  </p:cSld>
+  <p:clrMapOvr>
+    <a:masterClrMapping/>
+  </p:clrMapOvr>
+</p:sld>
+</file>
+
+<file path=ppt/slides/slide3.xml><?xml version="1.0" encoding="utf-8"?>
+<p:sld xmlns:a="http://schemas.openxmlformats.org/drawingml/2006/main" xmlns:r="http://schemas.openxmlformats.org/officeDocument/2006/relationships" xmlns:p="http://schemas.openxmlformats.org/presentationml/2006/main">
+  <p:cSld>
+    <p:spTree>
+      <p:nvGrpSpPr>
+        <p:cNvPr id="1" name=""/>
+        <p:cNvGrpSpPr/>
+        <p:nvPr/>
+      </p:nvGrpSpPr>
+      <p:grpSpPr>
+        <a:xfrm>
+          <a:off x="0" y="0"/>
+          <a:ext cx="0" cy="0"/>
+          <a:chOff x="0" y="0"/>
+          <a:chExt cx="0" cy="0"/>
+        </a:xfrm>
+      </p:grpSpPr>
+      <p:sp>
+        <p:nvSpPr>
+          <p:cNvPr id="2" name="Cím 1">
+            <a:extLst>
+              <a:ext uri="{FF2B5EF4-FFF2-40B4-BE49-F238E27FC236}">
+                <a16:creationId xmlns:a16="http://schemas.microsoft.com/office/drawing/2014/main" id="{3E89E7DC-7DD6-474B-ADF2-206D5F999561}"/>
+              </a:ext>
+            </a:extLst>
+          </p:cNvPr>
+          <p:cNvSpPr>
+            <a:spLocks noGrp="1"/>
+          </p:cNvSpPr>
+          <p:nvPr>
+            <p:ph type="title"/>
+          </p:nvPr>
+        </p:nvSpPr>
+        <p:spPr/>
+        <p:txBody>
+          <a:bodyPr/>
+          <a:lstStyle/>
+          <a:p>
+            <a:r>
+              <a:rPr lang="en-US" dirty="0" err="1"/>
+              <a:t>Technológiai</a:t>
+            </a:r>
+            <a:r>
+              <a:rPr lang="en-US" dirty="0"/>
+              <a:t> </a:t>
+            </a:r>
+            <a:r>
+              <a:rPr lang="hu-HU" dirty="0"/>
+              <a:t>s</a:t>
+            </a:r>
+            <a:r>
+              <a:rPr lang="en-US" dirty="0"/>
+              <a:t>tack</a:t>
+            </a:r>
+          </a:p>
+        </p:txBody>
+      </p:sp>
+      <p:graphicFrame>
+        <p:nvGraphicFramePr>
+          <p:cNvPr id="9" name="Táblázat 8">
+            <a:extLst>
+              <a:ext uri="{FF2B5EF4-FFF2-40B4-BE49-F238E27FC236}">
+                <a16:creationId xmlns:a16="http://schemas.microsoft.com/office/drawing/2014/main" id="{869B0BAA-4A58-40D4-82FC-AFBC761D5027}"/>
+              </a:ext>
+            </a:extLst>
+          </p:cNvPr>
+          <p:cNvGraphicFramePr>
+            <a:graphicFrameLocks noGrp="1"/>
+          </p:cNvGraphicFramePr>
+          <p:nvPr>
+            <p:extLst>
+              <p:ext uri="{D42A27DB-BD31-4B8C-83A1-F6EECF244321}">
+                <p14:modId xmlns:p14="http://schemas.microsoft.com/office/powerpoint/2010/main" val="3808048925"/>
+              </p:ext>
+            </p:extLst>
+          </p:nvPr>
+        </p:nvGraphicFramePr>
+        <p:xfrm>
+          <a:off x="838200" y="1690688"/>
+          <a:ext cx="10515600" cy="2686108"/>
+        </p:xfrm>
+        <a:graphic>
+          <a:graphicData uri="http://schemas.openxmlformats.org/drawingml/2006/table">
+            <a:tbl>
+              <a:tblPr firstRow="1" bandRow="1">
+                <a:tableStyleId>{6E25E649-3F16-4E02-A733-19D2CDBF48F0}</a:tableStyleId>
+              </a:tblPr>
+              <a:tblGrid>
+                <a:gridCol w="2628900">
+                  <a:extLst>
+                    <a:ext uri="{9D8B030D-6E8A-4147-A177-3AD203B41FA5}">
+                      <a16:colId xmlns:a16="http://schemas.microsoft.com/office/drawing/2014/main" val="1505789373"/>
+                    </a:ext>
+                  </a:extLst>
+                </a:gridCol>
+                <a:gridCol w="2628900">
+                  <a:extLst>
+                    <a:ext uri="{9D8B030D-6E8A-4147-A177-3AD203B41FA5}">
+                      <a16:colId xmlns:a16="http://schemas.microsoft.com/office/drawing/2014/main" val="2678418020"/>
+                    </a:ext>
+                  </a:extLst>
+                </a:gridCol>
+                <a:gridCol w="2628900">
+                  <a:extLst>
+                    <a:ext uri="{9D8B030D-6E8A-4147-A177-3AD203B41FA5}">
+                      <a16:colId xmlns:a16="http://schemas.microsoft.com/office/drawing/2014/main" val="3854632200"/>
+                    </a:ext>
+                  </a:extLst>
+                </a:gridCol>
+                <a:gridCol w="2628900">
+                  <a:extLst>
+                    <a:ext uri="{9D8B030D-6E8A-4147-A177-3AD203B41FA5}">
+                      <a16:colId xmlns:a16="http://schemas.microsoft.com/office/drawing/2014/main" val="1636146921"/>
+                    </a:ext>
+                  </a:extLst>
+                </a:gridCol>
+              </a:tblGrid>
+              <a:tr h="671527">
+                <a:tc>
+                  <a:txBody>
+                    <a:bodyPr/>
+                    <a:lstStyle/>
+                    <a:p>
+                      <a:pPr algn="ctr"/>
+                      <a:r>
+                        <a:rPr lang="hu-HU" dirty="0"/>
+                        <a:t>Frontend</a:t>
+                      </a:r>
+                      <a:endParaRPr lang="en-US" b="1" dirty="0">
+                        <a:solidFill>
+                          <a:schemeClr val="tx1"/>
+                        </a:solidFill>
+                      </a:endParaRPr>
+                    </a:p>
+                  </a:txBody>
+                  <a:tcPr anchor="ctr">
+                    <a:solidFill>
+                      <a:schemeClr val="bg2">
+                        <a:lumMod val="25000"/>
+                      </a:schemeClr>
+                    </a:solidFill>
+                  </a:tcPr>
+                </a:tc>
+                <a:tc>
+                  <a:txBody>
+                    <a:bodyPr/>
+                    <a:lstStyle/>
+                    <a:p>
+                      <a:pPr algn="ctr"/>
+                      <a:r>
+                        <a:rPr lang="hu-HU" dirty="0"/>
+                        <a:t>Backend</a:t>
+                      </a:r>
+                      <a:endParaRPr lang="en-US" b="1" dirty="0">
+                        <a:solidFill>
+                          <a:schemeClr val="tx1"/>
+                        </a:solidFill>
+                      </a:endParaRPr>
+                    </a:p>
+                  </a:txBody>
+                  <a:tcPr anchor="ctr">
+                    <a:solidFill>
+                      <a:schemeClr val="bg2">
+                        <a:lumMod val="25000"/>
+                      </a:schemeClr>
+                    </a:solidFill>
+                  </a:tcPr>
+                </a:tc>
+                <a:tc>
+                  <a:txBody>
+                    <a:bodyPr/>
+                    <a:lstStyle/>
+                    <a:p>
+                      <a:pPr algn="ctr"/>
+                      <a:r>
+                        <a:rPr lang="hu-HU" dirty="0"/>
+                        <a:t>Adatbázis</a:t>
+                      </a:r>
+                      <a:endParaRPr lang="en-US" b="1" dirty="0">
+                        <a:solidFill>
+                          <a:schemeClr val="tx1"/>
+                        </a:solidFill>
+                      </a:endParaRPr>
+                    </a:p>
+                  </a:txBody>
+                  <a:tcPr anchor="ctr">
+                    <a:solidFill>
+                      <a:schemeClr val="bg2">
+                        <a:lumMod val="25000"/>
+                      </a:schemeClr>
+                    </a:solidFill>
+                  </a:tcPr>
+                </a:tc>
+                <a:tc>
+                  <a:txBody>
+                    <a:bodyPr/>
+                    <a:lstStyle/>
+                    <a:p>
+                      <a:pPr algn="ctr"/>
+                      <a:r>
+                        <a:rPr lang="hu-HU" dirty="0"/>
+                        <a:t>Egyéb</a:t>
+                      </a:r>
+                      <a:endParaRPr lang="en-US" b="1" dirty="0">
+                        <a:solidFill>
+                          <a:schemeClr val="tx1"/>
+                        </a:solidFill>
+                      </a:endParaRPr>
+                    </a:p>
+                  </a:txBody>
+                  <a:tcPr anchor="ctr">
+                    <a:solidFill>
+                      <a:schemeClr val="bg2">
+                        <a:lumMod val="25000"/>
+                      </a:schemeClr>
+                    </a:solidFill>
+                  </a:tcPr>
+                </a:tc>
+                <a:extLst>
+                  <a:ext uri="{0D108BD9-81ED-4DB2-BD59-A6C34878D82A}">
+                    <a16:rowId xmlns:a16="http://schemas.microsoft.com/office/drawing/2014/main" val="4129818945"/>
+                  </a:ext>
+                </a:extLst>
+              </a:tr>
+              <a:tr h="671527">
+                <a:tc>
+                  <a:txBody>
+                    <a:bodyPr/>
+                    <a:lstStyle/>
+                    <a:p>
+                      <a:r>
+                        <a:rPr lang="hu-HU" dirty="0" err="1"/>
+                        <a:t>Angular</a:t>
+                      </a:r>
+                      <a:r>
+                        <a:rPr lang="hu-HU" dirty="0"/>
+                        <a:t> 17</a:t>
+                      </a:r>
+                      <a:endParaRPr lang="en-US" dirty="0"/>
+                    </a:p>
+                  </a:txBody>
+                  <a:tcPr anchor="ctr"/>
+                </a:tc>
+                <a:tc>
+                  <a:txBody>
+                    <a:bodyPr/>
+                    <a:lstStyle/>
+                    <a:p>
+                      <a:r>
+                        <a:rPr lang="nl-NL" dirty="0"/>
+                        <a:t>ASP.NET Core Web API (.NET 8)</a:t>
+                      </a:r>
+                      <a:endParaRPr lang="en-US" dirty="0"/>
+                    </a:p>
+                  </a:txBody>
+                  <a:tcPr anchor="ctr"/>
+                </a:tc>
+                <a:tc>
+                  <a:txBody>
+                    <a:bodyPr/>
+                    <a:lstStyle/>
+                    <a:p>
+                      <a:r>
+                        <a:rPr lang="en-US" dirty="0"/>
+                        <a:t>SQL</a:t>
+                      </a:r>
+                    </a:p>
+                  </a:txBody>
+                  <a:tcPr anchor="ctr"/>
+                </a:tc>
+                <a:tc>
+                  <a:txBody>
+                    <a:bodyPr/>
+                    <a:lstStyle/>
+                    <a:p>
+                      <a:r>
+                        <a:rPr lang="hu-HU" dirty="0"/>
+                        <a:t>Verziókezelés: </a:t>
+                      </a:r>
+                      <a:r>
+                        <a:rPr lang="hu-HU" dirty="0" err="1"/>
+                        <a:t>Git</a:t>
+                      </a:r>
+                      <a:r>
+                        <a:rPr lang="hu-HU" dirty="0"/>
+                        <a:t> </a:t>
+                      </a:r>
+                      <a:r>
+                        <a:rPr lang="en-US" dirty="0"/>
+                        <a:t>&amp;</a:t>
+                      </a:r>
+                      <a:r>
+                        <a:rPr lang="hu-HU" dirty="0"/>
+                        <a:t> GitHub</a:t>
+                      </a:r>
+                      <a:endParaRPr lang="en-US" dirty="0"/>
+                    </a:p>
+                  </a:txBody>
+                  <a:tcPr anchor="ctr"/>
+                </a:tc>
+                <a:extLst>
+                  <a:ext uri="{0D108BD9-81ED-4DB2-BD59-A6C34878D82A}">
+                    <a16:rowId xmlns:a16="http://schemas.microsoft.com/office/drawing/2014/main" val="3605852512"/>
+                  </a:ext>
+                </a:extLst>
+              </a:tr>
+              <a:tr h="671527">
+                <a:tc>
+                  <a:txBody>
+                    <a:bodyPr/>
+                    <a:lstStyle/>
+                    <a:p>
+                      <a:r>
+                        <a:rPr lang="hu-HU" dirty="0" err="1"/>
+                        <a:t>Ionic</a:t>
+                      </a:r>
+                      <a:r>
+                        <a:rPr lang="hu-HU" dirty="0"/>
+                        <a:t> Framework</a:t>
+                      </a:r>
+                      <a:endParaRPr lang="en-US" dirty="0"/>
+                    </a:p>
+                  </a:txBody>
+                  <a:tcPr anchor="ctr"/>
+                </a:tc>
+                <a:tc>
+                  <a:txBody>
+                    <a:bodyPr/>
+                    <a:lstStyle/>
+                    <a:p>
+                      <a:r>
+                        <a:rPr lang="en-US" dirty="0"/>
+                        <a:t>RESTful API </a:t>
+                      </a:r>
+                      <a:r>
+                        <a:rPr lang="en-US" dirty="0" err="1"/>
+                        <a:t>architektúra</a:t>
+                      </a:r>
+                      <a:endParaRPr lang="en-US" dirty="0"/>
+                    </a:p>
+                  </a:txBody>
+                  <a:tcPr anchor="ctr"/>
+                </a:tc>
+                <a:tc>
+                  <a:txBody>
+                    <a:bodyPr/>
+                    <a:lstStyle/>
+                    <a:p>
+                      <a:endParaRPr lang="en-US" dirty="0"/>
+                    </a:p>
+                  </a:txBody>
+                  <a:tcPr anchor="ctr"/>
+                </a:tc>
+                <a:tc>
+                  <a:txBody>
+                    <a:bodyPr/>
+                    <a:lstStyle/>
+                    <a:p>
+                      <a:r>
+                        <a:rPr lang="hu-HU" dirty="0"/>
+                        <a:t>CI</a:t>
+                      </a:r>
+                      <a:r>
+                        <a:rPr lang="en-US" dirty="0"/>
+                        <a:t>/CD</a:t>
+                      </a:r>
+                      <a:r>
+                        <a:rPr lang="hu-HU" dirty="0"/>
+                        <a:t>: </a:t>
+                      </a:r>
+                      <a:r>
+                        <a:rPr lang="en-US" dirty="0"/>
+                        <a:t>GitHub Actions</a:t>
+                      </a:r>
+                    </a:p>
+                  </a:txBody>
+                  <a:tcPr anchor="ctr"/>
+                </a:tc>
+                <a:extLst>
+                  <a:ext uri="{0D108BD9-81ED-4DB2-BD59-A6C34878D82A}">
+                    <a16:rowId xmlns:a16="http://schemas.microsoft.com/office/drawing/2014/main" val="1346277473"/>
+                  </a:ext>
+                </a:extLst>
+              </a:tr>
+              <a:tr h="671527">
+                <a:tc>
+                  <a:txBody>
+                    <a:bodyPr/>
+                    <a:lstStyle/>
+                    <a:p>
+                      <a:r>
+                        <a:rPr lang="hu-HU" dirty="0"/>
+                        <a:t>SCSS</a:t>
+                      </a:r>
+                      <a:endParaRPr lang="en-US" dirty="0"/>
+                    </a:p>
+                  </a:txBody>
+                  <a:tcPr anchor="ctr"/>
+                </a:tc>
+                <a:tc>
+                  <a:txBody>
+                    <a:bodyPr/>
+                    <a:lstStyle/>
+                    <a:p>
+                      <a:r>
+                        <a:rPr lang="en-US" dirty="0"/>
+                        <a:t>Entity Framework Core </a:t>
+                      </a:r>
+                      <a:r>
+                        <a:rPr lang="en-US" dirty="0" err="1"/>
+                        <a:t>adatbázis-kezelés</a:t>
+                      </a:r>
+                      <a:endParaRPr lang="en-US" dirty="0"/>
+                    </a:p>
+                  </a:txBody>
+                  <a:tcPr anchor="ctr"/>
+                </a:tc>
+                <a:tc>
+                  <a:txBody>
+                    <a:bodyPr/>
+                    <a:lstStyle/>
+                    <a:p>
+                      <a:endParaRPr lang="en-US" dirty="0"/>
+                    </a:p>
+                  </a:txBody>
+                  <a:tcPr anchor="ctr"/>
+                </a:tc>
+                <a:tc>
+                  <a:txBody>
+                    <a:bodyPr/>
+                    <a:lstStyle/>
+                    <a:p>
+                      <a:r>
+                        <a:rPr lang="en-US" dirty="0"/>
+                        <a:t>Swagger </a:t>
+                      </a:r>
+                      <a:r>
+                        <a:rPr lang="en-US" dirty="0" err="1"/>
+                        <a:t>dokumentáció</a:t>
+                      </a:r>
+                      <a:r>
+                        <a:rPr lang="en-US" dirty="0"/>
+                        <a:t> (</a:t>
+                      </a:r>
+                      <a:r>
+                        <a:rPr lang="en-US" dirty="0" err="1"/>
+                        <a:t>OpenAPI</a:t>
+                      </a:r>
+                      <a:r>
+                        <a:rPr lang="en-US" dirty="0"/>
+                        <a:t>)</a:t>
+                      </a:r>
+                    </a:p>
+                  </a:txBody>
+                  <a:tcPr anchor="ctr"/>
+                </a:tc>
+                <a:extLst>
+                  <a:ext uri="{0D108BD9-81ED-4DB2-BD59-A6C34878D82A}">
+                    <a16:rowId xmlns:a16="http://schemas.microsoft.com/office/drawing/2014/main" val="1986556389"/>
+                  </a:ext>
+                </a:extLst>
+              </a:tr>
+            </a:tbl>
+          </a:graphicData>
+        </a:graphic>
+      </p:graphicFrame>
+      <p:pic>
+        <p:nvPicPr>
+          <p:cNvPr id="10" name="Kép 9">
+            <a:extLst>
+              <a:ext uri="{FF2B5EF4-FFF2-40B4-BE49-F238E27FC236}">
+                <a16:creationId xmlns:a16="http://schemas.microsoft.com/office/drawing/2014/main" id="{FB338E5E-3292-4BC8-96F6-D4DC8C9166A4}"/>
+              </a:ext>
+            </a:extLst>
+          </p:cNvPr>
+          <p:cNvPicPr>
+            <a:picLocks noChangeAspect="1"/>
+          </p:cNvPicPr>
+          <p:nvPr/>
+        </p:nvPicPr>
+        <p:blipFill>
+          <a:blip r:embed="rId2"/>
+          <a:stretch>
+            <a:fillRect/>
+          </a:stretch>
+        </p:blipFill>
+        <p:spPr>
+          <a:xfrm>
+            <a:off x="838200" y="5063766"/>
+            <a:ext cx="3143250" cy="1562100"/>
+          </a:xfrm>
+          <a:prstGeom prst="rect">
+            <a:avLst/>
+          </a:prstGeom>
+        </p:spPr>
+      </p:pic>
+      <p:pic>
+        <p:nvPicPr>
+          <p:cNvPr id="12" name="Kép 11">
+            <a:extLst>
+              <a:ext uri="{FF2B5EF4-FFF2-40B4-BE49-F238E27FC236}">
+                <a16:creationId xmlns:a16="http://schemas.microsoft.com/office/drawing/2014/main" id="{9872BDFA-747D-4931-967B-2DC7A59D56B4}"/>
+              </a:ext>
+            </a:extLst>
+          </p:cNvPr>
+          <p:cNvPicPr>
+            <a:picLocks noChangeAspect="1"/>
+          </p:cNvPicPr>
+          <p:nvPr/>
+        </p:nvPicPr>
+        <p:blipFill>
+          <a:blip r:embed="rId3">
+            <a:extLst>
+              <a:ext uri="{28A0092B-C50C-407E-A947-70E740481C1C}">
+                <a14:useLocalDpi xmlns:a14="http://schemas.microsoft.com/office/drawing/2010/main" val="0"/>
+              </a:ext>
+            </a:extLst>
+          </a:blip>
+          <a:stretch>
+            <a:fillRect/>
+          </a:stretch>
+        </p:blipFill>
+        <p:spPr>
+          <a:xfrm>
+            <a:off x="5936814" y="5520727"/>
+            <a:ext cx="518273" cy="548640"/>
+          </a:xfrm>
+          <a:prstGeom prst="rect">
+            <a:avLst/>
+          </a:prstGeom>
+        </p:spPr>
+      </p:pic>
+      <p:pic>
+        <p:nvPicPr>
+          <p:cNvPr id="14" name="Kép 13">
+            <a:extLst>
+              <a:ext uri="{FF2B5EF4-FFF2-40B4-BE49-F238E27FC236}">
+                <a16:creationId xmlns:a16="http://schemas.microsoft.com/office/drawing/2014/main" id="{A78A465D-412A-4108-B748-02E2912600DD}"/>
+              </a:ext>
+            </a:extLst>
+          </p:cNvPr>
+          <p:cNvPicPr>
+            <a:picLocks noChangeAspect="1"/>
+          </p:cNvPicPr>
+          <p:nvPr/>
+        </p:nvPicPr>
+        <p:blipFill>
+          <a:blip r:embed="rId4">
+            <a:extLst>
+              <a:ext uri="{28A0092B-C50C-407E-A947-70E740481C1C}">
+                <a14:useLocalDpi xmlns:a14="http://schemas.microsoft.com/office/drawing/2010/main" val="0"/>
+              </a:ext>
+            </a:extLst>
+          </a:blip>
+          <a:stretch>
+            <a:fillRect/>
+          </a:stretch>
+        </p:blipFill>
+        <p:spPr>
+          <a:xfrm>
+            <a:off x="7560331" y="5520727"/>
+            <a:ext cx="548640" cy="548640"/>
+          </a:xfrm>
+          <a:prstGeom prst="rect">
+            <a:avLst/>
+          </a:prstGeom>
+        </p:spPr>
+      </p:pic>
+      <p:pic>
+        <p:nvPicPr>
+          <p:cNvPr id="16" name="Kép 15">
+            <a:extLst>
+              <a:ext uri="{FF2B5EF4-FFF2-40B4-BE49-F238E27FC236}">
+                <a16:creationId xmlns:a16="http://schemas.microsoft.com/office/drawing/2014/main" id="{3563AFD8-1825-4870-B195-5861839E3164}"/>
+              </a:ext>
+            </a:extLst>
+          </p:cNvPr>
+          <p:cNvPicPr>
+            <a:picLocks noChangeAspect="1"/>
+          </p:cNvPicPr>
+          <p:nvPr/>
+        </p:nvPicPr>
+        <p:blipFill>
+          <a:blip r:embed="rId5">
+            <a:extLst>
+              <a:ext uri="{28A0092B-C50C-407E-A947-70E740481C1C}">
+                <a14:useLocalDpi xmlns:a14="http://schemas.microsoft.com/office/drawing/2010/main" val="0"/>
+              </a:ext>
+            </a:extLst>
+          </a:blip>
+          <a:stretch>
+            <a:fillRect/>
+          </a:stretch>
+        </p:blipFill>
+        <p:spPr>
+          <a:xfrm>
+            <a:off x="9050573" y="5532812"/>
+            <a:ext cx="548640" cy="548640"/>
+          </a:xfrm>
+          <a:prstGeom prst="rect">
+            <a:avLst/>
+          </a:prstGeom>
+        </p:spPr>
+      </p:pic>
+      <p:pic>
+        <p:nvPicPr>
+          <p:cNvPr id="18" name="Kép 17">
+            <a:extLst>
+              <a:ext uri="{FF2B5EF4-FFF2-40B4-BE49-F238E27FC236}">
+                <a16:creationId xmlns:a16="http://schemas.microsoft.com/office/drawing/2014/main" id="{5DC98D8F-E5D9-4C2C-B074-B0616557AC60}"/>
+              </a:ext>
+            </a:extLst>
+          </p:cNvPr>
+          <p:cNvPicPr>
+            <a:picLocks noChangeAspect="1"/>
+          </p:cNvPicPr>
+          <p:nvPr/>
+        </p:nvPicPr>
+        <p:blipFill>
+          <a:blip r:embed="rId6">
+            <a:extLst>
+              <a:ext uri="{28A0092B-C50C-407E-A947-70E740481C1C}">
+                <a14:useLocalDpi xmlns:a14="http://schemas.microsoft.com/office/drawing/2010/main" val="0"/>
+              </a:ext>
+            </a:extLst>
+          </a:blip>
+          <a:stretch>
+            <a:fillRect/>
+          </a:stretch>
+        </p:blipFill>
+        <p:spPr>
+          <a:xfrm>
+            <a:off x="4385377" y="5566447"/>
+            <a:ext cx="1351538" cy="457200"/>
+          </a:xfrm>
+          <a:prstGeom prst="rect">
+            <a:avLst/>
+          </a:prstGeom>
+        </p:spPr>
+      </p:pic>
+      <p:pic>
+        <p:nvPicPr>
+          <p:cNvPr id="20" name="Kép 19">
+            <a:extLst>
+              <a:ext uri="{FF2B5EF4-FFF2-40B4-BE49-F238E27FC236}">
+                <a16:creationId xmlns:a16="http://schemas.microsoft.com/office/drawing/2014/main" id="{5DBD315A-C4DA-4EC4-9979-6DBD91EE24EA}"/>
+              </a:ext>
+            </a:extLst>
+          </p:cNvPr>
+          <p:cNvPicPr>
+            <a:picLocks noChangeAspect="1"/>
+          </p:cNvPicPr>
+          <p:nvPr/>
+        </p:nvPicPr>
+        <p:blipFill>
+          <a:blip r:embed="rId7">
+            <a:extLst>
+              <a:ext uri="{28A0092B-C50C-407E-A947-70E740481C1C}">
+                <a14:useLocalDpi xmlns:a14="http://schemas.microsoft.com/office/drawing/2010/main" val="0"/>
+              </a:ext>
+            </a:extLst>
+          </a:blip>
+          <a:stretch>
+            <a:fillRect/>
+          </a:stretch>
+        </p:blipFill>
+        <p:spPr>
+          <a:xfrm>
+            <a:off x="8305452" y="5520727"/>
+            <a:ext cx="548640" cy="548640"/>
+          </a:xfrm>
+          <a:prstGeom prst="rect">
+            <a:avLst/>
+          </a:prstGeom>
+        </p:spPr>
+      </p:pic>
+      <p:pic>
+        <p:nvPicPr>
+          <p:cNvPr id="22" name="Kép 21">
+            <a:extLst>
+              <a:ext uri="{FF2B5EF4-FFF2-40B4-BE49-F238E27FC236}">
+                <a16:creationId xmlns:a16="http://schemas.microsoft.com/office/drawing/2014/main" id="{7D04ED0F-6611-4F2B-912B-B661B1D265C4}"/>
+              </a:ext>
+            </a:extLst>
+          </p:cNvPr>
+          <p:cNvPicPr>
+            <a:picLocks noChangeAspect="1"/>
+          </p:cNvPicPr>
+          <p:nvPr/>
+        </p:nvPicPr>
+        <p:blipFill>
+          <a:blip r:embed="rId8">
+            <a:extLst>
+              <a:ext uri="{28A0092B-C50C-407E-A947-70E740481C1C}">
+                <a14:useLocalDpi xmlns:a14="http://schemas.microsoft.com/office/drawing/2010/main" val="0"/>
+              </a:ext>
+            </a:extLst>
+          </a:blip>
+          <a:stretch>
+            <a:fillRect/>
+          </a:stretch>
+        </p:blipFill>
+        <p:spPr>
+          <a:xfrm>
+            <a:off x="6632330" y="5429287"/>
+            <a:ext cx="731520" cy="731520"/>
+          </a:xfrm>
+          <a:prstGeom prst="rect">
+            <a:avLst/>
+          </a:prstGeom>
+        </p:spPr>
+      </p:pic>
+      <p:pic>
+        <p:nvPicPr>
+          <p:cNvPr id="24" name="Kép 23">
+            <a:extLst>
+              <a:ext uri="{FF2B5EF4-FFF2-40B4-BE49-F238E27FC236}">
+                <a16:creationId xmlns:a16="http://schemas.microsoft.com/office/drawing/2014/main" id="{AACED945-C5D3-4A25-9B75-24E95788194A}"/>
+              </a:ext>
+            </a:extLst>
+          </p:cNvPr>
+          <p:cNvPicPr>
+            <a:picLocks noChangeAspect="1"/>
+          </p:cNvPicPr>
+          <p:nvPr/>
+        </p:nvPicPr>
+        <p:blipFill>
+          <a:blip r:embed="rId9">
+            <a:extLst>
+              <a:ext uri="{28A0092B-C50C-407E-A947-70E740481C1C}">
+                <a14:useLocalDpi xmlns:a14="http://schemas.microsoft.com/office/drawing/2010/main" val="0"/>
+              </a:ext>
+            </a:extLst>
+          </a:blip>
+          <a:stretch>
+            <a:fillRect/>
+          </a:stretch>
+        </p:blipFill>
+        <p:spPr>
+          <a:xfrm>
+            <a:off x="9795694" y="5520727"/>
+            <a:ext cx="1142814" cy="548640"/>
+          </a:xfrm>
+          <a:prstGeom prst="rect">
+            <a:avLst/>
+          </a:prstGeom>
+        </p:spPr>
+      </p:pic>
+    </p:spTree>
+    <p:extLst>
+      <p:ext uri="{BB962C8B-B14F-4D97-AF65-F5344CB8AC3E}">
+        <p14:creationId xmlns:p14="http://schemas.microsoft.com/office/powerpoint/2010/main" val="3719968827"/>
+      </p:ext>
+    </p:extLst>
+  </p:cSld>
+  <p:clrMapOvr>
+    <a:masterClrMapping/>
+  </p:clrMapOvr>
+</p:sld>
+</file>
+
+<file path=ppt/slides/slide4.xml><?xml version="1.0" encoding="utf-8"?>
+<p:sld xmlns:a="http://schemas.openxmlformats.org/drawingml/2006/main" xmlns:r="http://schemas.openxmlformats.org/officeDocument/2006/relationships" xmlns:p="http://schemas.openxmlformats.org/presentationml/2006/main">
+  <p:cSld>
+    <p:spTree>
+      <p:nvGrpSpPr>
+        <p:cNvPr id="1" name=""/>
+        <p:cNvGrpSpPr/>
+        <p:nvPr/>
+      </p:nvGrpSpPr>
+      <p:grpSpPr>
+        <a:xfrm>
+          <a:off x="0" y="0"/>
+          <a:ext cx="0" cy="0"/>
+          <a:chOff x="0" y="0"/>
+          <a:chExt cx="0" cy="0"/>
+        </a:xfrm>
+      </p:grpSpPr>
+      <p:sp>
+        <p:nvSpPr>
+          <p:cNvPr id="4" name="Cím 3">
+            <a:extLst>
+              <a:ext uri="{FF2B5EF4-FFF2-40B4-BE49-F238E27FC236}">
+                <a16:creationId xmlns:a16="http://schemas.microsoft.com/office/drawing/2014/main" id="{00FFB3FE-97C6-4451-81D7-B240FCB20B2A}"/>
+              </a:ext>
+            </a:extLst>
+          </p:cNvPr>
+          <p:cNvSpPr>
+            <a:spLocks noGrp="1"/>
+          </p:cNvSpPr>
+          <p:nvPr>
+            <p:ph type="title"/>
+          </p:nvPr>
+        </p:nvSpPr>
+        <p:spPr/>
+        <p:txBody>
+          <a:bodyPr/>
+          <a:lstStyle/>
+          <a:p>
+            <a:r>
+              <a:rPr lang="en-US" dirty="0" err="1"/>
+              <a:t>Adatmodellek</a:t>
+            </a:r>
+            <a:r>
+              <a:rPr lang="en-US" dirty="0"/>
+              <a:t> </a:t>
+            </a:r>
+            <a:r>
+              <a:rPr lang="en-US" dirty="0" err="1"/>
+              <a:t>és</a:t>
+            </a:r>
+            <a:r>
+              <a:rPr lang="en-US" dirty="0"/>
+              <a:t> </a:t>
+            </a:r>
+            <a:r>
+              <a:rPr lang="hu-HU" dirty="0"/>
+              <a:t>s</a:t>
+            </a:r>
+            <a:r>
+              <a:rPr lang="en-US" dirty="0" err="1"/>
+              <a:t>zolgáltatások</a:t>
+            </a:r>
+            <a:endParaRPr lang="en-US" dirty="0"/>
+          </a:p>
+        </p:txBody>
+      </p:sp>
+      <p:sp>
+        <p:nvSpPr>
+          <p:cNvPr id="5" name="Szöveg helye 4">
+            <a:extLst>
+              <a:ext uri="{FF2B5EF4-FFF2-40B4-BE49-F238E27FC236}">
+                <a16:creationId xmlns:a16="http://schemas.microsoft.com/office/drawing/2014/main" id="{CAE2120F-F0FA-484E-8A1E-872E1546C3B8}"/>
+              </a:ext>
+            </a:extLst>
+          </p:cNvPr>
+          <p:cNvSpPr>
+            <a:spLocks noGrp="1"/>
+          </p:cNvSpPr>
+          <p:nvPr>
+            <p:ph type="body" idx="1"/>
+          </p:nvPr>
+        </p:nvSpPr>
+        <p:spPr/>
+        <p:txBody>
+          <a:bodyPr/>
+          <a:lstStyle/>
+          <a:p>
+            <a:r>
+              <a:rPr lang="en-US" dirty="0" err="1"/>
+              <a:t>Modellek</a:t>
+            </a:r>
+            <a:endParaRPr lang="en-US" dirty="0"/>
+          </a:p>
+        </p:txBody>
+      </p:sp>
+      <p:pic>
+        <p:nvPicPr>
+          <p:cNvPr id="9" name="Tartalom helye 8">
+            <a:extLst>
+              <a:ext uri="{FF2B5EF4-FFF2-40B4-BE49-F238E27FC236}">
+                <a16:creationId xmlns:a16="http://schemas.microsoft.com/office/drawing/2014/main" id="{D2161AC1-1BD9-4E47-BDDF-1F1CDFB656C4}"/>
+              </a:ext>
+            </a:extLst>
+          </p:cNvPr>
+          <p:cNvPicPr>
+            <a:picLocks noGrp="1" noChangeAspect="1"/>
+          </p:cNvPicPr>
+          <p:nvPr>
+            <p:ph sz="half" idx="2"/>
+          </p:nvPr>
+        </p:nvPicPr>
+        <p:blipFill>
+          <a:blip r:embed="rId2"/>
+          <a:stretch>
+            <a:fillRect/>
+          </a:stretch>
+        </p:blipFill>
+        <p:spPr>
+          <a:xfrm>
+            <a:off x="836612" y="2693622"/>
+            <a:ext cx="3639504" cy="3027408"/>
+          </a:xfrm>
+          <a:prstGeom prst="rect">
+            <a:avLst/>
+          </a:prstGeom>
+        </p:spPr>
+      </p:pic>
+      <p:sp>
+        <p:nvSpPr>
+          <p:cNvPr id="7" name="Szöveg helye 6">
+            <a:extLst>
+              <a:ext uri="{FF2B5EF4-FFF2-40B4-BE49-F238E27FC236}">
+                <a16:creationId xmlns:a16="http://schemas.microsoft.com/office/drawing/2014/main" id="{641F13D0-411E-4998-BF59-052592136707}"/>
+              </a:ext>
+            </a:extLst>
+          </p:cNvPr>
+          <p:cNvSpPr>
+            <a:spLocks noGrp="1"/>
+          </p:cNvSpPr>
+          <p:nvPr>
+            <p:ph type="body" sz="quarter" idx="3"/>
+          </p:nvPr>
+        </p:nvSpPr>
+        <p:spPr/>
+        <p:txBody>
+          <a:bodyPr/>
+          <a:lstStyle/>
+          <a:p>
+            <a:r>
+              <a:rPr lang="en-US" dirty="0"/>
+              <a:t>Service-</a:t>
+            </a:r>
+            <a:r>
+              <a:rPr lang="hu-HU" dirty="0"/>
+              <a:t>e</a:t>
+            </a:r>
+            <a:r>
+              <a:rPr lang="en-US" dirty="0"/>
+              <a:t>k</a:t>
+            </a:r>
+          </a:p>
+        </p:txBody>
+      </p:sp>
+      <p:pic>
+        <p:nvPicPr>
+          <p:cNvPr id="10" name="Kép 9">
+            <a:extLst>
+              <a:ext uri="{FF2B5EF4-FFF2-40B4-BE49-F238E27FC236}">
+                <a16:creationId xmlns:a16="http://schemas.microsoft.com/office/drawing/2014/main" id="{E16D5412-42C2-474A-AAE1-2D587E341F2D}"/>
+              </a:ext>
+            </a:extLst>
+          </p:cNvPr>
+          <p:cNvPicPr>
+            <a:picLocks noChangeAspect="1"/>
+          </p:cNvPicPr>
+          <p:nvPr/>
+        </p:nvPicPr>
+        <p:blipFill>
+          <a:blip r:embed="rId3"/>
+          <a:stretch>
+            <a:fillRect/>
+          </a:stretch>
+        </p:blipFill>
+        <p:spPr>
+          <a:xfrm>
+            <a:off x="6172200" y="2693622"/>
+            <a:ext cx="2000250" cy="3571875"/>
+          </a:xfrm>
+          <a:prstGeom prst="rect">
+            <a:avLst/>
+          </a:prstGeom>
+        </p:spPr>
+      </p:pic>
+    </p:spTree>
+    <p:extLst>
+      <p:ext uri="{BB962C8B-B14F-4D97-AF65-F5344CB8AC3E}">
+        <p14:creationId xmlns:p14="http://schemas.microsoft.com/office/powerpoint/2010/main" val="1203435889"/>
+      </p:ext>
+    </p:extLst>
+  </p:cSld>
+  <p:clrMapOvr>
+    <a:masterClrMapping/>
+  </p:clrMapOvr>
+</p:sld>
+</file>
+
+<file path=ppt/slides/slide5.xml><?xml version="1.0" encoding="utf-8"?>
+<p:sld xmlns:a="http://schemas.openxmlformats.org/drawingml/2006/main" xmlns:r="http://schemas.openxmlformats.org/officeDocument/2006/relationships" xmlns:p="http://schemas.openxmlformats.org/presentationml/2006/main">
+  <p:cSld>
+    <p:spTree>
+      <p:nvGrpSpPr>
+        <p:cNvPr id="1" name=""/>
+        <p:cNvGrpSpPr/>
+        <p:nvPr/>
+      </p:nvGrpSpPr>
+      <p:grpSpPr>
+        <a:xfrm>
+          <a:off x="0" y="0"/>
+          <a:ext cx="0" cy="0"/>
+          <a:chOff x="0" y="0"/>
+          <a:chExt cx="0" cy="0"/>
+        </a:xfrm>
+      </p:grpSpPr>
+      <p:sp>
+        <p:nvSpPr>
+          <p:cNvPr id="2" name="Cím 1">
+            <a:extLst>
+              <a:ext uri="{FF2B5EF4-FFF2-40B4-BE49-F238E27FC236}">
+                <a16:creationId xmlns:a16="http://schemas.microsoft.com/office/drawing/2014/main" id="{A956EC8E-3856-493E-8320-C5994E34108F}"/>
+              </a:ext>
+            </a:extLst>
+          </p:cNvPr>
+          <p:cNvSpPr>
+            <a:spLocks noGrp="1"/>
+          </p:cNvSpPr>
+          <p:nvPr>
+            <p:ph type="title"/>
+          </p:nvPr>
+        </p:nvSpPr>
+        <p:spPr/>
+        <p:txBody>
+          <a:bodyPr/>
+          <a:lstStyle/>
+          <a:p>
+            <a:r>
+              <a:rPr lang="hu-HU" dirty="0"/>
+              <a:t>Tesztelés</a:t>
+            </a:r>
+            <a:endParaRPr lang="en-US" dirty="0"/>
+          </a:p>
+        </p:txBody>
+      </p:sp>
+      <p:graphicFrame>
+        <p:nvGraphicFramePr>
+          <p:cNvPr id="4" name="Táblázat 3">
+            <a:extLst>
+              <a:ext uri="{FF2B5EF4-FFF2-40B4-BE49-F238E27FC236}">
+                <a16:creationId xmlns:a16="http://schemas.microsoft.com/office/drawing/2014/main" id="{B3ED5349-62F3-4DA8-A29A-2900F89E8BB3}"/>
+              </a:ext>
+            </a:extLst>
+          </p:cNvPr>
+          <p:cNvGraphicFramePr>
+            <a:graphicFrameLocks noGrp="1"/>
+          </p:cNvGraphicFramePr>
+          <p:nvPr>
+            <p:extLst>
+              <p:ext uri="{D42A27DB-BD31-4B8C-83A1-F6EECF244321}">
+                <p14:modId xmlns:p14="http://schemas.microsoft.com/office/powerpoint/2010/main" val="3874579944"/>
+              </p:ext>
+            </p:extLst>
+          </p:nvPr>
+        </p:nvGraphicFramePr>
+        <p:xfrm>
+          <a:off x="1178012" y="1690688"/>
+          <a:ext cx="9835977" cy="2570204"/>
+        </p:xfrm>
+        <a:graphic>
+          <a:graphicData uri="http://schemas.openxmlformats.org/drawingml/2006/table">
+            <a:tbl>
+              <a:tblPr firstRow="1" bandRow="1">
+                <a:tableStyleId>{8EC20E35-A176-4012-BC5E-935CFFF8708E}</a:tableStyleId>
+              </a:tblPr>
+              <a:tblGrid>
+                <a:gridCol w="3278659">
+                  <a:extLst>
+                    <a:ext uri="{9D8B030D-6E8A-4147-A177-3AD203B41FA5}">
+                      <a16:colId xmlns:a16="http://schemas.microsoft.com/office/drawing/2014/main" val="1738215808"/>
+                    </a:ext>
+                  </a:extLst>
+                </a:gridCol>
+                <a:gridCol w="3278659">
+                  <a:extLst>
+                    <a:ext uri="{9D8B030D-6E8A-4147-A177-3AD203B41FA5}">
+                      <a16:colId xmlns:a16="http://schemas.microsoft.com/office/drawing/2014/main" val="3474719339"/>
+                    </a:ext>
+                  </a:extLst>
+                </a:gridCol>
+                <a:gridCol w="3278659">
+                  <a:extLst>
+                    <a:ext uri="{9D8B030D-6E8A-4147-A177-3AD203B41FA5}">
+                      <a16:colId xmlns:a16="http://schemas.microsoft.com/office/drawing/2014/main" val="272789481"/>
+                    </a:ext>
+                  </a:extLst>
+                </a:gridCol>
+              </a:tblGrid>
+              <a:tr h="642551">
+                <a:tc>
+                  <a:txBody>
+                    <a:bodyPr/>
+                    <a:lstStyle/>
+                    <a:p>
+                      <a:pPr algn="ctr"/>
+                      <a:r>
+                        <a:rPr lang="hu-HU" dirty="0" err="1"/>
+                        <a:t>Desktop</a:t>
+                      </a:r>
+                      <a:r>
+                        <a:rPr lang="hu-HU" dirty="0"/>
+                        <a:t> frontend</a:t>
+                      </a:r>
+                      <a:endParaRPr lang="en-US" dirty="0"/>
+                    </a:p>
+                  </a:txBody>
+                  <a:tcPr anchor="ctr">
+                    <a:solidFill>
+                      <a:schemeClr val="tx1">
+                        <a:lumMod val="75000"/>
+                        <a:lumOff val="25000"/>
+                      </a:schemeClr>
+                    </a:solidFill>
+                  </a:tcPr>
+                </a:tc>
+                <a:tc>
+                  <a:txBody>
+                    <a:bodyPr/>
+                    <a:lstStyle/>
+                    <a:p>
+                      <a:pPr algn="ctr"/>
+                      <a:r>
+                        <a:rPr lang="hu-HU"/>
+                        <a:t>Mobil frontend</a:t>
+                      </a:r>
+                      <a:endParaRPr lang="en-US" dirty="0"/>
+                    </a:p>
+                  </a:txBody>
+                  <a:tcPr anchor="ctr">
+                    <a:solidFill>
+                      <a:schemeClr val="tx1">
+                        <a:lumMod val="75000"/>
+                        <a:lumOff val="25000"/>
+                      </a:schemeClr>
+                    </a:solidFill>
+                  </a:tcPr>
+                </a:tc>
+                <a:tc>
+                  <a:txBody>
+                    <a:bodyPr/>
+                    <a:lstStyle/>
+                    <a:p>
+                      <a:pPr algn="ctr"/>
+                      <a:r>
+                        <a:rPr lang="hu-HU"/>
+                        <a:t>Backend</a:t>
+                      </a:r>
+                      <a:endParaRPr lang="en-US" dirty="0"/>
+                    </a:p>
+                  </a:txBody>
+                  <a:tcPr anchor="ctr">
+                    <a:solidFill>
+                      <a:schemeClr val="tx1">
+                        <a:lumMod val="75000"/>
+                        <a:lumOff val="25000"/>
+                      </a:schemeClr>
+                    </a:solidFill>
+                  </a:tcPr>
+                </a:tc>
+                <a:extLst>
+                  <a:ext uri="{0D108BD9-81ED-4DB2-BD59-A6C34878D82A}">
+                    <a16:rowId xmlns:a16="http://schemas.microsoft.com/office/drawing/2014/main" val="3578268649"/>
+                  </a:ext>
+                </a:extLst>
+              </a:tr>
+              <a:tr h="642551">
+                <a:tc gridSpan="2">
+                  <a:txBody>
+                    <a:bodyPr/>
+                    <a:lstStyle/>
+                    <a:p>
+                      <a:pPr algn="ctr"/>
+                      <a:r>
+                        <a:rPr lang="hu-HU" dirty="0"/>
+                        <a:t>Unit tesztek </a:t>
+                      </a:r>
+                      <a:r>
+                        <a:rPr lang="hu-HU" dirty="0" err="1"/>
+                        <a:t>Jasmin</a:t>
+                      </a:r>
+                      <a:r>
+                        <a:rPr lang="en-US" dirty="0"/>
+                        <a:t>-</a:t>
+                      </a:r>
+                      <a:r>
+                        <a:rPr lang="en-US" dirty="0" err="1"/>
+                        <a:t>nel</a:t>
+                      </a:r>
+                      <a:endParaRPr lang="en-US" dirty="0"/>
+                    </a:p>
+                  </a:txBody>
+                  <a:tcPr>
+                    <a:lnR w="12700" cap="flat" cmpd="sng" algn="ctr">
+                      <a:solidFill>
+                        <a:schemeClr val="tx1"/>
+                      </a:solidFill>
+                      <a:prstDash val="solid"/>
+                      <a:round/>
+                      <a:headEnd type="none" w="med" len="med"/>
+                      <a:tailEnd type="none" w="med" len="med"/>
+                    </a:lnR>
+                  </a:tcPr>
+                </a:tc>
+                <a:tc hMerge="1">
+                  <a:txBody>
+                    <a:bodyPr/>
+                    <a:lstStyle/>
+                    <a:p>
+                      <a:endParaRPr lang="en-US" dirty="0"/>
+                    </a:p>
+                  </a:txBody>
+                  <a:tcPr/>
+                </a:tc>
+                <a:tc>
+                  <a:txBody>
+                    <a:bodyPr/>
+                    <a:lstStyle/>
+                    <a:p>
+                      <a:r>
+                        <a:rPr lang="en-US"/>
+                        <a:t>Unit tesztek</a:t>
+                      </a:r>
+                      <a:endParaRPr lang="en-US" dirty="0"/>
+                    </a:p>
+                  </a:txBody>
+                  <a:tcPr>
+                    <a:lnL w="12700" cap="flat" cmpd="sng" algn="ctr">
+                      <a:solidFill>
+                        <a:schemeClr val="tx1"/>
+                      </a:solidFill>
+                      <a:prstDash val="solid"/>
+                      <a:round/>
+                      <a:headEnd type="none" w="med" len="med"/>
+                      <a:tailEnd type="none" w="med" len="med"/>
+                    </a:lnL>
+                  </a:tcPr>
+                </a:tc>
+                <a:extLst>
+                  <a:ext uri="{0D108BD9-81ED-4DB2-BD59-A6C34878D82A}">
+                    <a16:rowId xmlns:a16="http://schemas.microsoft.com/office/drawing/2014/main" val="165628092"/>
+                  </a:ext>
+                </a:extLst>
+              </a:tr>
+              <a:tr h="642551">
+                <a:tc gridSpan="2">
+                  <a:txBody>
+                    <a:bodyPr/>
+                    <a:lstStyle/>
+                    <a:p>
+                      <a:pPr algn="ctr"/>
+                      <a:r>
+                        <a:rPr lang="en-US" dirty="0"/>
+                        <a:t>E2E </a:t>
+                      </a:r>
+                      <a:r>
+                        <a:rPr lang="en-US" dirty="0" err="1"/>
+                        <a:t>tesztek</a:t>
+                      </a:r>
+                      <a:r>
+                        <a:rPr lang="en-US" dirty="0"/>
+                        <a:t> </a:t>
+                      </a:r>
+                      <a:r>
+                        <a:rPr lang="en-US" dirty="0" err="1"/>
+                        <a:t>Cypess-sel</a:t>
+                      </a:r>
+                      <a:endParaRPr lang="en-US" dirty="0"/>
+                    </a:p>
+                  </a:txBody>
+                  <a:tcPr>
+                    <a:lnR w="12700" cap="flat" cmpd="sng" algn="ctr">
+                      <a:solidFill>
+                        <a:schemeClr val="tx1"/>
+                      </a:solidFill>
+                      <a:prstDash val="solid"/>
+                      <a:round/>
+                      <a:headEnd type="none" w="med" len="med"/>
+                      <a:tailEnd type="none" w="med" len="med"/>
+                    </a:lnR>
+                  </a:tcPr>
+                </a:tc>
+                <a:tc hMerge="1">
+                  <a:txBody>
+                    <a:bodyPr/>
+                    <a:lstStyle/>
+                    <a:p>
+                      <a:pPr algn="ctr"/>
+                      <a:endParaRPr lang="en-US" dirty="0"/>
+                    </a:p>
+                  </a:txBody>
+                  <a:tcPr/>
+                </a:tc>
+                <a:tc>
+                  <a:txBody>
+                    <a:bodyPr/>
+                    <a:lstStyle/>
+                    <a:p>
+                      <a:pPr marL="0" marR="0" lvl="0" indent="0" algn="l" defTabSz="914400" rtl="0" eaLnBrk="1" fontAlgn="auto" latinLnBrk="0" hangingPunct="1">
+                        <a:lnSpc>
+                          <a:spcPct val="100000"/>
+                        </a:lnSpc>
+                        <a:spcBef>
+                          <a:spcPts val="0"/>
+                        </a:spcBef>
+                        <a:spcAft>
+                          <a:spcPts val="0"/>
+                        </a:spcAft>
+                        <a:buClrTx/>
+                        <a:buSzTx/>
+                        <a:buFontTx/>
+                        <a:buNone/>
+                        <a:tabLst/>
+                        <a:defRPr/>
+                      </a:pPr>
+                      <a:r>
+                        <a:rPr lang="en-US" dirty="0"/>
+                        <a:t>E2E </a:t>
+                      </a:r>
+                      <a:r>
+                        <a:rPr lang="en-US" dirty="0" err="1"/>
+                        <a:t>tesztek</a:t>
+                      </a:r>
+                      <a:r>
+                        <a:rPr lang="en-US" dirty="0"/>
+                        <a:t> </a:t>
+                      </a:r>
+                      <a:r>
+                        <a:rPr lang="en-US" dirty="0" err="1"/>
+                        <a:t>Cypess-sel</a:t>
+                      </a:r>
+                      <a:endParaRPr lang="en-US" dirty="0"/>
+                    </a:p>
+                    <a:p>
+                      <a:endParaRPr lang="en-US" dirty="0"/>
+                    </a:p>
+                  </a:txBody>
+                  <a:tcPr>
+                    <a:lnL w="12700" cap="flat" cmpd="sng" algn="ctr">
+                      <a:solidFill>
+                        <a:schemeClr val="tx1"/>
+                      </a:solidFill>
+                      <a:prstDash val="solid"/>
+                      <a:round/>
+                      <a:headEnd type="none" w="med" len="med"/>
+                      <a:tailEnd type="none" w="med" len="med"/>
+                    </a:lnL>
+                  </a:tcPr>
+                </a:tc>
+                <a:extLst>
+                  <a:ext uri="{0D108BD9-81ED-4DB2-BD59-A6C34878D82A}">
+                    <a16:rowId xmlns:a16="http://schemas.microsoft.com/office/drawing/2014/main" val="2772671583"/>
+                  </a:ext>
+                </a:extLst>
+              </a:tr>
+              <a:tr h="642551">
+                <a:tc gridSpan="2">
+                  <a:txBody>
+                    <a:bodyPr/>
+                    <a:lstStyle/>
+                    <a:p>
+                      <a:pPr algn="ctr"/>
+                      <a:r>
+                        <a:rPr lang="hu-HU" dirty="0" err="1"/>
+                        <a:t>Thunder</a:t>
+                      </a:r>
+                      <a:r>
+                        <a:rPr lang="hu-HU" dirty="0"/>
+                        <a:t> </a:t>
+                      </a:r>
+                      <a:r>
+                        <a:rPr lang="hu-HU" dirty="0" err="1"/>
+                        <a:t>Client</a:t>
+                      </a:r>
+                      <a:r>
+                        <a:rPr lang="hu-HU" dirty="0"/>
+                        <a:t> tesztek</a:t>
+                      </a:r>
+                      <a:endParaRPr lang="en-US" dirty="0"/>
+                    </a:p>
+                  </a:txBody>
+                  <a:tcPr>
+                    <a:lnR w="12700" cap="flat" cmpd="sng" algn="ctr">
+                      <a:solidFill>
+                        <a:schemeClr val="tx1"/>
+                      </a:solidFill>
+                      <a:prstDash val="solid"/>
+                      <a:round/>
+                      <a:headEnd type="none" w="med" len="med"/>
+                      <a:tailEnd type="none" w="med" len="med"/>
+                    </a:lnR>
+                  </a:tcPr>
+                </a:tc>
+                <a:tc hMerge="1">
+                  <a:txBody>
+                    <a:bodyPr/>
+                    <a:lstStyle/>
+                    <a:p>
+                      <a:endParaRPr lang="en-US" dirty="0"/>
+                    </a:p>
+                  </a:txBody>
+                  <a:tcPr/>
+                </a:tc>
+                <a:tc>
+                  <a:txBody>
+                    <a:bodyPr/>
+                    <a:lstStyle/>
+                    <a:p>
+                      <a:endParaRPr lang="en-US" dirty="0"/>
+                    </a:p>
+                  </a:txBody>
+                  <a:tcPr>
+                    <a:lnL w="12700" cap="flat" cmpd="sng" algn="ctr">
+                      <a:solidFill>
+                        <a:schemeClr val="tx1"/>
+                      </a:solidFill>
+                      <a:prstDash val="solid"/>
+                      <a:round/>
+                      <a:headEnd type="none" w="med" len="med"/>
+                      <a:tailEnd type="none" w="med" len="med"/>
+                    </a:lnL>
+                  </a:tcPr>
+                </a:tc>
+                <a:extLst>
+                  <a:ext uri="{0D108BD9-81ED-4DB2-BD59-A6C34878D82A}">
+                    <a16:rowId xmlns:a16="http://schemas.microsoft.com/office/drawing/2014/main" val="3684771323"/>
+                  </a:ext>
+                </a:extLst>
+              </a:tr>
+            </a:tbl>
+          </a:graphicData>
+        </a:graphic>
+      </p:graphicFrame>
+      <p:pic>
+        <p:nvPicPr>
+          <p:cNvPr id="5" name="Kép 4">
+            <a:extLst>
+              <a:ext uri="{FF2B5EF4-FFF2-40B4-BE49-F238E27FC236}">
+                <a16:creationId xmlns:a16="http://schemas.microsoft.com/office/drawing/2014/main" id="{47788185-46F3-499D-B454-7514DD93B23F}"/>
+              </a:ext>
+            </a:extLst>
+          </p:cNvPr>
+          <p:cNvPicPr>
+            <a:picLocks noChangeAspect="1"/>
+          </p:cNvPicPr>
+          <p:nvPr/>
+        </p:nvPicPr>
+        <p:blipFill>
+          <a:blip r:embed="rId2"/>
+          <a:stretch>
+            <a:fillRect/>
+          </a:stretch>
+        </p:blipFill>
+        <p:spPr>
+          <a:xfrm>
+            <a:off x="1178012" y="4563762"/>
+            <a:ext cx="3162300" cy="762000"/>
+          </a:xfrm>
+          <a:prstGeom prst="rect">
+            <a:avLst/>
+          </a:prstGeom>
+        </p:spPr>
+      </p:pic>
+      <p:pic>
+        <p:nvPicPr>
+          <p:cNvPr id="6" name="Kép 5">
+            <a:extLst>
+              <a:ext uri="{FF2B5EF4-FFF2-40B4-BE49-F238E27FC236}">
+                <a16:creationId xmlns:a16="http://schemas.microsoft.com/office/drawing/2014/main" id="{6D59820A-FA18-4C08-82F5-892662F89897}"/>
+              </a:ext>
+            </a:extLst>
+          </p:cNvPr>
+          <p:cNvPicPr>
+            <a:picLocks noChangeAspect="1"/>
+          </p:cNvPicPr>
+          <p:nvPr/>
+        </p:nvPicPr>
+        <p:blipFill>
+          <a:blip r:embed="rId3"/>
+          <a:stretch>
+            <a:fillRect/>
+          </a:stretch>
+        </p:blipFill>
+        <p:spPr>
+          <a:xfrm>
+            <a:off x="4821070" y="4563762"/>
+            <a:ext cx="2792622" cy="1385760"/>
+          </a:xfrm>
+          <a:prstGeom prst="rect">
+            <a:avLst/>
+          </a:prstGeom>
+        </p:spPr>
+      </p:pic>
+      <p:pic>
+        <p:nvPicPr>
+          <p:cNvPr id="7" name="Kép 6">
+            <a:extLst>
+              <a:ext uri="{FF2B5EF4-FFF2-40B4-BE49-F238E27FC236}">
+                <a16:creationId xmlns:a16="http://schemas.microsoft.com/office/drawing/2014/main" id="{739D7445-0E1E-44B6-A616-64AFAF077953}"/>
+              </a:ext>
+            </a:extLst>
+          </p:cNvPr>
+          <p:cNvPicPr>
+            <a:picLocks noChangeAspect="1"/>
+          </p:cNvPicPr>
+          <p:nvPr/>
+        </p:nvPicPr>
+        <p:blipFill>
+          <a:blip r:embed="rId4"/>
+          <a:stretch>
+            <a:fillRect/>
+          </a:stretch>
+        </p:blipFill>
+        <p:spPr>
+          <a:xfrm>
+            <a:off x="8094450" y="4563762"/>
+            <a:ext cx="2919538" cy="782934"/>
+          </a:xfrm>
+          <a:prstGeom prst="rect">
+            <a:avLst/>
+          </a:prstGeom>
+        </p:spPr>
+      </p:pic>
+      <p:pic>
+        <p:nvPicPr>
+          <p:cNvPr id="8" name="Kép 7">
+            <a:extLst>
+              <a:ext uri="{FF2B5EF4-FFF2-40B4-BE49-F238E27FC236}">
+                <a16:creationId xmlns:a16="http://schemas.microsoft.com/office/drawing/2014/main" id="{A0433B7E-56FA-4BFA-82A7-F944C20FA0F4}"/>
+              </a:ext>
+            </a:extLst>
+          </p:cNvPr>
+          <p:cNvPicPr>
+            <a:picLocks noChangeAspect="1"/>
+          </p:cNvPicPr>
+          <p:nvPr/>
+        </p:nvPicPr>
+        <p:blipFill>
+          <a:blip r:embed="rId5"/>
+          <a:stretch>
+            <a:fillRect/>
+          </a:stretch>
+        </p:blipFill>
+        <p:spPr>
+          <a:xfrm>
+            <a:off x="1178012" y="5346696"/>
+            <a:ext cx="2141838" cy="1390200"/>
+          </a:xfrm>
+          <a:prstGeom prst="rect">
+            <a:avLst/>
+          </a:prstGeom>
+        </p:spPr>
+      </p:pic>
+    </p:spTree>
+    <p:extLst>
+      <p:ext uri="{BB962C8B-B14F-4D97-AF65-F5344CB8AC3E}">
+        <p14:creationId xmlns:p14="http://schemas.microsoft.com/office/powerpoint/2010/main" val="232466395"/>
+      </p:ext>
+    </p:extLst>
+  </p:cSld>
+  <p:clrMapOvr>
+    <a:masterClrMapping/>
+  </p:clrMapOvr>
+</p:sld>
+</file>
+
+<file path=ppt/slides/slide6.xml><?xml version="1.0" encoding="utf-8"?>
+<p:sld xmlns:a="http://schemas.openxmlformats.org/drawingml/2006/main" xmlns:r="http://schemas.openxmlformats.org/officeDocument/2006/relationships" xmlns:p="http://schemas.openxmlformats.org/presentationml/2006/main">
+  <p:cSld>
+    <p:spTree>
+      <p:nvGrpSpPr>
+        <p:cNvPr id="1" name=""/>
+        <p:cNvGrpSpPr/>
+        <p:nvPr/>
+      </p:nvGrpSpPr>
+      <p:grpSpPr>
+        <a:xfrm>
+          <a:off x="0" y="0"/>
+          <a:ext cx="0" cy="0"/>
+          <a:chOff x="0" y="0"/>
+          <a:chExt cx="0" cy="0"/>
+        </a:xfrm>
+      </p:grpSpPr>
+      <p:sp>
+        <p:nvSpPr>
+          <p:cNvPr id="2" name="Cím 1">
+            <a:extLst>
+              <a:ext uri="{FF2B5EF4-FFF2-40B4-BE49-F238E27FC236}">
+                <a16:creationId xmlns:a16="http://schemas.microsoft.com/office/drawing/2014/main" id="{9A1AFED0-BED0-47A2-99CD-6FEB36A6B148}"/>
+              </a:ext>
+            </a:extLst>
+          </p:cNvPr>
+          <p:cNvSpPr>
+            <a:spLocks noGrp="1"/>
+          </p:cNvSpPr>
+          <p:nvPr>
+            <p:ph type="title"/>
+          </p:nvPr>
+        </p:nvSpPr>
+        <p:spPr/>
+        <p:txBody>
+          <a:bodyPr/>
+          <a:lstStyle/>
+          <a:p>
+            <a:r>
+              <a:rPr lang="hu-HU" dirty="0"/>
+              <a:t>Publikáció</a:t>
+            </a:r>
+            <a:endParaRPr lang="en-US" dirty="0"/>
+          </a:p>
+        </p:txBody>
+      </p:sp>
+      <p:sp>
+        <p:nvSpPr>
+          <p:cNvPr id="5" name="Szöveg helye 4">
+            <a:extLst>
+              <a:ext uri="{FF2B5EF4-FFF2-40B4-BE49-F238E27FC236}">
+                <a16:creationId xmlns:a16="http://schemas.microsoft.com/office/drawing/2014/main" id="{B14EAED0-D69C-4357-92FB-3D97A63EC63F}"/>
+              </a:ext>
+            </a:extLst>
+          </p:cNvPr>
+          <p:cNvSpPr>
+            <a:spLocks noGrp="1"/>
+          </p:cNvSpPr>
+          <p:nvPr>
+            <p:ph type="body" idx="1"/>
+          </p:nvPr>
+        </p:nvSpPr>
+        <p:spPr>
+          <a:xfrm>
+            <a:off x="839787" y="2193132"/>
+            <a:ext cx="5157787" cy="823912"/>
+          </a:xfrm>
+        </p:spPr>
+        <p:txBody>
+          <a:bodyPr/>
+          <a:lstStyle/>
+          <a:p>
+            <a:pPr algn="ctr"/>
+            <a:r>
+              <a:rPr lang="en-US" dirty="0"/>
+              <a:t>Backend</a:t>
+            </a:r>
+          </a:p>
+        </p:txBody>
+      </p:sp>
+      <p:sp>
+        <p:nvSpPr>
+          <p:cNvPr id="7" name="Szöveg helye 6">
+            <a:extLst>
+              <a:ext uri="{FF2B5EF4-FFF2-40B4-BE49-F238E27FC236}">
+                <a16:creationId xmlns:a16="http://schemas.microsoft.com/office/drawing/2014/main" id="{F90605F6-7B62-4DEC-9EE1-1CB14197EB12}"/>
+              </a:ext>
+            </a:extLst>
+          </p:cNvPr>
+          <p:cNvSpPr>
+            <a:spLocks noGrp="1"/>
+          </p:cNvSpPr>
+          <p:nvPr>
+            <p:ph type="body" sz="quarter" idx="3"/>
+          </p:nvPr>
+        </p:nvSpPr>
+        <p:spPr>
+          <a:xfrm>
+            <a:off x="6096000" y="2178588"/>
+            <a:ext cx="5183188" cy="823912"/>
+          </a:xfrm>
+        </p:spPr>
+        <p:txBody>
+          <a:bodyPr/>
+          <a:lstStyle/>
+          <a:p>
+            <a:pPr algn="ctr"/>
+            <a:r>
+              <a:rPr lang="en-US" dirty="0"/>
+              <a:t>Frontend</a:t>
+            </a:r>
+          </a:p>
+        </p:txBody>
+      </p:sp>
+      <p:pic>
+        <p:nvPicPr>
+          <p:cNvPr id="10" name="Tartalom helye 9">
+            <a:extLst>
+              <a:ext uri="{FF2B5EF4-FFF2-40B4-BE49-F238E27FC236}">
+                <a16:creationId xmlns:a16="http://schemas.microsoft.com/office/drawing/2014/main" id="{3E9AFB78-D401-46C6-B3F2-96EF8172420F}"/>
+              </a:ext>
+            </a:extLst>
+          </p:cNvPr>
+          <p:cNvPicPr>
+            <a:picLocks noGrp="1" noChangeAspect="1"/>
+          </p:cNvPicPr>
+          <p:nvPr>
+            <p:ph sz="quarter" idx="4"/>
+          </p:nvPr>
+        </p:nvPicPr>
+        <p:blipFill>
+          <a:blip r:embed="rId2">
+            <a:extLst>
+              <a:ext uri="{28A0092B-C50C-407E-A947-70E740481C1C}">
+                <a14:useLocalDpi xmlns:a14="http://schemas.microsoft.com/office/drawing/2010/main" val="0"/>
+              </a:ext>
+            </a:extLst>
+          </a:blip>
+          <a:stretch>
+            <a:fillRect/>
+          </a:stretch>
+        </p:blipFill>
+        <p:spPr>
+          <a:xfrm>
+            <a:off x="1955452" y="3561868"/>
+            <a:ext cx="2926458" cy="791058"/>
+          </a:xfrm>
+        </p:spPr>
+      </p:pic>
+      <p:pic>
+        <p:nvPicPr>
+          <p:cNvPr id="12" name="Kép 11">
+            <a:extLst>
+              <a:ext uri="{FF2B5EF4-FFF2-40B4-BE49-F238E27FC236}">
+                <a16:creationId xmlns:a16="http://schemas.microsoft.com/office/drawing/2014/main" id="{480B64A4-F579-4D76-B0B6-BA3DC76F4043}"/>
+              </a:ext>
+            </a:extLst>
+          </p:cNvPr>
+          <p:cNvPicPr>
+            <a:picLocks noChangeAspect="1"/>
+          </p:cNvPicPr>
+          <p:nvPr/>
+        </p:nvPicPr>
+        <p:blipFill>
+          <a:blip r:embed="rId3">
+            <a:extLst>
+              <a:ext uri="{28A0092B-C50C-407E-A947-70E740481C1C}">
+                <a14:useLocalDpi xmlns:a14="http://schemas.microsoft.com/office/drawing/2010/main" val="0"/>
+              </a:ext>
+            </a:extLst>
+          </a:blip>
+          <a:stretch>
+            <a:fillRect/>
+          </a:stretch>
+        </p:blipFill>
+        <p:spPr>
+          <a:xfrm>
+            <a:off x="6595900" y="2650088"/>
+            <a:ext cx="4183388" cy="2614618"/>
+          </a:xfrm>
+          <a:prstGeom prst="rect">
+            <a:avLst/>
+          </a:prstGeom>
+        </p:spPr>
+      </p:pic>
+    </p:spTree>
+    <p:extLst>
+      <p:ext uri="{BB962C8B-B14F-4D97-AF65-F5344CB8AC3E}">
+        <p14:creationId xmlns:p14="http://schemas.microsoft.com/office/powerpoint/2010/main" val="1392229419"/>
+      </p:ext>
+    </p:extLst>
+  </p:cSld>
+  <p:clrMapOvr>
+    <a:masterClrMapping/>
+  </p:clrMapOvr>
+  <mc:AlternateContent xmlns:mc="http://schemas.openxmlformats.org/markup-compatibility/2006">
+    <mc:Choice xmlns:p14="http://schemas.microsoft.com/office/powerpoint/2010/main" Requires="p14">
+      <p:transition p14:dur="10"/>
+    </mc:Choice>
+    <mc:Fallback>
+      <p:transition/>
+    </mc:Fallback>
+  </mc:AlternateContent>
+</p:sld>
+</file>
+
+<file path=ppt/slides/slide7.xml><?xml version="1.0" encoding="utf-8"?>
+<p:sld xmlns:a="http://schemas.openxmlformats.org/drawingml/2006/main" xmlns:r="http://schemas.openxmlformats.org/officeDocument/2006/relationships" xmlns:p="http://schemas.openxmlformats.org/presentationml/2006/main">
+  <p:cSld>
+    <p:spTree>
+      <p:nvGrpSpPr>
+        <p:cNvPr id="1" name=""/>
+        <p:cNvGrpSpPr/>
+        <p:nvPr/>
+      </p:nvGrpSpPr>
+      <p:grpSpPr>
+        <a:xfrm>
+          <a:off x="0" y="0"/>
+          <a:ext cx="0" cy="0"/>
+          <a:chOff x="0" y="0"/>
+          <a:chExt cx="0" cy="0"/>
+        </a:xfrm>
+      </p:grpSpPr>
+      <p:sp>
+        <p:nvSpPr>
+          <p:cNvPr id="2" name="Cím 1">
+            <a:extLst>
+              <a:ext uri="{FF2B5EF4-FFF2-40B4-BE49-F238E27FC236}">
+                <a16:creationId xmlns:a16="http://schemas.microsoft.com/office/drawing/2014/main" id="{5C5599D1-EB71-4184-81AE-FAEEC1DCA988}"/>
+              </a:ext>
+            </a:extLst>
+          </p:cNvPr>
+          <p:cNvSpPr>
+            <a:spLocks noGrp="1"/>
+          </p:cNvSpPr>
+          <p:nvPr>
+            <p:ph type="title"/>
+          </p:nvPr>
+        </p:nvSpPr>
+        <p:spPr/>
+        <p:txBody>
+          <a:bodyPr/>
+          <a:lstStyle/>
+          <a:p>
+            <a:r>
+              <a:rPr lang="en-US" dirty="0" err="1"/>
+              <a:t>Csapatmunka</a:t>
+            </a:r>
+            <a:r>
+              <a:rPr lang="en-US" dirty="0"/>
+              <a:t> &amp; </a:t>
+            </a:r>
+            <a:r>
+              <a:rPr lang="en-US" dirty="0" err="1"/>
+              <a:t>munkafelosz</a:t>
+            </a:r>
+            <a:r>
+              <a:rPr lang="hu-HU" dirty="0"/>
+              <a:t>tás</a:t>
+            </a:r>
+            <a:endParaRPr lang="en-US" dirty="0"/>
+          </a:p>
+        </p:txBody>
+      </p:sp>
+      <p:sp>
+        <p:nvSpPr>
+          <p:cNvPr id="10" name="Tartalom helye 9">
+            <a:extLst>
+              <a:ext uri="{FF2B5EF4-FFF2-40B4-BE49-F238E27FC236}">
+                <a16:creationId xmlns:a16="http://schemas.microsoft.com/office/drawing/2014/main" id="{6C9244E9-E569-425E-8DAB-B898B37AB0FF}"/>
+              </a:ext>
+            </a:extLst>
+          </p:cNvPr>
+          <p:cNvSpPr>
+            <a:spLocks noGrp="1"/>
+          </p:cNvSpPr>
+          <p:nvPr>
+            <p:ph sz="half" idx="1"/>
+          </p:nvPr>
+        </p:nvSpPr>
+        <p:spPr/>
+        <p:txBody>
+          <a:bodyPr/>
+          <a:lstStyle/>
+          <a:p>
+            <a:r>
+              <a:rPr lang="en-US" dirty="0"/>
+              <a:t>Git &amp; GitHub</a:t>
+            </a:r>
+          </a:p>
+          <a:p>
+            <a:r>
+              <a:rPr lang="en-US" dirty="0"/>
+              <a:t>Discord</a:t>
+            </a:r>
+          </a:p>
+          <a:p>
+            <a:r>
+              <a:rPr lang="en-US" dirty="0"/>
+              <a:t>Clean code</a:t>
+            </a:r>
+          </a:p>
+        </p:txBody>
+      </p:sp>
+      <p:sp>
+        <p:nvSpPr>
+          <p:cNvPr id="3" name="Tartalom helye 2">
+            <a:extLst>
+              <a:ext uri="{FF2B5EF4-FFF2-40B4-BE49-F238E27FC236}">
+                <a16:creationId xmlns:a16="http://schemas.microsoft.com/office/drawing/2014/main" id="{2079AE6B-ECC2-4DCC-AA33-81F071100068}"/>
+              </a:ext>
+            </a:extLst>
+          </p:cNvPr>
+          <p:cNvSpPr>
+            <a:spLocks noGrp="1"/>
+          </p:cNvSpPr>
+          <p:nvPr>
+            <p:ph sz="half" idx="2"/>
+          </p:nvPr>
+        </p:nvSpPr>
+        <p:spPr>
+          <a:xfrm>
+            <a:off x="5527589" y="1825625"/>
+            <a:ext cx="5826211" cy="4351338"/>
+          </a:xfrm>
+        </p:spPr>
+        <p:txBody>
+          <a:bodyPr/>
+          <a:lstStyle/>
+          <a:p>
+            <a:pPr marL="0" indent="0">
+              <a:buNone/>
+            </a:pPr>
+            <a:r>
+              <a:rPr lang="hu-HU" i="1" dirty="0"/>
+              <a:t>Somlói Dávid </a:t>
+            </a:r>
+            <a:r>
+              <a:rPr lang="en-US" dirty="0"/>
+              <a:t>-&gt; </a:t>
+            </a:r>
+            <a:r>
+              <a:rPr lang="hu-HU" dirty="0"/>
+              <a:t>backend, adatbázis ⚙</a:t>
+            </a:r>
+          </a:p>
+          <a:p>
+            <a:pPr marL="0" indent="0">
+              <a:buNone/>
+            </a:pPr>
+            <a:r>
+              <a:rPr lang="hu-HU" i="1" dirty="0"/>
+              <a:t>Trifusz Huba</a:t>
+            </a:r>
+            <a:r>
+              <a:rPr lang="en-US" i="1" dirty="0"/>
+              <a:t> </a:t>
+            </a:r>
+            <a:r>
+              <a:rPr lang="en-US" dirty="0"/>
+              <a:t>-&gt; </a:t>
+            </a:r>
+            <a:r>
+              <a:rPr lang="hu-HU" dirty="0" err="1"/>
+              <a:t>desktop</a:t>
+            </a:r>
+            <a:r>
+              <a:rPr lang="hu-HU" dirty="0"/>
+              <a:t> frontend 🖥</a:t>
+            </a:r>
+          </a:p>
+          <a:p>
+            <a:pPr marL="0" indent="0">
+              <a:buNone/>
+            </a:pPr>
+            <a:r>
+              <a:rPr lang="hu-HU" i="1" dirty="0" err="1"/>
+              <a:t>Verba</a:t>
+            </a:r>
+            <a:r>
+              <a:rPr lang="hu-HU" i="1" dirty="0"/>
+              <a:t> Viktor</a:t>
+            </a:r>
+            <a:r>
+              <a:rPr lang="en-US" i="1" dirty="0"/>
+              <a:t> </a:t>
+            </a:r>
+            <a:r>
+              <a:rPr lang="en-US" dirty="0"/>
+              <a:t>-&gt; </a:t>
+            </a:r>
+            <a:r>
+              <a:rPr lang="hu-HU" dirty="0"/>
+              <a:t>mobil frontend 📱</a:t>
+            </a:r>
+            <a:endParaRPr lang="en-US" dirty="0"/>
+          </a:p>
+        </p:txBody>
+      </p:sp>
+      <p:pic>
+        <p:nvPicPr>
+          <p:cNvPr id="7" name="Kép 6">
+            <a:extLst>
+              <a:ext uri="{FF2B5EF4-FFF2-40B4-BE49-F238E27FC236}">
+                <a16:creationId xmlns:a16="http://schemas.microsoft.com/office/drawing/2014/main" id="{F3941966-08D0-4F0D-A4C3-8CC6B6F1F73B}"/>
+              </a:ext>
+            </a:extLst>
+          </p:cNvPr>
+          <p:cNvPicPr>
+            <a:picLocks noChangeAspect="1"/>
+          </p:cNvPicPr>
+          <p:nvPr/>
+        </p:nvPicPr>
+        <p:blipFill>
+          <a:blip r:embed="rId2">
+            <a:extLst>
+              <a:ext uri="{28A0092B-C50C-407E-A947-70E740481C1C}">
+                <a14:useLocalDpi xmlns:a14="http://schemas.microsoft.com/office/drawing/2010/main" val="0"/>
+              </a:ext>
+            </a:extLst>
+          </a:blip>
+          <a:stretch>
+            <a:fillRect/>
+          </a:stretch>
+        </p:blipFill>
+        <p:spPr>
+          <a:xfrm>
+            <a:off x="2093045" y="4664075"/>
+            <a:ext cx="1828800" cy="1828800"/>
+          </a:xfrm>
+          <a:prstGeom prst="rect">
+            <a:avLst/>
+          </a:prstGeom>
+        </p:spPr>
+      </p:pic>
+      <p:pic>
+        <p:nvPicPr>
+          <p:cNvPr id="9" name="Kép 8">
+            <a:extLst>
+              <a:ext uri="{FF2B5EF4-FFF2-40B4-BE49-F238E27FC236}">
+                <a16:creationId xmlns:a16="http://schemas.microsoft.com/office/drawing/2014/main" id="{74E682F8-6B80-4E6C-8437-19A067919F9B}"/>
+              </a:ext>
+            </a:extLst>
+          </p:cNvPr>
+          <p:cNvPicPr>
+            <a:picLocks noChangeAspect="1"/>
+          </p:cNvPicPr>
+          <p:nvPr/>
+        </p:nvPicPr>
+        <p:blipFill>
+          <a:blip r:embed="rId3">
+            <a:extLst>
+              <a:ext uri="{28A0092B-C50C-407E-A947-70E740481C1C}">
+                <a14:useLocalDpi xmlns:a14="http://schemas.microsoft.com/office/drawing/2010/main" val="0"/>
+              </a:ext>
+            </a:extLst>
+          </a:blip>
+          <a:stretch>
+            <a:fillRect/>
+          </a:stretch>
+        </p:blipFill>
+        <p:spPr>
+          <a:xfrm>
+            <a:off x="838200" y="3744912"/>
+            <a:ext cx="1828800" cy="1828800"/>
+          </a:xfrm>
+          <a:prstGeom prst="rect">
+            <a:avLst/>
+          </a:prstGeom>
+        </p:spPr>
+      </p:pic>
+    </p:spTree>
+    <p:extLst>
+      <p:ext uri="{BB962C8B-B14F-4D97-AF65-F5344CB8AC3E}">
+        <p14:creationId xmlns:p14="http://schemas.microsoft.com/office/powerpoint/2010/main" val="1971218008"/>
+      </p:ext>
+    </p:extLst>
+  </p:cSld>
+  <p:clrMapOvr>
+    <a:masterClrMapping/>
+  </p:clrMapOvr>
+</p:sld>
+</file>
+
+<file path=ppt/slides/slide8.xml><?xml version="1.0" encoding="utf-8"?>
+<p:sld xmlns:a="http://schemas.openxmlformats.org/drawingml/2006/main" xmlns:r="http://schemas.openxmlformats.org/officeDocument/2006/relationships" xmlns:p="http://schemas.openxmlformats.org/presentationml/2006/main">
+  <p:cSld>
+    <p:spTree>
+      <p:nvGrpSpPr>
+        <p:cNvPr id="1" name=""/>
+        <p:cNvGrpSpPr/>
+        <p:nvPr/>
+      </p:nvGrpSpPr>
+      <p:grpSpPr>
+        <a:xfrm>
+          <a:off x="0" y="0"/>
+          <a:ext cx="0" cy="0"/>
+          <a:chOff x="0" y="0"/>
+          <a:chExt cx="0" cy="0"/>
+        </a:xfrm>
+      </p:grpSpPr>
+      <p:sp>
+        <p:nvSpPr>
+          <p:cNvPr id="2" name="Cím 1">
+            <a:extLst>
+              <a:ext uri="{FF2B5EF4-FFF2-40B4-BE49-F238E27FC236}">
+                <a16:creationId xmlns:a16="http://schemas.microsoft.com/office/drawing/2014/main" id="{EA238A2A-1B55-4EFF-883F-F6F3CF41EE86}"/>
+              </a:ext>
+            </a:extLst>
+          </p:cNvPr>
+          <p:cNvSpPr>
+            <a:spLocks noGrp="1"/>
+          </p:cNvSpPr>
+          <p:nvPr>
+            <p:ph type="title"/>
+          </p:nvPr>
+        </p:nvSpPr>
+        <p:spPr/>
+        <p:txBody>
+          <a:bodyPr/>
+          <a:lstStyle/>
+          <a:p>
+            <a:r>
+              <a:rPr lang="en-US" dirty="0" err="1"/>
+              <a:t>Jövőbeli</a:t>
+            </a:r>
+            <a:r>
+              <a:rPr lang="en-US" dirty="0"/>
+              <a:t> </a:t>
+            </a:r>
+            <a:r>
+              <a:rPr lang="en-US" dirty="0" err="1"/>
+              <a:t>Fejlesztések</a:t>
+            </a:r>
+            <a:endParaRPr lang="en-US" dirty="0"/>
+          </a:p>
+        </p:txBody>
+      </p:sp>
+      <p:sp>
+        <p:nvSpPr>
+          <p:cNvPr id="3" name="Tartalom helye 2">
+            <a:extLst>
+              <a:ext uri="{FF2B5EF4-FFF2-40B4-BE49-F238E27FC236}">
+                <a16:creationId xmlns:a16="http://schemas.microsoft.com/office/drawing/2014/main" id="{202DDB57-F65A-4714-9B0A-F37C65E85231}"/>
+              </a:ext>
+            </a:extLst>
+          </p:cNvPr>
+          <p:cNvSpPr>
+            <a:spLocks noGrp="1"/>
+          </p:cNvSpPr>
+          <p:nvPr>
+            <p:ph idx="1"/>
+          </p:nvPr>
+        </p:nvSpPr>
+        <p:spPr/>
+        <p:txBody>
+          <a:bodyPr/>
+          <a:lstStyle/>
+          <a:p>
+            <a:r>
+              <a:rPr lang="hu-HU" dirty="0"/>
+              <a:t>Valós idejű chat funkció integrálása </a:t>
+            </a:r>
+          </a:p>
+          <a:p>
+            <a:r>
+              <a:rPr lang="hu-HU" dirty="0"/>
+              <a:t>Fizetős verzió bevezetése</a:t>
+            </a:r>
+          </a:p>
+          <a:p>
+            <a:r>
+              <a:rPr lang="hu-HU" dirty="0"/>
+              <a:t>Biztonsági fejlesztések (2FA)</a:t>
+            </a:r>
+          </a:p>
+          <a:p>
+            <a:r>
+              <a:rPr lang="hu-HU" dirty="0"/>
+              <a:t>Többnyelvűség</a:t>
+            </a:r>
+          </a:p>
+          <a:p>
+            <a:endParaRPr lang="en-US" dirty="0"/>
+          </a:p>
+        </p:txBody>
+      </p:sp>
+    </p:spTree>
+    <p:extLst>
+      <p:ext uri="{BB962C8B-B14F-4D97-AF65-F5344CB8AC3E}">
+        <p14:creationId xmlns:p14="http://schemas.microsoft.com/office/powerpoint/2010/main" val="1131143815"/>
+      </p:ext>
+    </p:extLst>
+  </p:cSld>
+  <p:clrMapOvr>
+    <a:masterClrMapping/>
+  </p:clrMapOvr>
+</p:sld>
+</file>
+
+<file path=ppt/slides/slide9.xml><?xml version="1.0" encoding="utf-8"?>
+<p:sld xmlns:a="http://schemas.openxmlformats.org/drawingml/2006/main" xmlns:r="http://schemas.openxmlformats.org/officeDocument/2006/relationships" xmlns:p="http://schemas.openxmlformats.org/presentationml/2006/main">
+  <p:cSld>
+    <p:spTree>
+      <p:nvGrpSpPr>
+        <p:cNvPr id="1" name=""/>
+        <p:cNvGrpSpPr/>
+        <p:nvPr/>
+      </p:nvGrpSpPr>
+      <p:grpSpPr>
+        <a:xfrm>
+          <a:off x="0" y="0"/>
+          <a:ext cx="0" cy="0"/>
+          <a:chOff x="0" y="0"/>
+          <a:chExt cx="0" cy="0"/>
+        </a:xfrm>
+      </p:grpSpPr>
+      <p:sp>
+        <p:nvSpPr>
+          <p:cNvPr id="2" name="Cím 1">
+            <a:extLst>
+              <a:ext uri="{FF2B5EF4-FFF2-40B4-BE49-F238E27FC236}">
+                <a16:creationId xmlns:a16="http://schemas.microsoft.com/office/drawing/2014/main" id="{8CF28E8B-55E8-45A2-A40F-17B3C97DF161}"/>
+              </a:ext>
+            </a:extLst>
+          </p:cNvPr>
+          <p:cNvSpPr>
+            <a:spLocks noGrp="1"/>
+          </p:cNvSpPr>
+          <p:nvPr>
+            <p:ph type="title"/>
+          </p:nvPr>
+        </p:nvSpPr>
+        <p:spPr/>
+        <p:txBody>
+          <a:bodyPr/>
+          <a:lstStyle/>
+          <a:p>
+            <a:r>
+              <a:rPr lang="hu-HU" dirty="0"/>
+              <a:t>Összegzés</a:t>
+            </a:r>
+            <a:endParaRPr lang="en-US" dirty="0"/>
+          </a:p>
+        </p:txBody>
+      </p:sp>
+      <p:sp>
+        <p:nvSpPr>
+          <p:cNvPr id="3" name="Tartalom helye 2">
+            <a:extLst>
+              <a:ext uri="{FF2B5EF4-FFF2-40B4-BE49-F238E27FC236}">
+                <a16:creationId xmlns:a16="http://schemas.microsoft.com/office/drawing/2014/main" id="{D3D37F55-351D-406E-9A83-C14AA7867F3B}"/>
+              </a:ext>
+            </a:extLst>
+          </p:cNvPr>
+          <p:cNvSpPr>
+            <a:spLocks noGrp="1"/>
+          </p:cNvSpPr>
+          <p:nvPr>
+            <p:ph sz="half" idx="1"/>
+          </p:nvPr>
+        </p:nvSpPr>
+        <p:spPr/>
+        <p:txBody>
+          <a:bodyPr/>
+          <a:lstStyle/>
+          <a:p>
+            <a:pPr marL="0" indent="0">
+              <a:buNone/>
+            </a:pPr>
+            <a:r>
+              <a:rPr lang="hu-HU" dirty="0"/>
+              <a:t>Eredmények:</a:t>
+            </a:r>
+          </a:p>
+          <a:p>
+            <a:r>
+              <a:rPr lang="en-US" dirty="0" err="1"/>
+              <a:t>Teljes</a:t>
+            </a:r>
+            <a:r>
+              <a:rPr lang="en-US" dirty="0"/>
+              <a:t> </a:t>
+            </a:r>
+            <a:r>
+              <a:rPr lang="en-US" dirty="0" err="1"/>
+              <a:t>funkcionalitású</a:t>
+            </a:r>
+            <a:r>
+              <a:rPr lang="en-US" dirty="0"/>
+              <a:t>, </a:t>
+            </a:r>
+            <a:r>
+              <a:rPr lang="en-US" dirty="0" err="1"/>
+              <a:t>többplatformos</a:t>
+            </a:r>
+            <a:r>
+              <a:rPr lang="en-US" dirty="0"/>
+              <a:t> </a:t>
+            </a:r>
+            <a:r>
+              <a:rPr lang="en-US" dirty="0" err="1"/>
+              <a:t>alkalmazás</a:t>
+            </a:r>
+            <a:endParaRPr lang="hu-HU" dirty="0"/>
+          </a:p>
+          <a:p>
+            <a:r>
+              <a:rPr lang="en-US" dirty="0"/>
+              <a:t>Stabil REST API</a:t>
+            </a:r>
+            <a:endParaRPr lang="hu-HU" dirty="0"/>
+          </a:p>
+          <a:p>
+            <a:r>
+              <a:rPr lang="en-US" dirty="0"/>
+              <a:t> </a:t>
+            </a:r>
+            <a:r>
+              <a:rPr lang="en-US" dirty="0" err="1"/>
+              <a:t>Valós</a:t>
+            </a:r>
+            <a:r>
+              <a:rPr lang="en-US" dirty="0"/>
+              <a:t> </a:t>
+            </a:r>
+            <a:r>
+              <a:rPr lang="en-US" dirty="0" err="1"/>
+              <a:t>adatkezelés</a:t>
+            </a:r>
+            <a:endParaRPr lang="hu-HU" dirty="0"/>
+          </a:p>
+          <a:p>
+            <a:r>
+              <a:rPr lang="en-US" dirty="0" err="1"/>
+              <a:t>Tesztelt</a:t>
+            </a:r>
+            <a:r>
+              <a:rPr lang="en-US" dirty="0"/>
+              <a:t> </a:t>
+            </a:r>
+            <a:r>
+              <a:rPr lang="en-US" dirty="0" err="1"/>
+              <a:t>rendszer</a:t>
+            </a:r>
+            <a:endParaRPr lang="hu-HU" dirty="0"/>
+          </a:p>
+          <a:p>
+            <a:r>
+              <a:rPr lang="en-US" dirty="0" err="1"/>
+              <a:t>Dokumentált</a:t>
+            </a:r>
+            <a:r>
+              <a:rPr lang="en-US" dirty="0"/>
+              <a:t> </a:t>
+            </a:r>
+            <a:r>
+              <a:rPr lang="en-US" dirty="0" err="1"/>
+              <a:t>projekt</a:t>
+            </a:r>
+            <a:endParaRPr lang="en-US" dirty="0"/>
+          </a:p>
+        </p:txBody>
+      </p:sp>
+      <p:sp>
+        <p:nvSpPr>
+          <p:cNvPr id="4" name="Tartalom helye 3">
+            <a:extLst>
+              <a:ext uri="{FF2B5EF4-FFF2-40B4-BE49-F238E27FC236}">
+                <a16:creationId xmlns:a16="http://schemas.microsoft.com/office/drawing/2014/main" id="{C2A01321-99A7-4F38-8229-0119C0DCDBD3}"/>
+              </a:ext>
+            </a:extLst>
+          </p:cNvPr>
+          <p:cNvSpPr>
+            <a:spLocks noGrp="1"/>
+          </p:cNvSpPr>
+          <p:nvPr>
+            <p:ph sz="half" idx="2"/>
+          </p:nvPr>
+        </p:nvSpPr>
+        <p:spPr/>
+        <p:txBody>
+          <a:bodyPr/>
+          <a:lstStyle/>
+          <a:p>
+            <a:pPr marL="0" indent="0">
+              <a:buNone/>
+            </a:pPr>
+            <a:r>
+              <a:rPr lang="hu-HU" dirty="0"/>
+              <a:t>Tanulságok:</a:t>
+            </a:r>
+          </a:p>
+          <a:p>
+            <a:r>
+              <a:rPr lang="en-US" dirty="0"/>
+              <a:t>A </a:t>
+            </a:r>
+            <a:r>
+              <a:rPr lang="en-US" dirty="0" err="1"/>
+              <a:t>tervezési</a:t>
+            </a:r>
+            <a:r>
+              <a:rPr lang="en-US" dirty="0"/>
+              <a:t> </a:t>
+            </a:r>
+            <a:r>
+              <a:rPr lang="en-US" dirty="0" err="1"/>
+              <a:t>szakasz</a:t>
+            </a:r>
+            <a:r>
+              <a:rPr lang="en-US" dirty="0"/>
+              <a:t> </a:t>
+            </a:r>
+            <a:r>
+              <a:rPr lang="en-US" dirty="0" err="1"/>
+              <a:t>kiemelt</a:t>
+            </a:r>
+            <a:r>
+              <a:rPr lang="en-US" dirty="0"/>
+              <a:t> </a:t>
+            </a:r>
+            <a:r>
+              <a:rPr lang="en-US" dirty="0" err="1"/>
+              <a:t>fontosságú</a:t>
+            </a:r>
+            <a:endParaRPr lang="hu-HU" dirty="0"/>
+          </a:p>
+          <a:p>
+            <a:r>
+              <a:rPr lang="en-US" dirty="0" err="1"/>
+              <a:t>Rendszeres</a:t>
+            </a:r>
+            <a:r>
+              <a:rPr lang="en-US" dirty="0"/>
+              <a:t> </a:t>
+            </a:r>
+            <a:r>
+              <a:rPr lang="en-US" dirty="0" err="1"/>
+              <a:t>tesztelés</a:t>
+            </a:r>
+            <a:r>
+              <a:rPr lang="en-US" dirty="0"/>
+              <a:t> </a:t>
+            </a:r>
+            <a:r>
+              <a:rPr lang="en-US" dirty="0" err="1"/>
+              <a:t>elengedhetetlen</a:t>
+            </a:r>
+            <a:endParaRPr lang="hu-HU" dirty="0"/>
+          </a:p>
+          <a:p>
+            <a:r>
+              <a:rPr lang="pt-BR" dirty="0"/>
+              <a:t>A dokumentáció sosem utólagos feladat</a:t>
+            </a:r>
+            <a:endParaRPr lang="en-US" dirty="0"/>
+          </a:p>
+        </p:txBody>
+      </p:sp>
+    </p:spTree>
+    <p:extLst>
+      <p:ext uri="{BB962C8B-B14F-4D97-AF65-F5344CB8AC3E}">
+        <p14:creationId xmlns:p14="http://schemas.microsoft.com/office/powerpoint/2010/main" val="3062260934"/>
       </p:ext>
     </p:extLst>
   </p:cSld>
@@ -3713,4 +7080,299 @@
     </a:ext>
   </a:extLst>
 </a:theme>
+</file>
+
+<file path=ppt/theme/theme2.xml><?xml version="1.0" encoding="utf-8"?>
+<a:theme xmlns:a="http://schemas.openxmlformats.org/drawingml/2006/main" name="Office-téma">
+  <a:themeElements>
+    <a:clrScheme name="Office">
+      <a:dk1>
+        <a:sysClr val="windowText" lastClr="000000"/>
+      </a:dk1>
+      <a:lt1>
+        <a:sysClr val="window" lastClr="FFFFFF"/>
+      </a:lt1>
+      <a:dk2>
+        <a:srgbClr val="44546A"/>
+      </a:dk2>
+      <a:lt2>
+        <a:srgbClr val="E7E6E6"/>
+      </a:lt2>
+      <a:accent1>
+        <a:srgbClr val="4472C4"/>
+      </a:accent1>
+      <a:accent2>
+        <a:srgbClr val="ED7D31"/>
+      </a:accent2>
+      <a:accent3>
+        <a:srgbClr val="A5A5A5"/>
+      </a:accent3>
+      <a:accent4>
+        <a:srgbClr val="FFC000"/>
+      </a:accent4>
+      <a:accent5>
+        <a:srgbClr val="5B9BD5"/>
+      </a:accent5>
+      <a:accent6>
+        <a:srgbClr val="70AD47"/>
+      </a:accent6>
+      <a:hlink>
+        <a:srgbClr val="0563C1"/>
+      </a:hlink>
+      <a:folHlink>
+        <a:srgbClr val="954F72"/>
+      </a:folHlink>
+    </a:clrScheme>
+    <a:fontScheme name="Office">
+      <a:majorFont>
+        <a:latin typeface="Calibri Light" panose="020F0302020204030204"/>
+        <a:ea typeface=""/>
+        <a:cs typeface=""/>
+        <a:font script="Jpan" typeface="游ゴシック Light"/>
+        <a:font script="Hang" typeface="맑은 고딕"/>
+        <a:font script="Hans" typeface="等线 Light"/>
+        <a:font script="Hant" typeface="新細明體"/>
+        <a:font script="Arab" typeface="Times New Roman"/>
+        <a:font script="Hebr" typeface="Times New Roman"/>
+        <a:font script="Thai" typeface="Angsana New"/>
+        <a:font script="Ethi" typeface="Nyala"/>
+        <a:font script="Beng" typeface="Vrinda"/>
+        <a:font script="Gujr" typeface="Shruti"/>
+        <a:font script="Khmr" typeface="MoolBoran"/>
+        <a:font script="Knda" typeface="Tunga"/>
+        <a:font script="Guru" typeface="Raavi"/>
+        <a:font script="Cans" typeface="Euphemia"/>
+        <a:font script="Cher" typeface="Plantagenet Cherokee"/>
+        <a:font script="Yiii" typeface="Microsoft Yi Baiti"/>
+        <a:font script="Tibt" typeface="Microsoft Himalaya"/>
+        <a:font script="Thaa" typeface="MV Boli"/>
+        <a:font script="Deva" typeface="Mangal"/>
+        <a:font script="Telu" typeface="Gautami"/>
+        <a:font script="Taml" typeface="Latha"/>
+        <a:font script="Syrc" typeface="Estrangelo Edessa"/>
+        <a:font script="Orya" typeface="Kalinga"/>
+        <a:font script="Mlym" typeface="Kartika"/>
+        <a:font script="Laoo" typeface="DokChampa"/>
+        <a:font script="Sinh" typeface="Iskoola Pota"/>
+        <a:font script="Mong" typeface="Mongolian Baiti"/>
+        <a:font script="Viet" typeface="Times New Roman"/>
+        <a:font script="Uigh" typeface="Microsoft Uighur"/>
+        <a:font script="Geor" typeface="Sylfaen"/>
+        <a:font script="Armn" typeface="Arial"/>
+        <a:font script="Bugi" typeface="Leelawadee UI"/>
+        <a:font script="Bopo" typeface="Microsoft JhengHei"/>
+        <a:font script="Java" typeface="Javanese Text"/>
+        <a:font script="Lisu" typeface="Segoe UI"/>
+        <a:font script="Mymr" typeface="Myanmar Text"/>
+        <a:font script="Nkoo" typeface="Ebrima"/>
+        <a:font script="Olck" typeface="Nirmala UI"/>
+        <a:font script="Osma" typeface="Ebrima"/>
+        <a:font script="Phag" typeface="Phagspa"/>
+        <a:font script="Syrn" typeface="Estrangelo Edessa"/>
+        <a:font script="Syrj" typeface="Estrangelo Edessa"/>
+        <a:font script="Syre" typeface="Estrangelo Edessa"/>
+        <a:font script="Sora" typeface="Nirmala UI"/>
+        <a:font script="Tale" typeface="Microsoft Tai Le"/>
+        <a:font script="Talu" typeface="Microsoft New Tai Lue"/>
+        <a:font script="Tfng" typeface="Ebrima"/>
+      </a:majorFont>
+      <a:minorFont>
+        <a:latin typeface="Calibri" panose="020F0502020204030204"/>
+        <a:ea typeface=""/>
+        <a:cs typeface=""/>
+        <a:font script="Jpan" typeface="游ゴシック"/>
+        <a:font script="Hang" typeface="맑은 고딕"/>
+        <a:font script="Hans" typeface="等线"/>
+        <a:font script="Hant" typeface="新細明體"/>
+        <a:font script="Arab" typeface="Arial"/>
+        <a:font script="Hebr" typeface="Arial"/>
+        <a:font script="Thai" typeface="Cordia New"/>
+        <a:font script="Ethi" typeface="Nyala"/>
+        <a:font script="Beng" typeface="Vrinda"/>
+        <a:font script="Gujr" typeface="Shruti"/>
+        <a:font script="Khmr" typeface="DaunPenh"/>
+        <a:font script="Knda" typeface="Tunga"/>
+        <a:font script="Guru" typeface="Raavi"/>
+        <a:font script="Cans" typeface="Euphemia"/>
+        <a:font script="Cher" typeface="Plantagenet Cherokee"/>
+        <a:font script="Yiii" typeface="Microsoft Yi Baiti"/>
+        <a:font script="Tibt" typeface="Microsoft Himalaya"/>
+        <a:font script="Thaa" typeface="MV Boli"/>
+        <a:font script="Deva" typeface="Mangal"/>
+        <a:font script="Telu" typeface="Gautami"/>
+        <a:font script="Taml" typeface="Latha"/>
+        <a:font script="Syrc" typeface="Estrangelo Edessa"/>
+        <a:font script="Orya" typeface="Kalinga"/>
+        <a:font script="Mlym" typeface="Kartika"/>
+        <a:font script="Laoo" typeface="DokChampa"/>
+        <a:font script="Sinh" typeface="Iskoola Pota"/>
+        <a:font script="Mong" typeface="Mongolian Baiti"/>
+        <a:font script="Viet" typeface="Arial"/>
+        <a:font script="Uigh" typeface="Microsoft Uighur"/>
+        <a:font script="Geor" typeface="Sylfaen"/>
+        <a:font script="Armn" typeface="Arial"/>
+        <a:font script="Bugi" typeface="Leelawadee UI"/>
+        <a:font script="Bopo" typeface="Microsoft JhengHei"/>
+        <a:font script="Java" typeface="Javanese Text"/>
+        <a:font script="Lisu" typeface="Segoe UI"/>
+        <a:font script="Mymr" typeface="Myanmar Text"/>
+        <a:font script="Nkoo" typeface="Ebrima"/>
+        <a:font script="Olck" typeface="Nirmala UI"/>
+        <a:font script="Osma" typeface="Ebrima"/>
+        <a:font script="Phag" typeface="Phagspa"/>
+        <a:font script="Syrn" typeface="Estrangelo Edessa"/>
+        <a:font script="Syrj" typeface="Estrangelo Edessa"/>
+        <a:font script="Syre" typeface="Estrangelo Edessa"/>
+        <a:font script="Sora" typeface="Nirmala UI"/>
+        <a:font script="Tale" typeface="Microsoft Tai Le"/>
+        <a:font script="Talu" typeface="Microsoft New Tai Lue"/>
+        <a:font script="Tfng" typeface="Ebrima"/>
+      </a:minorFont>
+    </a:fontScheme>
+    <a:fmtScheme name="Office">
+      <a:fillStyleLst>
+        <a:solidFill>
+          <a:schemeClr val="phClr"/>
+        </a:solidFill>
+        <a:gradFill rotWithShape="1">
+          <a:gsLst>
+            <a:gs pos="0">
+              <a:schemeClr val="phClr">
+                <a:lumMod val="110000"/>
+                <a:satMod val="105000"/>
+                <a:tint val="67000"/>
+              </a:schemeClr>
+            </a:gs>
+            <a:gs pos="50000">
+              <a:schemeClr val="phClr">
+                <a:lumMod val="105000"/>
+                <a:satMod val="103000"/>
+                <a:tint val="73000"/>
+              </a:schemeClr>
+            </a:gs>
+            <a:gs pos="100000">
+              <a:schemeClr val="phClr">
+                <a:lumMod val="105000"/>
+                <a:satMod val="109000"/>
+                <a:tint val="81000"/>
+              </a:schemeClr>
+            </a:gs>
+          </a:gsLst>
+          <a:lin ang="5400000" scaled="0"/>
+        </a:gradFill>
+        <a:gradFill rotWithShape="1">
+          <a:gsLst>
+            <a:gs pos="0">
+              <a:schemeClr val="phClr">
+                <a:satMod val="103000"/>
+                <a:lumMod val="102000"/>
+                <a:tint val="94000"/>
+              </a:schemeClr>
+            </a:gs>
+            <a:gs pos="50000">
+              <a:schemeClr val="phClr">
+                <a:satMod val="110000"/>
+                <a:lumMod val="100000"/>
+                <a:shade val="100000"/>
+              </a:schemeClr>
+            </a:gs>
+            <a:gs pos="100000">
+              <a:schemeClr val="phClr">
+                <a:lumMod val="99000"/>
+                <a:satMod val="120000"/>
+                <a:shade val="78000"/>
+              </a:schemeClr>
+            </a:gs>
+          </a:gsLst>
+          <a:lin ang="5400000" scaled="0"/>
+        </a:gradFill>
+      </a:fillStyleLst>
+      <a:lnStyleLst>
+        <a:ln w="6350" cap="flat" cmpd="sng" algn="ctr">
+          <a:solidFill>
+            <a:schemeClr val="phClr"/>
+          </a:solidFill>
+          <a:prstDash val="solid"/>
+          <a:miter lim="800000"/>
+        </a:ln>
+        <a:ln w="12700" cap="flat" cmpd="sng" algn="ctr">
+          <a:solidFill>
+            <a:schemeClr val="phClr"/>
+          </a:solidFill>
+          <a:prstDash val="solid"/>
+          <a:miter lim="800000"/>
+        </a:ln>
+        <a:ln w="19050" cap="flat" cmpd="sng" algn="ctr">
+          <a:solidFill>
+            <a:schemeClr val="phClr"/>
+          </a:solidFill>
+          <a:prstDash val="solid"/>
+          <a:miter lim="800000"/>
+        </a:ln>
+      </a:lnStyleLst>
+      <a:effectStyleLst>
+        <a:effectStyle>
+          <a:effectLst/>
+        </a:effectStyle>
+        <a:effectStyle>
+          <a:effectLst/>
+        </a:effectStyle>
+        <a:effectStyle>
+          <a:effectLst>
+            <a:outerShdw blurRad="57150" dist="19050" dir="5400000" algn="ctr" rotWithShape="0">
+              <a:srgbClr val="000000">
+                <a:alpha val="63000"/>
+              </a:srgbClr>
+            </a:outerShdw>
+          </a:effectLst>
+        </a:effectStyle>
+      </a:effectStyleLst>
+      <a:bgFillStyleLst>
+        <a:solidFill>
+          <a:schemeClr val="phClr"/>
+        </a:solidFill>
+        <a:solidFill>
+          <a:schemeClr val="phClr">
+            <a:tint val="95000"/>
+            <a:satMod val="170000"/>
+          </a:schemeClr>
+        </a:solidFill>
+        <a:gradFill rotWithShape="1">
+          <a:gsLst>
+            <a:gs pos="0">
+              <a:schemeClr val="phClr">
+                <a:tint val="93000"/>
+                <a:satMod val="150000"/>
+                <a:shade val="98000"/>
+                <a:lumMod val="102000"/>
+              </a:schemeClr>
+            </a:gs>
+            <a:gs pos="50000">
+              <a:schemeClr val="phClr">
+                <a:tint val="98000"/>
+                <a:satMod val="130000"/>
+                <a:shade val="90000"/>
+                <a:lumMod val="103000"/>
+              </a:schemeClr>
+            </a:gs>
+            <a:gs pos="100000">
+              <a:schemeClr val="phClr">
+                <a:shade val="63000"/>
+                <a:satMod val="120000"/>
+              </a:schemeClr>
+            </a:gs>
+          </a:gsLst>
+          <a:lin ang="5400000" scaled="0"/>
+        </a:gradFill>
+      </a:bgFillStyleLst>
+    </a:fmtScheme>
+  </a:themeElements>
+  <a:objectDefaults/>
+  <a:extraClrSchemeLst/>
+  <a:extLst>
+    <a:ext uri="{05A4C25C-085E-4340-85A3-A5531E510DB2}">
+      <thm15:themeFamily xmlns:thm15="http://schemas.microsoft.com/office/thememl/2012/main" name="Office Theme" id="{62F939B6-93AF-4DB8-9C6B-D6C7DFDC589F}" vid="{4A3C46E8-61CC-4603-A589-7422A47A8E4A}"/>
+    </a:ext>
+  </a:extLst>
+</a:theme>
 </file>
--- a/zarodolgozat.pptx
+++ b/zarodolgozat.pptx
@@ -10,11 +10,11 @@
   <p:sldIdLst>
     <p:sldId id="256" r:id="rId2"/>
     <p:sldId id="258" r:id="rId3"/>
-    <p:sldId id="257" r:id="rId4"/>
-    <p:sldId id="265" r:id="rId5"/>
-    <p:sldId id="259" r:id="rId6"/>
-    <p:sldId id="260" r:id="rId7"/>
-    <p:sldId id="262" r:id="rId8"/>
+    <p:sldId id="262" r:id="rId4"/>
+    <p:sldId id="257" r:id="rId5"/>
+    <p:sldId id="265" r:id="rId6"/>
+    <p:sldId id="259" r:id="rId7"/>
+    <p:sldId id="260" r:id="rId8"/>
     <p:sldId id="263" r:id="rId9"/>
     <p:sldId id="261" r:id="rId10"/>
     <p:sldId id="264" r:id="rId11"/>
@@ -206,7 +206,7 @@
           <a:p>
             <a:fld id="{953D77B0-042F-4C58-849D-B1FE737FD258}" type="datetimeFigureOut">
               <a:rPr lang="en-US" smtClean="0"/>
-              <a:t>5/25/2025</a:t>
+              <a:t>6/1/2025</a:t>
             </a:fld>
             <a:endParaRPr lang="en-US"/>
           </a:p>
@@ -623,7 +623,7 @@
           <a:p>
             <a:fld id="{36C77FC4-BBD4-40EA-946F-23E156579614}" type="datetime1">
               <a:rPr lang="hu-HU" smtClean="0"/>
-              <a:t>2025. 05. 25.</a:t>
+              <a:t>2025. 06. 01.</a:t>
             </a:fld>
             <a:endParaRPr lang="hu-HU"/>
           </a:p>
@@ -823,7 +823,7 @@
           <a:p>
             <a:fld id="{1AB524CF-6F32-4695-8C17-BA9A6A65A935}" type="datetime1">
               <a:rPr lang="hu-HU" smtClean="0"/>
-              <a:t>2025. 05. 25.</a:t>
+              <a:t>2025. 06. 01.</a:t>
             </a:fld>
             <a:endParaRPr lang="hu-HU"/>
           </a:p>
@@ -1033,7 +1033,7 @@
           <a:p>
             <a:fld id="{97E1C35E-89D6-45CF-BA89-BEE2269ACEB7}" type="datetime1">
               <a:rPr lang="hu-HU" smtClean="0"/>
-              <a:t>2025. 05. 25.</a:t>
+              <a:t>2025. 06. 01.</a:t>
             </a:fld>
             <a:endParaRPr lang="hu-HU"/>
           </a:p>
@@ -1233,7 +1233,7 @@
           <a:p>
             <a:fld id="{707AA951-DCDB-4C68-A039-E4449BFA441E}" type="datetime1">
               <a:rPr lang="hu-HU" smtClean="0"/>
-              <a:t>2025. 05. 25.</a:t>
+              <a:t>2025. 06. 01.</a:t>
             </a:fld>
             <a:endParaRPr lang="hu-HU"/>
           </a:p>
@@ -1509,7 +1509,7 @@
           <a:p>
             <a:fld id="{07FCFCE3-7677-406B-8028-26D60BB110E1}" type="datetime1">
               <a:rPr lang="hu-HU" smtClean="0"/>
-              <a:t>2025. 05. 25.</a:t>
+              <a:t>2025. 06. 01.</a:t>
             </a:fld>
             <a:endParaRPr lang="hu-HU"/>
           </a:p>
@@ -1777,7 +1777,7 @@
           <a:p>
             <a:fld id="{86F569AC-D7B4-469C-83EC-AA8F3AC47314}" type="datetime1">
               <a:rPr lang="hu-HU" smtClean="0"/>
-              <a:t>2025. 05. 25.</a:t>
+              <a:t>2025. 06. 01.</a:t>
             </a:fld>
             <a:endParaRPr lang="hu-HU"/>
           </a:p>
@@ -2192,7 +2192,7 @@
           <a:p>
             <a:fld id="{8DE02000-BB6C-46B2-AA0E-49884F18E572}" type="datetime1">
               <a:rPr lang="hu-HU" smtClean="0"/>
-              <a:t>2025. 05. 25.</a:t>
+              <a:t>2025. 06. 01.</a:t>
             </a:fld>
             <a:endParaRPr lang="hu-HU"/>
           </a:p>
@@ -2334,7 +2334,7 @@
           <a:p>
             <a:fld id="{AF778578-D062-4BC2-876E-96DCD41EF153}" type="datetime1">
               <a:rPr lang="hu-HU" smtClean="0"/>
-              <a:t>2025. 05. 25.</a:t>
+              <a:t>2025. 06. 01.</a:t>
             </a:fld>
             <a:endParaRPr lang="hu-HU"/>
           </a:p>
@@ -2447,7 +2447,7 @@
           <a:p>
             <a:fld id="{4B5ECC2D-3F84-4696-A5AD-72388B614782}" type="datetime1">
               <a:rPr lang="hu-HU" smtClean="0"/>
-              <a:t>2025. 05. 25.</a:t>
+              <a:t>2025. 06. 01.</a:t>
             </a:fld>
             <a:endParaRPr lang="hu-HU"/>
           </a:p>
@@ -2760,7 +2760,7 @@
           <a:p>
             <a:fld id="{D8D43123-E804-4196-BDA8-3B71C339BB4B}" type="datetime1">
               <a:rPr lang="hu-HU" smtClean="0"/>
-              <a:t>2025. 05. 25.</a:t>
+              <a:t>2025. 06. 01.</a:t>
             </a:fld>
             <a:endParaRPr lang="hu-HU"/>
           </a:p>
@@ -3049,7 +3049,7 @@
           <a:p>
             <a:fld id="{EF28679D-A253-443D-9CEF-7522A0A416A1}" type="datetime1">
               <a:rPr lang="hu-HU" smtClean="0"/>
-              <a:t>2025. 05. 25.</a:t>
+              <a:t>2025. 06. 01.</a:t>
             </a:fld>
             <a:endParaRPr lang="hu-HU"/>
           </a:p>
@@ -3295,7 +3295,7 @@
           <a:p>
             <a:fld id="{78617A68-F135-48EF-A31E-A3D2C0B47C1B}" type="datetime1">
               <a:rPr lang="hu-HU" smtClean="0"/>
-              <a:t>2025. 05. 25.</a:t>
+              <a:t>2025. 06. 01.</a:t>
             </a:fld>
             <a:endParaRPr lang="hu-HU"/>
           </a:p>
@@ -3911,6 +3911,42 @@
           </a:prstGeom>
         </p:spPr>
       </p:pic>
+      <p:pic>
+        <p:nvPicPr>
+          <p:cNvPr id="6" name="Kép 5">
+            <a:extLst>
+              <a:ext uri="{FF2B5EF4-FFF2-40B4-BE49-F238E27FC236}">
+                <a16:creationId xmlns:a16="http://schemas.microsoft.com/office/drawing/2014/main" id="{73A1849E-9D9B-4A4A-95B8-41C9F5C2F5A4}"/>
+              </a:ext>
+            </a:extLst>
+          </p:cNvPr>
+          <p:cNvPicPr>
+            <a:picLocks noChangeAspect="1"/>
+          </p:cNvPicPr>
+          <p:nvPr/>
+        </p:nvPicPr>
+        <p:blipFill>
+          <a:blip r:embed="rId3">
+            <a:extLst>
+              <a:ext uri="{28A0092B-C50C-407E-A947-70E740481C1C}">
+                <a14:useLocalDpi xmlns:a14="http://schemas.microsoft.com/office/drawing/2010/main" val="0"/>
+              </a:ext>
+            </a:extLst>
+          </a:blip>
+          <a:stretch>
+            <a:fillRect/>
+          </a:stretch>
+        </p:blipFill>
+        <p:spPr>
+          <a:xfrm>
+            <a:off x="3960341" y="2998573"/>
+            <a:ext cx="860852" cy="860852"/>
+          </a:xfrm>
+          <a:prstGeom prst="ellipse">
+            <a:avLst/>
+          </a:prstGeom>
+        </p:spPr>
+      </p:pic>
     </p:spTree>
     <p:extLst>
       <p:ext uri="{BB962C8B-B14F-4D97-AF65-F5344CB8AC3E}">
@@ -4393,6 +4429,284 @@
           <p:cNvPr id="2" name="Cím 1">
             <a:extLst>
               <a:ext uri="{FF2B5EF4-FFF2-40B4-BE49-F238E27FC236}">
+                <a16:creationId xmlns:a16="http://schemas.microsoft.com/office/drawing/2014/main" id="{5C5599D1-EB71-4184-81AE-FAEEC1DCA988}"/>
+              </a:ext>
+            </a:extLst>
+          </p:cNvPr>
+          <p:cNvSpPr>
+            <a:spLocks noGrp="1"/>
+          </p:cNvSpPr>
+          <p:nvPr>
+            <p:ph type="title"/>
+          </p:nvPr>
+        </p:nvSpPr>
+        <p:spPr/>
+        <p:txBody>
+          <a:bodyPr/>
+          <a:lstStyle/>
+          <a:p>
+            <a:r>
+              <a:rPr lang="en-US" dirty="0" err="1"/>
+              <a:t>Csapatmunka</a:t>
+            </a:r>
+            <a:r>
+              <a:rPr lang="en-US" dirty="0"/>
+              <a:t> &amp; </a:t>
+            </a:r>
+            <a:r>
+              <a:rPr lang="en-US" dirty="0" err="1"/>
+              <a:t>munkafelosz</a:t>
+            </a:r>
+            <a:r>
+              <a:rPr lang="hu-HU" dirty="0"/>
+              <a:t>tás</a:t>
+            </a:r>
+            <a:endParaRPr lang="en-US" dirty="0"/>
+          </a:p>
+        </p:txBody>
+      </p:sp>
+      <p:sp>
+        <p:nvSpPr>
+          <p:cNvPr id="10" name="Tartalom helye 9">
+            <a:extLst>
+              <a:ext uri="{FF2B5EF4-FFF2-40B4-BE49-F238E27FC236}">
+                <a16:creationId xmlns:a16="http://schemas.microsoft.com/office/drawing/2014/main" id="{6C9244E9-E569-425E-8DAB-B898B37AB0FF}"/>
+              </a:ext>
+            </a:extLst>
+          </p:cNvPr>
+          <p:cNvSpPr>
+            <a:spLocks noGrp="1"/>
+          </p:cNvSpPr>
+          <p:nvPr>
+            <p:ph sz="half" idx="1"/>
+          </p:nvPr>
+        </p:nvSpPr>
+        <p:spPr/>
+        <p:txBody>
+          <a:bodyPr/>
+          <a:lstStyle/>
+          <a:p>
+            <a:r>
+              <a:rPr lang="en-US" dirty="0"/>
+              <a:t>Git &amp; GitHub</a:t>
+            </a:r>
+          </a:p>
+          <a:p>
+            <a:r>
+              <a:rPr lang="en-US" dirty="0"/>
+              <a:t>Discord</a:t>
+            </a:r>
+          </a:p>
+          <a:p>
+            <a:r>
+              <a:rPr lang="en-US" dirty="0"/>
+              <a:t>Clean code</a:t>
+            </a:r>
+          </a:p>
+        </p:txBody>
+      </p:sp>
+      <p:sp>
+        <p:nvSpPr>
+          <p:cNvPr id="3" name="Tartalom helye 2">
+            <a:extLst>
+              <a:ext uri="{FF2B5EF4-FFF2-40B4-BE49-F238E27FC236}">
+                <a16:creationId xmlns:a16="http://schemas.microsoft.com/office/drawing/2014/main" id="{2079AE6B-ECC2-4DCC-AA33-81F071100068}"/>
+              </a:ext>
+            </a:extLst>
+          </p:cNvPr>
+          <p:cNvSpPr>
+            <a:spLocks noGrp="1"/>
+          </p:cNvSpPr>
+          <p:nvPr>
+            <p:ph sz="half" idx="2"/>
+          </p:nvPr>
+        </p:nvSpPr>
+        <p:spPr>
+          <a:xfrm>
+            <a:off x="5527589" y="1825625"/>
+            <a:ext cx="5826211" cy="4351338"/>
+          </a:xfrm>
+        </p:spPr>
+        <p:txBody>
+          <a:bodyPr/>
+          <a:lstStyle/>
+          <a:p>
+            <a:pPr marL="0" indent="0">
+              <a:buNone/>
+            </a:pPr>
+            <a:r>
+              <a:rPr lang="hu-HU" i="1" dirty="0"/>
+              <a:t>Somlói Dávid </a:t>
+            </a:r>
+            <a:r>
+              <a:rPr lang="en-US" dirty="0"/>
+              <a:t>-&gt; </a:t>
+            </a:r>
+            <a:r>
+              <a:rPr lang="hu-HU" dirty="0"/>
+              <a:t>backend, adatbázis ⚙</a:t>
+            </a:r>
+          </a:p>
+          <a:p>
+            <a:pPr marL="0" indent="0">
+              <a:buNone/>
+            </a:pPr>
+            <a:r>
+              <a:rPr lang="hu-HU" i="1" dirty="0"/>
+              <a:t>Trifusz Huba</a:t>
+            </a:r>
+            <a:r>
+              <a:rPr lang="en-US" i="1" dirty="0"/>
+              <a:t> </a:t>
+            </a:r>
+            <a:r>
+              <a:rPr lang="en-US" dirty="0"/>
+              <a:t>-&gt; </a:t>
+            </a:r>
+            <a:r>
+              <a:rPr lang="hu-HU" dirty="0" err="1"/>
+              <a:t>desktop</a:t>
+            </a:r>
+            <a:r>
+              <a:rPr lang="hu-HU" dirty="0"/>
+              <a:t> frontend 🖥</a:t>
+            </a:r>
+          </a:p>
+          <a:p>
+            <a:pPr marL="0" indent="0">
+              <a:buNone/>
+            </a:pPr>
+            <a:r>
+              <a:rPr lang="hu-HU" i="1" dirty="0" err="1"/>
+              <a:t>Verba</a:t>
+            </a:r>
+            <a:r>
+              <a:rPr lang="hu-HU" i="1" dirty="0"/>
+              <a:t> Viktor</a:t>
+            </a:r>
+            <a:r>
+              <a:rPr lang="en-US" i="1" dirty="0"/>
+              <a:t> </a:t>
+            </a:r>
+            <a:r>
+              <a:rPr lang="en-US" dirty="0"/>
+              <a:t>-&gt; </a:t>
+            </a:r>
+            <a:r>
+              <a:rPr lang="hu-HU" dirty="0"/>
+              <a:t>mobil frontend 📱</a:t>
+            </a:r>
+            <a:endParaRPr lang="en-US" dirty="0"/>
+          </a:p>
+        </p:txBody>
+      </p:sp>
+      <p:pic>
+        <p:nvPicPr>
+          <p:cNvPr id="7" name="Kép 6">
+            <a:extLst>
+              <a:ext uri="{FF2B5EF4-FFF2-40B4-BE49-F238E27FC236}">
+                <a16:creationId xmlns:a16="http://schemas.microsoft.com/office/drawing/2014/main" id="{F3941966-08D0-4F0D-A4C3-8CC6B6F1F73B}"/>
+              </a:ext>
+            </a:extLst>
+          </p:cNvPr>
+          <p:cNvPicPr>
+            <a:picLocks noChangeAspect="1"/>
+          </p:cNvPicPr>
+          <p:nvPr/>
+        </p:nvPicPr>
+        <p:blipFill>
+          <a:blip r:embed="rId2">
+            <a:extLst>
+              <a:ext uri="{28A0092B-C50C-407E-A947-70E740481C1C}">
+                <a14:useLocalDpi xmlns:a14="http://schemas.microsoft.com/office/drawing/2010/main" val="0"/>
+              </a:ext>
+            </a:extLst>
+          </a:blip>
+          <a:stretch>
+            <a:fillRect/>
+          </a:stretch>
+        </p:blipFill>
+        <p:spPr>
+          <a:xfrm>
+            <a:off x="2093045" y="4664075"/>
+            <a:ext cx="1828800" cy="1828800"/>
+          </a:xfrm>
+          <a:prstGeom prst="rect">
+            <a:avLst/>
+          </a:prstGeom>
+        </p:spPr>
+      </p:pic>
+      <p:pic>
+        <p:nvPicPr>
+          <p:cNvPr id="9" name="Kép 8">
+            <a:extLst>
+              <a:ext uri="{FF2B5EF4-FFF2-40B4-BE49-F238E27FC236}">
+                <a16:creationId xmlns:a16="http://schemas.microsoft.com/office/drawing/2014/main" id="{74E682F8-6B80-4E6C-8437-19A067919F9B}"/>
+              </a:ext>
+            </a:extLst>
+          </p:cNvPr>
+          <p:cNvPicPr>
+            <a:picLocks noChangeAspect="1"/>
+          </p:cNvPicPr>
+          <p:nvPr/>
+        </p:nvPicPr>
+        <p:blipFill>
+          <a:blip r:embed="rId3">
+            <a:extLst>
+              <a:ext uri="{28A0092B-C50C-407E-A947-70E740481C1C}">
+                <a14:useLocalDpi xmlns:a14="http://schemas.microsoft.com/office/drawing/2010/main" val="0"/>
+              </a:ext>
+            </a:extLst>
+          </a:blip>
+          <a:stretch>
+            <a:fillRect/>
+          </a:stretch>
+        </p:blipFill>
+        <p:spPr>
+          <a:xfrm>
+            <a:off x="838200" y="3744912"/>
+            <a:ext cx="1828800" cy="1828800"/>
+          </a:xfrm>
+          <a:prstGeom prst="rect">
+            <a:avLst/>
+          </a:prstGeom>
+        </p:spPr>
+      </p:pic>
+    </p:spTree>
+    <p:extLst>
+      <p:ext uri="{BB962C8B-B14F-4D97-AF65-F5344CB8AC3E}">
+        <p14:creationId xmlns:p14="http://schemas.microsoft.com/office/powerpoint/2010/main" val="1971218008"/>
+      </p:ext>
+    </p:extLst>
+  </p:cSld>
+  <p:clrMapOvr>
+    <a:masterClrMapping/>
+  </p:clrMapOvr>
+</p:sld>
+</file>
+
+<file path=ppt/slides/slide4.xml><?xml version="1.0" encoding="utf-8"?>
+<p:sld xmlns:a="http://schemas.openxmlformats.org/drawingml/2006/main" xmlns:r="http://schemas.openxmlformats.org/officeDocument/2006/relationships" xmlns:p="http://schemas.openxmlformats.org/presentationml/2006/main">
+  <p:cSld>
+    <p:spTree>
+      <p:nvGrpSpPr>
+        <p:cNvPr id="1" name=""/>
+        <p:cNvGrpSpPr/>
+        <p:nvPr/>
+      </p:nvGrpSpPr>
+      <p:grpSpPr>
+        <a:xfrm>
+          <a:off x="0" y="0"/>
+          <a:ext cx="0" cy="0"/>
+          <a:chOff x="0" y="0"/>
+          <a:chExt cx="0" cy="0"/>
+        </a:xfrm>
+      </p:grpSpPr>
+      <p:sp>
+        <p:nvSpPr>
+          <p:cNvPr id="2" name="Cím 1">
+            <a:extLst>
+              <a:ext uri="{FF2B5EF4-FFF2-40B4-BE49-F238E27FC236}">
                 <a16:creationId xmlns:a16="http://schemas.microsoft.com/office/drawing/2014/main" id="{3E89E7DC-7DD6-474B-ADF2-206D5F999561}"/>
               </a:ext>
             </a:extLst>
@@ -4443,7 +4757,7 @@
           <p:nvPr>
             <p:extLst>
               <p:ext uri="{D42A27DB-BD31-4B8C-83A1-F6EECF244321}">
-                <p14:modId xmlns:p14="http://schemas.microsoft.com/office/powerpoint/2010/main" val="3808048925"/>
+                <p14:modId xmlns:p14="http://schemas.microsoft.com/office/powerpoint/2010/main" val="2819282226"/>
               </p:ext>
             </p:extLst>
           </p:nvPr>
@@ -4607,7 +4921,7 @@
                       </a:r>
                       <a:r>
                         <a:rPr lang="hu-HU" dirty="0"/>
-                        <a:t> 17</a:t>
+                        <a:t> 19</a:t>
                       </a:r>
                       <a:endParaRPr lang="en-US" dirty="0"/>
                     </a:p>
@@ -4621,7 +4935,7 @@
                     <a:p>
                       <a:r>
                         <a:rPr lang="nl-NL" dirty="0"/>
-                        <a:t>ASP.NET Core Web API (.NET 8)</a:t>
+                        <a:t>ASP.NET Core Web API (.NET 9)</a:t>
                       </a:r>
                       <a:endParaRPr lang="en-US" dirty="0"/>
                     </a:p>
@@ -4719,6 +5033,18 @@
                     <a:bodyPr/>
                     <a:lstStyle/>
                     <a:p>
+                      <a:r>
+                        <a:rPr lang="hu-HU" sz="1800" b="0" i="0" kern="1200" dirty="0" err="1">
+                          <a:solidFill>
+                            <a:schemeClr val="dk1"/>
+                          </a:solidFill>
+                          <a:effectLst/>
+                          <a:latin typeface="+mn-lt"/>
+                          <a:ea typeface="+mn-ea"/>
+                          <a:cs typeface="+mn-cs"/>
+                        </a:rPr>
+                        <a:t>phpMyAdmin</a:t>
+                      </a:r>
                       <a:endParaRPr lang="en-US" dirty="0"/>
                     </a:p>
                   </a:txBody>
@@ -4770,11 +5096,12 @@
                   </a:txBody>
                   <a:tcPr anchor="ctr"/>
                 </a:tc>
-                <a:tc>
+                <a:tc gridSpan="2">
                   <a:txBody>
                     <a:bodyPr/>
                     <a:lstStyle/>
                     <a:p>
+                      <a:pPr algn="ctr"/>
                       <a:r>
                         <a:rPr lang="en-US" dirty="0"/>
                         <a:t>Entity Framework Core </a:t>
@@ -4788,7 +5115,7 @@
                   </a:txBody>
                   <a:tcPr anchor="ctr"/>
                 </a:tc>
-                <a:tc>
+                <a:tc hMerge="1">
                   <a:txBody>
                     <a:bodyPr/>
                     <a:lstStyle/>
@@ -5132,7 +5459,7 @@
 </p:sld>
 </file>
 
-<file path=ppt/slides/slide4.xml><?xml version="1.0" encoding="utf-8"?>
+<file path=ppt/slides/slide5.xml><?xml version="1.0" encoding="utf-8"?>
 <p:sld xmlns:a="http://schemas.openxmlformats.org/drawingml/2006/main" xmlns:r="http://schemas.openxmlformats.org/officeDocument/2006/relationships" xmlns:p="http://schemas.openxmlformats.org/presentationml/2006/main">
   <p:cSld>
     <p:spTree>
@@ -5338,7 +5665,7 @@
 </p:sld>
 </file>
 
-<file path=ppt/slides/slide5.xml><?xml version="1.0" encoding="utf-8"?>
+<file path=ppt/slides/slide6.xml><?xml version="1.0" encoding="utf-8"?>
 <p:sld xmlns:a="http://schemas.openxmlformats.org/drawingml/2006/main" xmlns:r="http://schemas.openxmlformats.org/officeDocument/2006/relationships" xmlns:p="http://schemas.openxmlformats.org/presentationml/2006/main">
   <p:cSld>
     <p:spTree>
@@ -5399,7 +5726,7 @@
           <p:nvPr>
             <p:extLst>
               <p:ext uri="{D42A27DB-BD31-4B8C-83A1-F6EECF244321}">
-                <p14:modId xmlns:p14="http://schemas.microsoft.com/office/powerpoint/2010/main" val="3874579944"/>
+                <p14:modId xmlns:p14="http://schemas.microsoft.com/office/powerpoint/2010/main" val="1115342505"/>
               </p:ext>
             </p:extLst>
           </p:nvPr>
@@ -5646,42 +5973,6 @@
                     <a:bodyPr/>
                     <a:lstStyle/>
                     <a:p>
-                      <a:pPr marL="0" marR="0" lvl="0" indent="0" algn="l" defTabSz="914400" rtl="0" eaLnBrk="1" fontAlgn="auto" latinLnBrk="0" hangingPunct="1">
-                        <a:lnSpc>
-                          <a:spcPct val="100000"/>
-                        </a:lnSpc>
-                        <a:spcBef>
-                          <a:spcPts val="0"/>
-                        </a:spcBef>
-                        <a:spcAft>
-                          <a:spcPts val="0"/>
-                        </a:spcAft>
-                        <a:buClrTx/>
-                        <a:buSzTx/>
-                        <a:buFontTx/>
-                        <a:buNone/>
-                        <a:tabLst/>
-                        <a:defRPr/>
-                      </a:pPr>
-                      <a:r>
-                        <a:rPr lang="en-US" dirty="0"/>
-                        <a:t>E2E </a:t>
-                      </a:r>
-                      <a:r>
-                        <a:rPr lang="en-US" dirty="0" err="1"/>
-                        <a:t>tesztek</a:t>
-                      </a:r>
-                      <a:r>
-                        <a:rPr lang="en-US" dirty="0"/>
-                        <a:t> </a:t>
-                      </a:r>
-                      <a:r>
-                        <a:rPr lang="en-US" dirty="0" err="1"/>
-                        <a:t>Cypess-sel</a:t>
-                      </a:r>
-                      <a:endParaRPr lang="en-US" dirty="0"/>
-                    </a:p>
-                    <a:p>
                       <a:endParaRPr lang="en-US" dirty="0"/>
                     </a:p>
                   </a:txBody>
@@ -5843,10 +6134,10 @@
       </p:pic>
       <p:pic>
         <p:nvPicPr>
-          <p:cNvPr id="7" name="Kép 6">
-            <a:extLst>
-              <a:ext uri="{FF2B5EF4-FFF2-40B4-BE49-F238E27FC236}">
-                <a16:creationId xmlns:a16="http://schemas.microsoft.com/office/drawing/2014/main" id="{739D7445-0E1E-44B6-A616-64AFAF077953}"/>
+          <p:cNvPr id="8" name="Kép 7">
+            <a:extLst>
+              <a:ext uri="{FF2B5EF4-FFF2-40B4-BE49-F238E27FC236}">
+                <a16:creationId xmlns:a16="http://schemas.microsoft.com/office/drawing/2014/main" id="{A0433B7E-56FA-4BFA-82A7-F944C20FA0F4}"/>
               </a:ext>
             </a:extLst>
           </p:cNvPr>
@@ -5863,8 +6154,8 @@
         </p:blipFill>
         <p:spPr>
           <a:xfrm>
-            <a:off x="8094450" y="4563762"/>
-            <a:ext cx="2919538" cy="782934"/>
+            <a:off x="1178012" y="5346696"/>
+            <a:ext cx="2141838" cy="1390200"/>
           </a:xfrm>
           <a:prstGeom prst="rect">
             <a:avLst/>
@@ -5873,10 +6164,10 @@
       </p:pic>
       <p:pic>
         <p:nvPicPr>
-          <p:cNvPr id="8" name="Kép 7">
-            <a:extLst>
-              <a:ext uri="{FF2B5EF4-FFF2-40B4-BE49-F238E27FC236}">
-                <a16:creationId xmlns:a16="http://schemas.microsoft.com/office/drawing/2014/main" id="{A0433B7E-56FA-4BFA-82A7-F944C20FA0F4}"/>
+          <p:cNvPr id="3" name="Kép 2">
+            <a:extLst>
+              <a:ext uri="{FF2B5EF4-FFF2-40B4-BE49-F238E27FC236}">
+                <a16:creationId xmlns:a16="http://schemas.microsoft.com/office/drawing/2014/main" id="{AF6C0ACD-A347-486C-A369-002A697237CF}"/>
               </a:ext>
             </a:extLst>
           </p:cNvPr>
@@ -5893,8 +6184,8 @@
         </p:blipFill>
         <p:spPr>
           <a:xfrm>
-            <a:off x="1178012" y="5346696"/>
-            <a:ext cx="2141838" cy="1390200"/>
+            <a:off x="7877694" y="4563762"/>
+            <a:ext cx="3136294" cy="2126420"/>
           </a:xfrm>
           <a:prstGeom prst="rect">
             <a:avLst/>
@@ -5914,7 +6205,7 @@
 </p:sld>
 </file>
 
-<file path=ppt/slides/slide6.xml><?xml version="1.0" encoding="utf-8"?>
+<file path=ppt/slides/slide7.xml><?xml version="1.0" encoding="utf-8"?>
 <p:sld xmlns:a="http://schemas.openxmlformats.org/drawingml/2006/main" xmlns:r="http://schemas.openxmlformats.org/officeDocument/2006/relationships" xmlns:p="http://schemas.openxmlformats.org/presentationml/2006/main">
   <p:cSld>
     <p:spTree>
@@ -6109,292 +6400,14 @@
   <p:clrMapOvr>
     <a:masterClrMapping/>
   </p:clrMapOvr>
-  <mc:AlternateContent xmlns:mc="http://schemas.openxmlformats.org/markup-compatibility/2006">
-    <mc:Choice xmlns:p14="http://schemas.microsoft.com/office/powerpoint/2010/main" Requires="p14">
+  <mc:AlternateContent xmlns:mc="http://schemas.openxmlformats.org/markup-compatibility/2006" xmlns:p14="http://schemas.microsoft.com/office/powerpoint/2010/main">
+    <mc:Choice Requires="p14">
       <p:transition p14:dur="10"/>
     </mc:Choice>
-    <mc:Fallback>
+    <mc:Fallback xmlns="">
       <p:transition/>
     </mc:Fallback>
   </mc:AlternateContent>
-</p:sld>
-</file>
-
-<file path=ppt/slides/slide7.xml><?xml version="1.0" encoding="utf-8"?>
-<p:sld xmlns:a="http://schemas.openxmlformats.org/drawingml/2006/main" xmlns:r="http://schemas.openxmlformats.org/officeDocument/2006/relationships" xmlns:p="http://schemas.openxmlformats.org/presentationml/2006/main">
-  <p:cSld>
-    <p:spTree>
-      <p:nvGrpSpPr>
-        <p:cNvPr id="1" name=""/>
-        <p:cNvGrpSpPr/>
-        <p:nvPr/>
-      </p:nvGrpSpPr>
-      <p:grpSpPr>
-        <a:xfrm>
-          <a:off x="0" y="0"/>
-          <a:ext cx="0" cy="0"/>
-          <a:chOff x="0" y="0"/>
-          <a:chExt cx="0" cy="0"/>
-        </a:xfrm>
-      </p:grpSpPr>
-      <p:sp>
-        <p:nvSpPr>
-          <p:cNvPr id="2" name="Cím 1">
-            <a:extLst>
-              <a:ext uri="{FF2B5EF4-FFF2-40B4-BE49-F238E27FC236}">
-                <a16:creationId xmlns:a16="http://schemas.microsoft.com/office/drawing/2014/main" id="{5C5599D1-EB71-4184-81AE-FAEEC1DCA988}"/>
-              </a:ext>
-            </a:extLst>
-          </p:cNvPr>
-          <p:cNvSpPr>
-            <a:spLocks noGrp="1"/>
-          </p:cNvSpPr>
-          <p:nvPr>
-            <p:ph type="title"/>
-          </p:nvPr>
-        </p:nvSpPr>
-        <p:spPr/>
-        <p:txBody>
-          <a:bodyPr/>
-          <a:lstStyle/>
-          <a:p>
-            <a:r>
-              <a:rPr lang="en-US" dirty="0" err="1"/>
-              <a:t>Csapatmunka</a:t>
-            </a:r>
-            <a:r>
-              <a:rPr lang="en-US" dirty="0"/>
-              <a:t> &amp; </a:t>
-            </a:r>
-            <a:r>
-              <a:rPr lang="en-US" dirty="0" err="1"/>
-              <a:t>munkafelosz</a:t>
-            </a:r>
-            <a:r>
-              <a:rPr lang="hu-HU" dirty="0"/>
-              <a:t>tás</a:t>
-            </a:r>
-            <a:endParaRPr lang="en-US" dirty="0"/>
-          </a:p>
-        </p:txBody>
-      </p:sp>
-      <p:sp>
-        <p:nvSpPr>
-          <p:cNvPr id="10" name="Tartalom helye 9">
-            <a:extLst>
-              <a:ext uri="{FF2B5EF4-FFF2-40B4-BE49-F238E27FC236}">
-                <a16:creationId xmlns:a16="http://schemas.microsoft.com/office/drawing/2014/main" id="{6C9244E9-E569-425E-8DAB-B898B37AB0FF}"/>
-              </a:ext>
-            </a:extLst>
-          </p:cNvPr>
-          <p:cNvSpPr>
-            <a:spLocks noGrp="1"/>
-          </p:cNvSpPr>
-          <p:nvPr>
-            <p:ph sz="half" idx="1"/>
-          </p:nvPr>
-        </p:nvSpPr>
-        <p:spPr/>
-        <p:txBody>
-          <a:bodyPr/>
-          <a:lstStyle/>
-          <a:p>
-            <a:r>
-              <a:rPr lang="en-US" dirty="0"/>
-              <a:t>Git &amp; GitHub</a:t>
-            </a:r>
-          </a:p>
-          <a:p>
-            <a:r>
-              <a:rPr lang="en-US" dirty="0"/>
-              <a:t>Discord</a:t>
-            </a:r>
-          </a:p>
-          <a:p>
-            <a:r>
-              <a:rPr lang="en-US" dirty="0"/>
-              <a:t>Clean code</a:t>
-            </a:r>
-          </a:p>
-        </p:txBody>
-      </p:sp>
-      <p:sp>
-        <p:nvSpPr>
-          <p:cNvPr id="3" name="Tartalom helye 2">
-            <a:extLst>
-              <a:ext uri="{FF2B5EF4-FFF2-40B4-BE49-F238E27FC236}">
-                <a16:creationId xmlns:a16="http://schemas.microsoft.com/office/drawing/2014/main" id="{2079AE6B-ECC2-4DCC-AA33-81F071100068}"/>
-              </a:ext>
-            </a:extLst>
-          </p:cNvPr>
-          <p:cNvSpPr>
-            <a:spLocks noGrp="1"/>
-          </p:cNvSpPr>
-          <p:nvPr>
-            <p:ph sz="half" idx="2"/>
-          </p:nvPr>
-        </p:nvSpPr>
-        <p:spPr>
-          <a:xfrm>
-            <a:off x="5527589" y="1825625"/>
-            <a:ext cx="5826211" cy="4351338"/>
-          </a:xfrm>
-        </p:spPr>
-        <p:txBody>
-          <a:bodyPr/>
-          <a:lstStyle/>
-          <a:p>
-            <a:pPr marL="0" indent="0">
-              <a:buNone/>
-            </a:pPr>
-            <a:r>
-              <a:rPr lang="hu-HU" i="1" dirty="0"/>
-              <a:t>Somlói Dávid </a:t>
-            </a:r>
-            <a:r>
-              <a:rPr lang="en-US" dirty="0"/>
-              <a:t>-&gt; </a:t>
-            </a:r>
-            <a:r>
-              <a:rPr lang="hu-HU" dirty="0"/>
-              <a:t>backend, adatbázis ⚙</a:t>
-            </a:r>
-          </a:p>
-          <a:p>
-            <a:pPr marL="0" indent="0">
-              <a:buNone/>
-            </a:pPr>
-            <a:r>
-              <a:rPr lang="hu-HU" i="1" dirty="0"/>
-              <a:t>Trifusz Huba</a:t>
-            </a:r>
-            <a:r>
-              <a:rPr lang="en-US" i="1" dirty="0"/>
-              <a:t> </a:t>
-            </a:r>
-            <a:r>
-              <a:rPr lang="en-US" dirty="0"/>
-              <a:t>-&gt; </a:t>
-            </a:r>
-            <a:r>
-              <a:rPr lang="hu-HU" dirty="0" err="1"/>
-              <a:t>desktop</a:t>
-            </a:r>
-            <a:r>
-              <a:rPr lang="hu-HU" dirty="0"/>
-              <a:t> frontend 🖥</a:t>
-            </a:r>
-          </a:p>
-          <a:p>
-            <a:pPr marL="0" indent="0">
-              <a:buNone/>
-            </a:pPr>
-            <a:r>
-              <a:rPr lang="hu-HU" i="1" dirty="0" err="1"/>
-              <a:t>Verba</a:t>
-            </a:r>
-            <a:r>
-              <a:rPr lang="hu-HU" i="1" dirty="0"/>
-              <a:t> Viktor</a:t>
-            </a:r>
-            <a:r>
-              <a:rPr lang="en-US" i="1" dirty="0"/>
-              <a:t> </a:t>
-            </a:r>
-            <a:r>
-              <a:rPr lang="en-US" dirty="0"/>
-              <a:t>-&gt; </a:t>
-            </a:r>
-            <a:r>
-              <a:rPr lang="hu-HU" dirty="0"/>
-              <a:t>mobil frontend 📱</a:t>
-            </a:r>
-            <a:endParaRPr lang="en-US" dirty="0"/>
-          </a:p>
-        </p:txBody>
-      </p:sp>
-      <p:pic>
-        <p:nvPicPr>
-          <p:cNvPr id="7" name="Kép 6">
-            <a:extLst>
-              <a:ext uri="{FF2B5EF4-FFF2-40B4-BE49-F238E27FC236}">
-                <a16:creationId xmlns:a16="http://schemas.microsoft.com/office/drawing/2014/main" id="{F3941966-08D0-4F0D-A4C3-8CC6B6F1F73B}"/>
-              </a:ext>
-            </a:extLst>
-          </p:cNvPr>
-          <p:cNvPicPr>
-            <a:picLocks noChangeAspect="1"/>
-          </p:cNvPicPr>
-          <p:nvPr/>
-        </p:nvPicPr>
-        <p:blipFill>
-          <a:blip r:embed="rId2">
-            <a:extLst>
-              <a:ext uri="{28A0092B-C50C-407E-A947-70E740481C1C}">
-                <a14:useLocalDpi xmlns:a14="http://schemas.microsoft.com/office/drawing/2010/main" val="0"/>
-              </a:ext>
-            </a:extLst>
-          </a:blip>
-          <a:stretch>
-            <a:fillRect/>
-          </a:stretch>
-        </p:blipFill>
-        <p:spPr>
-          <a:xfrm>
-            <a:off x="2093045" y="4664075"/>
-            <a:ext cx="1828800" cy="1828800"/>
-          </a:xfrm>
-          <a:prstGeom prst="rect">
-            <a:avLst/>
-          </a:prstGeom>
-        </p:spPr>
-      </p:pic>
-      <p:pic>
-        <p:nvPicPr>
-          <p:cNvPr id="9" name="Kép 8">
-            <a:extLst>
-              <a:ext uri="{FF2B5EF4-FFF2-40B4-BE49-F238E27FC236}">
-                <a16:creationId xmlns:a16="http://schemas.microsoft.com/office/drawing/2014/main" id="{74E682F8-6B80-4E6C-8437-19A067919F9B}"/>
-              </a:ext>
-            </a:extLst>
-          </p:cNvPr>
-          <p:cNvPicPr>
-            <a:picLocks noChangeAspect="1"/>
-          </p:cNvPicPr>
-          <p:nvPr/>
-        </p:nvPicPr>
-        <p:blipFill>
-          <a:blip r:embed="rId3">
-            <a:extLst>
-              <a:ext uri="{28A0092B-C50C-407E-A947-70E740481C1C}">
-                <a14:useLocalDpi xmlns:a14="http://schemas.microsoft.com/office/drawing/2010/main" val="0"/>
-              </a:ext>
-            </a:extLst>
-          </a:blip>
-          <a:stretch>
-            <a:fillRect/>
-          </a:stretch>
-        </p:blipFill>
-        <p:spPr>
-          <a:xfrm>
-            <a:off x="838200" y="3744912"/>
-            <a:ext cx="1828800" cy="1828800"/>
-          </a:xfrm>
-          <a:prstGeom prst="rect">
-            <a:avLst/>
-          </a:prstGeom>
-        </p:spPr>
-      </p:pic>
-    </p:spTree>
-    <p:extLst>
-      <p:ext uri="{BB962C8B-B14F-4D97-AF65-F5344CB8AC3E}">
-        <p14:creationId xmlns:p14="http://schemas.microsoft.com/office/powerpoint/2010/main" val="1971218008"/>
-      </p:ext>
-    </p:extLst>
-  </p:cSld>
-  <p:clrMapOvr>
-    <a:masterClrMapping/>
-  </p:clrMapOvr>
 </p:sld>
 </file>
 

--- a/zarodolgozat.pptx
+++ b/zarodolgozat.pptx
@@ -12,9 +12,9 @@
     <p:sldId id="258" r:id="rId3"/>
     <p:sldId id="262" r:id="rId4"/>
     <p:sldId id="257" r:id="rId5"/>
-    <p:sldId id="265" r:id="rId6"/>
-    <p:sldId id="259" r:id="rId7"/>
-    <p:sldId id="260" r:id="rId8"/>
+    <p:sldId id="260" r:id="rId6"/>
+    <p:sldId id="265" r:id="rId7"/>
+    <p:sldId id="259" r:id="rId8"/>
     <p:sldId id="263" r:id="rId9"/>
     <p:sldId id="261" r:id="rId10"/>
     <p:sldId id="264" r:id="rId11"/>
@@ -206,7 +206,7 @@
           <a:p>
             <a:fld id="{953D77B0-042F-4C58-849D-B1FE737FD258}" type="datetimeFigureOut">
               <a:rPr lang="en-US" smtClean="0"/>
-              <a:t>6/1/2025</a:t>
+              <a:t>6/2/2025</a:t>
             </a:fld>
             <a:endParaRPr lang="en-US"/>
           </a:p>
@@ -623,7 +623,7 @@
           <a:p>
             <a:fld id="{36C77FC4-BBD4-40EA-946F-23E156579614}" type="datetime1">
               <a:rPr lang="hu-HU" smtClean="0"/>
-              <a:t>2025. 06. 01.</a:t>
+              <a:t>2025. 06. 02.</a:t>
             </a:fld>
             <a:endParaRPr lang="hu-HU"/>
           </a:p>
@@ -823,7 +823,7 @@
           <a:p>
             <a:fld id="{1AB524CF-6F32-4695-8C17-BA9A6A65A935}" type="datetime1">
               <a:rPr lang="hu-HU" smtClean="0"/>
-              <a:t>2025. 06. 01.</a:t>
+              <a:t>2025. 06. 02.</a:t>
             </a:fld>
             <a:endParaRPr lang="hu-HU"/>
           </a:p>
@@ -1033,7 +1033,7 @@
           <a:p>
             <a:fld id="{97E1C35E-89D6-45CF-BA89-BEE2269ACEB7}" type="datetime1">
               <a:rPr lang="hu-HU" smtClean="0"/>
-              <a:t>2025. 06. 01.</a:t>
+              <a:t>2025. 06. 02.</a:t>
             </a:fld>
             <a:endParaRPr lang="hu-HU"/>
           </a:p>
@@ -1233,7 +1233,7 @@
           <a:p>
             <a:fld id="{707AA951-DCDB-4C68-A039-E4449BFA441E}" type="datetime1">
               <a:rPr lang="hu-HU" smtClean="0"/>
-              <a:t>2025. 06. 01.</a:t>
+              <a:t>2025. 06. 02.</a:t>
             </a:fld>
             <a:endParaRPr lang="hu-HU"/>
           </a:p>
@@ -1509,7 +1509,7 @@
           <a:p>
             <a:fld id="{07FCFCE3-7677-406B-8028-26D60BB110E1}" type="datetime1">
               <a:rPr lang="hu-HU" smtClean="0"/>
-              <a:t>2025. 06. 01.</a:t>
+              <a:t>2025. 06. 02.</a:t>
             </a:fld>
             <a:endParaRPr lang="hu-HU"/>
           </a:p>
@@ -1777,7 +1777,7 @@
           <a:p>
             <a:fld id="{86F569AC-D7B4-469C-83EC-AA8F3AC47314}" type="datetime1">
               <a:rPr lang="hu-HU" smtClean="0"/>
-              <a:t>2025. 06. 01.</a:t>
+              <a:t>2025. 06. 02.</a:t>
             </a:fld>
             <a:endParaRPr lang="hu-HU"/>
           </a:p>
@@ -2192,7 +2192,7 @@
           <a:p>
             <a:fld id="{8DE02000-BB6C-46B2-AA0E-49884F18E572}" type="datetime1">
               <a:rPr lang="hu-HU" smtClean="0"/>
-              <a:t>2025. 06. 01.</a:t>
+              <a:t>2025. 06. 02.</a:t>
             </a:fld>
             <a:endParaRPr lang="hu-HU"/>
           </a:p>
@@ -2334,7 +2334,7 @@
           <a:p>
             <a:fld id="{AF778578-D062-4BC2-876E-96DCD41EF153}" type="datetime1">
               <a:rPr lang="hu-HU" smtClean="0"/>
-              <a:t>2025. 06. 01.</a:t>
+              <a:t>2025. 06. 02.</a:t>
             </a:fld>
             <a:endParaRPr lang="hu-HU"/>
           </a:p>
@@ -2447,7 +2447,7 @@
           <a:p>
             <a:fld id="{4B5ECC2D-3F84-4696-A5AD-72388B614782}" type="datetime1">
               <a:rPr lang="hu-HU" smtClean="0"/>
-              <a:t>2025. 06. 01.</a:t>
+              <a:t>2025. 06. 02.</a:t>
             </a:fld>
             <a:endParaRPr lang="hu-HU"/>
           </a:p>
@@ -2760,7 +2760,7 @@
           <a:p>
             <a:fld id="{D8D43123-E804-4196-BDA8-3B71C339BB4B}" type="datetime1">
               <a:rPr lang="hu-HU" smtClean="0"/>
-              <a:t>2025. 06. 01.</a:t>
+              <a:t>2025. 06. 02.</a:t>
             </a:fld>
             <a:endParaRPr lang="hu-HU"/>
           </a:p>
@@ -3049,7 +3049,7 @@
           <a:p>
             <a:fld id="{EF28679D-A253-443D-9CEF-7522A0A416A1}" type="datetime1">
               <a:rPr lang="hu-HU" smtClean="0"/>
-              <a:t>2025. 06. 01.</a:t>
+              <a:t>2025. 06. 02.</a:t>
             </a:fld>
             <a:endParaRPr lang="hu-HU"/>
           </a:p>
@@ -3295,7 +3295,7 @@
           <a:p>
             <a:fld id="{78617A68-F135-48EF-A31E-A3D2C0B47C1B}" type="datetime1">
               <a:rPr lang="hu-HU" smtClean="0"/>
-              <a:t>2025. 06. 01.</a:t>
+              <a:t>2025. 06. 02.</a:t>
             </a:fld>
             <a:endParaRPr lang="hu-HU"/>
           </a:p>
@@ -5478,6 +5478,113 @@
       </p:grpSpPr>
       <p:sp>
         <p:nvSpPr>
+          <p:cNvPr id="2" name="Cím 1">
+            <a:extLst>
+              <a:ext uri="{FF2B5EF4-FFF2-40B4-BE49-F238E27FC236}">
+                <a16:creationId xmlns:a16="http://schemas.microsoft.com/office/drawing/2014/main" id="{9A1AFED0-BED0-47A2-99CD-6FEB36A6B148}"/>
+              </a:ext>
+            </a:extLst>
+          </p:cNvPr>
+          <p:cNvSpPr>
+            <a:spLocks noGrp="1"/>
+          </p:cNvSpPr>
+          <p:nvPr>
+            <p:ph type="title"/>
+          </p:nvPr>
+        </p:nvSpPr>
+        <p:spPr/>
+        <p:txBody>
+          <a:bodyPr/>
+          <a:lstStyle/>
+          <a:p>
+            <a:r>
+              <a:rPr lang="en-US" dirty="0"/>
+              <a:t>T</a:t>
+            </a:r>
+            <a:r>
+              <a:rPr lang="hu-HU" dirty="0" err="1"/>
+              <a:t>áblák</a:t>
+            </a:r>
+            <a:endParaRPr lang="en-US" dirty="0"/>
+          </a:p>
+        </p:txBody>
+      </p:sp>
+      <p:pic>
+        <p:nvPicPr>
+          <p:cNvPr id="8" name="Kép 7">
+            <a:extLst>
+              <a:ext uri="{FF2B5EF4-FFF2-40B4-BE49-F238E27FC236}">
+                <a16:creationId xmlns:a16="http://schemas.microsoft.com/office/drawing/2014/main" id="{2D2B6BAD-69FC-4004-849A-67DAD0B823A1}"/>
+              </a:ext>
+            </a:extLst>
+          </p:cNvPr>
+          <p:cNvPicPr>
+            <a:picLocks noChangeAspect="1"/>
+          </p:cNvPicPr>
+          <p:nvPr/>
+        </p:nvPicPr>
+        <p:blipFill>
+          <a:blip r:embed="rId2">
+            <a:extLst>
+              <a:ext uri="{28A0092B-C50C-407E-A947-70E740481C1C}">
+                <a14:useLocalDpi xmlns:a14="http://schemas.microsoft.com/office/drawing/2010/main" val="0"/>
+              </a:ext>
+            </a:extLst>
+          </a:blip>
+          <a:stretch>
+            <a:fillRect/>
+          </a:stretch>
+        </p:blipFill>
+        <p:spPr>
+          <a:xfrm>
+            <a:off x="2823519" y="1197116"/>
+            <a:ext cx="6227806" cy="5660884"/>
+          </a:xfrm>
+          <a:prstGeom prst="rect">
+            <a:avLst/>
+          </a:prstGeom>
+        </p:spPr>
+      </p:pic>
+    </p:spTree>
+    <p:extLst>
+      <p:ext uri="{BB962C8B-B14F-4D97-AF65-F5344CB8AC3E}">
+        <p14:creationId xmlns:p14="http://schemas.microsoft.com/office/powerpoint/2010/main" val="1392229419"/>
+      </p:ext>
+    </p:extLst>
+  </p:cSld>
+  <p:clrMapOvr>
+    <a:masterClrMapping/>
+  </p:clrMapOvr>
+  <mc:AlternateContent xmlns:mc="http://schemas.openxmlformats.org/markup-compatibility/2006" xmlns:p14="http://schemas.microsoft.com/office/powerpoint/2010/main">
+    <mc:Choice Requires="p14">
+      <p:transition p14:dur="10"/>
+    </mc:Choice>
+    <mc:Fallback xmlns="">
+      <p:transition/>
+    </mc:Fallback>
+  </mc:AlternateContent>
+</p:sld>
+</file>
+
+<file path=ppt/slides/slide6.xml><?xml version="1.0" encoding="utf-8"?>
+<p:sld xmlns:a="http://schemas.openxmlformats.org/drawingml/2006/main" xmlns:r="http://schemas.openxmlformats.org/officeDocument/2006/relationships" xmlns:p="http://schemas.openxmlformats.org/presentationml/2006/main">
+  <p:cSld>
+    <p:spTree>
+      <p:nvGrpSpPr>
+        <p:cNvPr id="1" name=""/>
+        <p:cNvGrpSpPr/>
+        <p:nvPr/>
+      </p:nvGrpSpPr>
+      <p:grpSpPr>
+        <a:xfrm>
+          <a:off x="0" y="0"/>
+          <a:ext cx="0" cy="0"/>
+          <a:chOff x="0" y="0"/>
+          <a:chExt cx="0" cy="0"/>
+        </a:xfrm>
+      </p:grpSpPr>
+      <p:sp>
+        <p:nvSpPr>
           <p:cNvPr id="4" name="Cím 3">
             <a:extLst>
               <a:ext uri="{FF2B5EF4-FFF2-40B4-BE49-F238E27FC236}">
@@ -5665,7 +5772,7 @@
 </p:sld>
 </file>
 
-<file path=ppt/slides/slide6.xml><?xml version="1.0" encoding="utf-8"?>
+<file path=ppt/slides/slide7.xml><?xml version="1.0" encoding="utf-8"?>
 <p:sld xmlns:a="http://schemas.openxmlformats.org/drawingml/2006/main" xmlns:r="http://schemas.openxmlformats.org/officeDocument/2006/relationships" xmlns:p="http://schemas.openxmlformats.org/presentationml/2006/main">
   <p:cSld>
     <p:spTree>
@@ -6202,212 +6309,6 @@
   <p:clrMapOvr>
     <a:masterClrMapping/>
   </p:clrMapOvr>
-</p:sld>
-</file>
-
-<file path=ppt/slides/slide7.xml><?xml version="1.0" encoding="utf-8"?>
-<p:sld xmlns:a="http://schemas.openxmlformats.org/drawingml/2006/main" xmlns:r="http://schemas.openxmlformats.org/officeDocument/2006/relationships" xmlns:p="http://schemas.openxmlformats.org/presentationml/2006/main">
-  <p:cSld>
-    <p:spTree>
-      <p:nvGrpSpPr>
-        <p:cNvPr id="1" name=""/>
-        <p:cNvGrpSpPr/>
-        <p:nvPr/>
-      </p:nvGrpSpPr>
-      <p:grpSpPr>
-        <a:xfrm>
-          <a:off x="0" y="0"/>
-          <a:ext cx="0" cy="0"/>
-          <a:chOff x="0" y="0"/>
-          <a:chExt cx="0" cy="0"/>
-        </a:xfrm>
-      </p:grpSpPr>
-      <p:sp>
-        <p:nvSpPr>
-          <p:cNvPr id="2" name="Cím 1">
-            <a:extLst>
-              <a:ext uri="{FF2B5EF4-FFF2-40B4-BE49-F238E27FC236}">
-                <a16:creationId xmlns:a16="http://schemas.microsoft.com/office/drawing/2014/main" id="{9A1AFED0-BED0-47A2-99CD-6FEB36A6B148}"/>
-              </a:ext>
-            </a:extLst>
-          </p:cNvPr>
-          <p:cNvSpPr>
-            <a:spLocks noGrp="1"/>
-          </p:cNvSpPr>
-          <p:nvPr>
-            <p:ph type="title"/>
-          </p:nvPr>
-        </p:nvSpPr>
-        <p:spPr/>
-        <p:txBody>
-          <a:bodyPr/>
-          <a:lstStyle/>
-          <a:p>
-            <a:r>
-              <a:rPr lang="hu-HU" dirty="0"/>
-              <a:t>Publikáció</a:t>
-            </a:r>
-            <a:endParaRPr lang="en-US" dirty="0"/>
-          </a:p>
-        </p:txBody>
-      </p:sp>
-      <p:sp>
-        <p:nvSpPr>
-          <p:cNvPr id="5" name="Szöveg helye 4">
-            <a:extLst>
-              <a:ext uri="{FF2B5EF4-FFF2-40B4-BE49-F238E27FC236}">
-                <a16:creationId xmlns:a16="http://schemas.microsoft.com/office/drawing/2014/main" id="{B14EAED0-D69C-4357-92FB-3D97A63EC63F}"/>
-              </a:ext>
-            </a:extLst>
-          </p:cNvPr>
-          <p:cNvSpPr>
-            <a:spLocks noGrp="1"/>
-          </p:cNvSpPr>
-          <p:nvPr>
-            <p:ph type="body" idx="1"/>
-          </p:nvPr>
-        </p:nvSpPr>
-        <p:spPr>
-          <a:xfrm>
-            <a:off x="839787" y="2193132"/>
-            <a:ext cx="5157787" cy="823912"/>
-          </a:xfrm>
-        </p:spPr>
-        <p:txBody>
-          <a:bodyPr/>
-          <a:lstStyle/>
-          <a:p>
-            <a:pPr algn="ctr"/>
-            <a:r>
-              <a:rPr lang="en-US" dirty="0"/>
-              <a:t>Backend</a:t>
-            </a:r>
-          </a:p>
-        </p:txBody>
-      </p:sp>
-      <p:sp>
-        <p:nvSpPr>
-          <p:cNvPr id="7" name="Szöveg helye 6">
-            <a:extLst>
-              <a:ext uri="{FF2B5EF4-FFF2-40B4-BE49-F238E27FC236}">
-                <a16:creationId xmlns:a16="http://schemas.microsoft.com/office/drawing/2014/main" id="{F90605F6-7B62-4DEC-9EE1-1CB14197EB12}"/>
-              </a:ext>
-            </a:extLst>
-          </p:cNvPr>
-          <p:cNvSpPr>
-            <a:spLocks noGrp="1"/>
-          </p:cNvSpPr>
-          <p:nvPr>
-            <p:ph type="body" sz="quarter" idx="3"/>
-          </p:nvPr>
-        </p:nvSpPr>
-        <p:spPr>
-          <a:xfrm>
-            <a:off x="6096000" y="2178588"/>
-            <a:ext cx="5183188" cy="823912"/>
-          </a:xfrm>
-        </p:spPr>
-        <p:txBody>
-          <a:bodyPr/>
-          <a:lstStyle/>
-          <a:p>
-            <a:pPr algn="ctr"/>
-            <a:r>
-              <a:rPr lang="en-US" dirty="0"/>
-              <a:t>Frontend</a:t>
-            </a:r>
-          </a:p>
-        </p:txBody>
-      </p:sp>
-      <p:pic>
-        <p:nvPicPr>
-          <p:cNvPr id="10" name="Tartalom helye 9">
-            <a:extLst>
-              <a:ext uri="{FF2B5EF4-FFF2-40B4-BE49-F238E27FC236}">
-                <a16:creationId xmlns:a16="http://schemas.microsoft.com/office/drawing/2014/main" id="{3E9AFB78-D401-46C6-B3F2-96EF8172420F}"/>
-              </a:ext>
-            </a:extLst>
-          </p:cNvPr>
-          <p:cNvPicPr>
-            <a:picLocks noGrp="1" noChangeAspect="1"/>
-          </p:cNvPicPr>
-          <p:nvPr>
-            <p:ph sz="quarter" idx="4"/>
-          </p:nvPr>
-        </p:nvPicPr>
-        <p:blipFill>
-          <a:blip r:embed="rId2">
-            <a:extLst>
-              <a:ext uri="{28A0092B-C50C-407E-A947-70E740481C1C}">
-                <a14:useLocalDpi xmlns:a14="http://schemas.microsoft.com/office/drawing/2010/main" val="0"/>
-              </a:ext>
-            </a:extLst>
-          </a:blip>
-          <a:stretch>
-            <a:fillRect/>
-          </a:stretch>
-        </p:blipFill>
-        <p:spPr>
-          <a:xfrm>
-            <a:off x="1955452" y="3561868"/>
-            <a:ext cx="2926458" cy="791058"/>
-          </a:xfrm>
-        </p:spPr>
-      </p:pic>
-      <p:pic>
-        <p:nvPicPr>
-          <p:cNvPr id="12" name="Kép 11">
-            <a:extLst>
-              <a:ext uri="{FF2B5EF4-FFF2-40B4-BE49-F238E27FC236}">
-                <a16:creationId xmlns:a16="http://schemas.microsoft.com/office/drawing/2014/main" id="{480B64A4-F579-4D76-B0B6-BA3DC76F4043}"/>
-              </a:ext>
-            </a:extLst>
-          </p:cNvPr>
-          <p:cNvPicPr>
-            <a:picLocks noChangeAspect="1"/>
-          </p:cNvPicPr>
-          <p:nvPr/>
-        </p:nvPicPr>
-        <p:blipFill>
-          <a:blip r:embed="rId3">
-            <a:extLst>
-              <a:ext uri="{28A0092B-C50C-407E-A947-70E740481C1C}">
-                <a14:useLocalDpi xmlns:a14="http://schemas.microsoft.com/office/drawing/2010/main" val="0"/>
-              </a:ext>
-            </a:extLst>
-          </a:blip>
-          <a:stretch>
-            <a:fillRect/>
-          </a:stretch>
-        </p:blipFill>
-        <p:spPr>
-          <a:xfrm>
-            <a:off x="6595900" y="2650088"/>
-            <a:ext cx="4183388" cy="2614618"/>
-          </a:xfrm>
-          <a:prstGeom prst="rect">
-            <a:avLst/>
-          </a:prstGeom>
-        </p:spPr>
-      </p:pic>
-    </p:spTree>
-    <p:extLst>
-      <p:ext uri="{BB962C8B-B14F-4D97-AF65-F5344CB8AC3E}">
-        <p14:creationId xmlns:p14="http://schemas.microsoft.com/office/powerpoint/2010/main" val="1392229419"/>
-      </p:ext>
-    </p:extLst>
-  </p:cSld>
-  <p:clrMapOvr>
-    <a:masterClrMapping/>
-  </p:clrMapOvr>
-  <mc:AlternateContent xmlns:mc="http://schemas.openxmlformats.org/markup-compatibility/2006" xmlns:p14="http://schemas.microsoft.com/office/powerpoint/2010/main">
-    <mc:Choice Requires="p14">
-      <p:transition p14:dur="10"/>
-    </mc:Choice>
-    <mc:Fallback xmlns="">
-      <p:transition/>
-    </mc:Fallback>
-  </mc:AlternateContent>
 </p:sld>
 </file>
 
